--- a/ana klara/Trabalho de PV.pptx
+++ b/ana klara/Trabalho de PV.pptx
@@ -8,6 +8,7 @@
     <p:sldId id="256" r:id="rId2"/>
     <p:sldId id="257" r:id="rId3"/>
     <p:sldId id="258" r:id="rId4"/>
+    <p:sldId id="259" r:id="rId5"/>
   </p:sldIdLst>
   <p:sldSz cx="12192000" cy="6858000"/>
   <p:notesSz cx="6858000" cy="9144000"/>
@@ -5818,6 +5819,47 @@
           <a:chExt cx="0" cy="0"/>
         </a:xfrm>
       </p:grpSpPr>
+      <p:pic>
+        <p:nvPicPr>
+          <p:cNvPr id="2050" name="Picture 2" descr="As sugestões do MST ao novo governo Lula – Política – CartaCapital"/>
+          <p:cNvPicPr>
+            <a:picLocks noChangeAspect="1" noChangeArrowheads="1"/>
+          </p:cNvPicPr>
+          <p:nvPr/>
+        </p:nvPicPr>
+        <p:blipFill>
+          <a:blip r:embed="rId2">
+            <a:extLst>
+              <a:ext uri="{28A0092B-C50C-407E-A947-70E740481C1C}">
+                <a14:useLocalDpi xmlns:a14="http://schemas.microsoft.com/office/drawing/2010/main" val="0"/>
+              </a:ext>
+            </a:extLst>
+          </a:blip>
+          <a:srcRect/>
+          <a:stretch>
+            <a:fillRect/>
+          </a:stretch>
+        </p:blipFill>
+        <p:spPr bwMode="auto">
+          <a:xfrm>
+            <a:off x="0" y="0"/>
+            <a:ext cx="12192000" cy="6858000"/>
+          </a:xfrm>
+          <a:prstGeom prst="rect">
+            <a:avLst/>
+          </a:prstGeom>
+          <a:noFill/>
+          <a:extLst>
+            <a:ext uri="{909E8E84-426E-40DD-AFC4-6F175D3DCCD1}">
+              <a14:hiddenFill xmlns:a14="http://schemas.microsoft.com/office/drawing/2010/main">
+                <a:solidFill>
+                  <a:srgbClr val="FFFFFF"/>
+                </a:solidFill>
+              </a14:hiddenFill>
+            </a:ext>
+          </a:extLst>
+        </p:spPr>
+      </p:pic>
       <p:sp>
         <p:nvSpPr>
           <p:cNvPr id="2" name="Título 1"/>
@@ -5830,7 +5872,7 @@
         </p:nvSpPr>
         <p:spPr>
           <a:xfrm>
-            <a:off x="4160938" y="58723"/>
+            <a:off x="4018324" y="3313651"/>
             <a:ext cx="3506597" cy="729843"/>
           </a:xfrm>
         </p:spPr>
@@ -5860,7 +5902,7 @@
         </p:nvSpPr>
         <p:spPr>
           <a:xfrm>
-            <a:off x="1834891" y="788566"/>
+            <a:off x="1692278" y="3919756"/>
             <a:ext cx="8158690" cy="4571999"/>
           </a:xfrm>
         </p:spPr>
@@ -5932,10 +5974,6 @@
               </a:rPr>
               <a:t>Eric</a:t>
             </a:r>
-            <a:endParaRPr lang="pt-BR" sz="2800" dirty="0" smtClean="0">
-              <a:latin typeface="Arial" panose="020B0604020202020204" pitchFamily="34" charset="0"/>
-              <a:cs typeface="Arial" panose="020B0604020202020204" pitchFamily="34" charset="0"/>
-            </a:endParaRPr>
           </a:p>
         </p:txBody>
       </p:sp>
@@ -5969,10 +6007,81 @@
           <a:chExt cx="0" cy="0"/>
         </a:xfrm>
       </p:grpSpPr>
+      <p:pic>
+        <p:nvPicPr>
+          <p:cNvPr id="1026" name="Picture 2" descr="Nossos Símbolos - MST"/>
+          <p:cNvPicPr>
+            <a:picLocks noChangeAspect="1" noChangeArrowheads="1"/>
+          </p:cNvPicPr>
+          <p:nvPr/>
+        </p:nvPicPr>
+        <p:blipFill>
+          <a:blip r:embed="rId2">
+            <a:extLst>
+              <a:ext uri="{28A0092B-C50C-407E-A947-70E740481C1C}">
+                <a14:useLocalDpi xmlns:a14="http://schemas.microsoft.com/office/drawing/2010/main" val="0"/>
+              </a:ext>
+            </a:extLst>
+          </a:blip>
+          <a:srcRect/>
+          <a:stretch>
+            <a:fillRect/>
+          </a:stretch>
+        </p:blipFill>
+        <p:spPr bwMode="auto">
+          <a:xfrm>
+            <a:off x="0" y="0"/>
+            <a:ext cx="12192000" cy="6858000"/>
+          </a:xfrm>
+          <a:prstGeom prst="rect">
+            <a:avLst/>
+          </a:prstGeom>
+          <a:noFill/>
+          <a:extLst>
+            <a:ext uri="{909E8E84-426E-40DD-AFC4-6F175D3DCCD1}">
+              <a14:hiddenFill xmlns:a14="http://schemas.microsoft.com/office/drawing/2010/main">
+                <a:solidFill>
+                  <a:srgbClr val="FFFFFF"/>
+                </a:solidFill>
+              </a14:hiddenFill>
+            </a:ext>
+          </a:extLst>
+        </p:spPr>
+      </p:pic>
     </p:spTree>
     <p:extLst>
       <p:ext uri="{BB962C8B-B14F-4D97-AF65-F5344CB8AC3E}">
         <p14:creationId xmlns:p14="http://schemas.microsoft.com/office/powerpoint/2010/main" val="110682843"/>
+      </p:ext>
+    </p:extLst>
+  </p:cSld>
+  <p:clrMapOvr>
+    <a:masterClrMapping/>
+  </p:clrMapOvr>
+</p:sld>
+</file>
+
+<file path=ppt/slides/slide4.xml><?xml version="1.0" encoding="utf-8"?>
+<p:sld xmlns:a="http://schemas.openxmlformats.org/drawingml/2006/main" xmlns:r="http://schemas.openxmlformats.org/officeDocument/2006/relationships" xmlns:p="http://schemas.openxmlformats.org/presentationml/2006/main">
+  <p:cSld>
+    <p:spTree>
+      <p:nvGrpSpPr>
+        <p:cNvPr id="1" name=""/>
+        <p:cNvGrpSpPr/>
+        <p:nvPr/>
+      </p:nvGrpSpPr>
+      <p:grpSpPr>
+        <a:xfrm>
+          <a:off x="0" y="0"/>
+          <a:ext cx="0" cy="0"/>
+          <a:chOff x="0" y="0"/>
+          <a:chExt cx="0" cy="0"/>
+        </a:xfrm>
+      </p:grpSpPr>
+    </p:spTree>
+    <p:extLst>
+      <p:ext uri="{BB962C8B-B14F-4D97-AF65-F5344CB8AC3E}">
+        <p14:creationId xmlns:p14="http://schemas.microsoft.com/office/powerpoint/2010/main" val="303413568"/>
       </p:ext>
     </p:extLst>
   </p:cSld>

--- a/ana klara/Trabalho de PV.pptx
+++ b/ana klara/Trabalho de PV.pptx
@@ -2,13 +2,29 @@
 <file path=ppt/presentation.xml><?xml version="1.0" encoding="utf-8"?>
 <p:presentation xmlns:a="http://schemas.openxmlformats.org/drawingml/2006/main" xmlns:r="http://schemas.openxmlformats.org/officeDocument/2006/relationships" xmlns:p="http://schemas.openxmlformats.org/presentationml/2006/main" saveSubsetFonts="1">
   <p:sldMasterIdLst>
-    <p:sldMasterId id="2147484206" r:id="rId1"/>
+    <p:sldMasterId id="2147484350" r:id="rId1"/>
   </p:sldMasterIdLst>
   <p:sldIdLst>
     <p:sldId id="256" r:id="rId2"/>
     <p:sldId id="257" r:id="rId3"/>
-    <p:sldId id="258" r:id="rId4"/>
-    <p:sldId id="259" r:id="rId5"/>
+    <p:sldId id="259" r:id="rId4"/>
+    <p:sldId id="270" r:id="rId5"/>
+    <p:sldId id="260" r:id="rId6"/>
+    <p:sldId id="271" r:id="rId7"/>
+    <p:sldId id="261" r:id="rId8"/>
+    <p:sldId id="262" r:id="rId9"/>
+    <p:sldId id="263" r:id="rId10"/>
+    <p:sldId id="264" r:id="rId11"/>
+    <p:sldId id="272" r:id="rId12"/>
+    <p:sldId id="265" r:id="rId13"/>
+    <p:sldId id="273" r:id="rId14"/>
+    <p:sldId id="266" r:id="rId15"/>
+    <p:sldId id="274" r:id="rId16"/>
+    <p:sldId id="267" r:id="rId17"/>
+    <p:sldId id="277" r:id="rId18"/>
+    <p:sldId id="268" r:id="rId19"/>
+    <p:sldId id="275" r:id="rId20"/>
+    <p:sldId id="269" r:id="rId21"/>
   </p:sldIdLst>
   <p:sldSz cx="12192000" cy="6858000"/>
   <p:notesSz cx="6858000" cy="9144000"/>
@@ -132,50 +148,20 @@
           <a:chExt cx="0" cy="0"/>
         </a:xfrm>
       </p:grpSpPr>
-      <p:pic>
-        <p:nvPicPr>
-          <p:cNvPr id="7" name="Picture 6" descr="C0-HD-BTM.png"/>
-          <p:cNvPicPr>
-            <a:picLocks noChangeAspect="1"/>
-          </p:cNvPicPr>
-          <p:nvPr/>
-        </p:nvPicPr>
-        <p:blipFill>
-          <a:blip r:embed="rId2">
-            <a:extLst>
-              <a:ext uri="{28A0092B-C50C-407E-A947-70E740481C1C}">
-                <a14:useLocalDpi xmlns:a14="http://schemas.microsoft.com/office/drawing/2010/main" val="0"/>
-              </a:ext>
-            </a:extLst>
-          </a:blip>
-          <a:stretch>
-            <a:fillRect/>
-          </a:stretch>
-        </p:blipFill>
+      <p:sp>
+        <p:nvSpPr>
+          <p:cNvPr id="2" name="Title 1"/>
+          <p:cNvSpPr>
+            <a:spLocks noGrp="1"/>
+          </p:cNvSpPr>
+          <p:nvPr>
+            <p:ph type="ctrTitle"/>
+          </p:nvPr>
+        </p:nvSpPr>
         <p:spPr>
           <a:xfrm>
-            <a:off x="0" y="4375150"/>
-            <a:ext cx="12192000" cy="2482850"/>
-          </a:xfrm>
-          <a:prstGeom prst="rect">
-            <a:avLst/>
-          </a:prstGeom>
-        </p:spPr>
-      </p:pic>
-      <p:sp>
-        <p:nvSpPr>
-          <p:cNvPr id="2" name="Title 1"/>
-          <p:cNvSpPr>
-            <a:spLocks noGrp="1"/>
-          </p:cNvSpPr>
-          <p:nvPr>
-            <p:ph type="ctrTitle"/>
-          </p:nvPr>
-        </p:nvSpPr>
-        <p:spPr>
-          <a:xfrm>
-            <a:off x="1371600" y="1803405"/>
-            <a:ext cx="9448800" cy="1825096"/>
+            <a:off x="1751012" y="609601"/>
+            <a:ext cx="8676222" cy="3200400"/>
           </a:xfrm>
         </p:spPr>
         <p:txBody>
@@ -183,8 +169,23 @@
             <a:normAutofit/>
           </a:bodyPr>
           <a:lstStyle>
-            <a:lvl1pPr algn="l">
-              <a:defRPr sz="6000"/>
+            <a:lvl1pPr algn="ctr">
+              <a:defRPr sz="4800">
+                <a:effectLst>
+                  <a:glow rad="38100">
+                    <a:schemeClr val="bg1">
+                      <a:lumMod val="65000"/>
+                      <a:lumOff val="35000"/>
+                      <a:alpha val="50000"/>
+                    </a:schemeClr>
+                  </a:glow>
+                  <a:outerShdw blurRad="28575" dist="31750" dir="13200000" algn="tl" rotWithShape="0">
+                    <a:srgbClr val="000000">
+                      <a:alpha val="25000"/>
+                    </a:srgbClr>
+                  </a:outerShdw>
+                </a:effectLst>
+              </a:defRPr>
             </a:lvl1pPr>
           </a:lstStyle>
           <a:p>
@@ -208,50 +209,102 @@
         </p:nvSpPr>
         <p:spPr>
           <a:xfrm>
-            <a:off x="1371600" y="3632201"/>
-            <a:ext cx="9448800" cy="685800"/>
-          </a:xfrm>
-        </p:spPr>
-        <p:txBody>
-          <a:bodyPr>
+            <a:off x="1751012" y="3886200"/>
+            <a:ext cx="8676222" cy="1905000"/>
+          </a:xfrm>
+        </p:spPr>
+        <p:txBody>
+          <a:bodyPr anchor="t">
             <a:normAutofit/>
           </a:bodyPr>
           <a:lstStyle>
-            <a:lvl1pPr marL="0" indent="0" algn="l">
-              <a:buNone/>
-              <a:defRPr sz="2000"/>
+            <a:lvl1pPr marL="0" indent="0" algn="ctr">
+              <a:buNone/>
+              <a:defRPr sz="2100">
+                <a:solidFill>
+                  <a:schemeClr val="tx1"/>
+                </a:solidFill>
+              </a:defRPr>
             </a:lvl1pPr>
             <a:lvl2pPr marL="457200" indent="0" algn="ctr">
               <a:buNone/>
-              <a:defRPr sz="2000"/>
+              <a:defRPr>
+                <a:solidFill>
+                  <a:schemeClr val="tx1">
+                    <a:tint val="75000"/>
+                  </a:schemeClr>
+                </a:solidFill>
+              </a:defRPr>
             </a:lvl2pPr>
             <a:lvl3pPr marL="914400" indent="0" algn="ctr">
               <a:buNone/>
-              <a:defRPr sz="1800"/>
+              <a:defRPr>
+                <a:solidFill>
+                  <a:schemeClr val="tx1">
+                    <a:tint val="75000"/>
+                  </a:schemeClr>
+                </a:solidFill>
+              </a:defRPr>
             </a:lvl3pPr>
             <a:lvl4pPr marL="1371600" indent="0" algn="ctr">
               <a:buNone/>
-              <a:defRPr sz="1600"/>
+              <a:defRPr>
+                <a:solidFill>
+                  <a:schemeClr val="tx1">
+                    <a:tint val="75000"/>
+                  </a:schemeClr>
+                </a:solidFill>
+              </a:defRPr>
             </a:lvl4pPr>
             <a:lvl5pPr marL="1828800" indent="0" algn="ctr">
               <a:buNone/>
-              <a:defRPr sz="1600"/>
+              <a:defRPr>
+                <a:solidFill>
+                  <a:schemeClr val="tx1">
+                    <a:tint val="75000"/>
+                  </a:schemeClr>
+                </a:solidFill>
+              </a:defRPr>
             </a:lvl5pPr>
             <a:lvl6pPr marL="2286000" indent="0" algn="ctr">
               <a:buNone/>
-              <a:defRPr sz="1600"/>
+              <a:defRPr>
+                <a:solidFill>
+                  <a:schemeClr val="tx1">
+                    <a:tint val="75000"/>
+                  </a:schemeClr>
+                </a:solidFill>
+              </a:defRPr>
             </a:lvl6pPr>
             <a:lvl7pPr marL="2743200" indent="0" algn="ctr">
               <a:buNone/>
-              <a:defRPr sz="1600"/>
+              <a:defRPr>
+                <a:solidFill>
+                  <a:schemeClr val="tx1">
+                    <a:tint val="75000"/>
+                  </a:schemeClr>
+                </a:solidFill>
+              </a:defRPr>
             </a:lvl7pPr>
             <a:lvl8pPr marL="3200400" indent="0" algn="ctr">
               <a:buNone/>
-              <a:defRPr sz="1600"/>
+              <a:defRPr>
+                <a:solidFill>
+                  <a:schemeClr val="tx1">
+                    <a:tint val="75000"/>
+                  </a:schemeClr>
+                </a:solidFill>
+              </a:defRPr>
             </a:lvl8pPr>
             <a:lvl9pPr marL="3657600" indent="0" algn="ctr">
               <a:buNone/>
-              <a:defRPr sz="1600"/>
+              <a:defRPr>
+                <a:solidFill>
+                  <a:schemeClr val="tx1">
+                    <a:tint val="75000"/>
+                  </a:schemeClr>
+                </a:solidFill>
+              </a:defRPr>
             </a:lvl9pPr>
           </a:lstStyle>
           <a:p>
@@ -273,12 +326,7 @@
             <p:ph type="dt" sz="half" idx="10"/>
           </p:nvPr>
         </p:nvSpPr>
-        <p:spPr>
-          <a:xfrm>
-            <a:off x="7909561" y="4314328"/>
-            <a:ext cx="2910840" cy="374642"/>
-          </a:xfrm>
-        </p:spPr>
+        <p:spPr/>
         <p:txBody>
           <a:bodyPr/>
           <a:lstStyle/>
@@ -301,12 +349,7 @@
             <p:ph type="ftr" sz="quarter" idx="11"/>
           </p:nvPr>
         </p:nvSpPr>
-        <p:spPr>
-          <a:xfrm>
-            <a:off x="1371600" y="4323845"/>
-            <a:ext cx="6400800" cy="365125"/>
-          </a:xfrm>
-        </p:spPr>
+        <p:spPr/>
         <p:txBody>
           <a:bodyPr/>
           <a:lstStyle/>
@@ -325,12 +368,7 @@
             <p:ph type="sldNum" sz="quarter" idx="12"/>
           </p:nvPr>
         </p:nvSpPr>
-        <p:spPr>
-          <a:xfrm>
-            <a:off x="8077200" y="1430866"/>
-            <a:ext cx="2743200" cy="365125"/>
-          </a:xfrm>
-        </p:spPr>
+        <p:spPr/>
         <p:txBody>
           <a:bodyPr/>
           <a:lstStyle/>
@@ -346,7 +384,7 @@
     </p:spTree>
     <p:extLst>
       <p:ext uri="{BB962C8B-B14F-4D97-AF65-F5344CB8AC3E}">
-        <p14:creationId xmlns:p14="http://schemas.microsoft.com/office/powerpoint/2010/main" val="2174643904"/>
+        <p14:creationId xmlns:p14="http://schemas.microsoft.com/office/powerpoint/2010/main" val="1548328568"/>
       </p:ext>
     </p:extLst>
   </p:cSld>
@@ -385,15 +423,17 @@
         </p:nvSpPr>
         <p:spPr>
           <a:xfrm>
-            <a:off x="685777" y="4697360"/>
-            <a:ext cx="10822034" cy="819355"/>
-          </a:xfrm>
-        </p:spPr>
-        <p:txBody>
-          <a:bodyPr anchor="b"/>
+            <a:off x="1141413" y="4732865"/>
+            <a:ext cx="9906000" cy="566738"/>
+          </a:xfrm>
+        </p:spPr>
+        <p:txBody>
+          <a:bodyPr anchor="b">
+            <a:normAutofit/>
+          </a:bodyPr>
           <a:lstStyle>
             <a:lvl1pPr algn="l">
-              <a:defRPr sz="3200"/>
+              <a:defRPr sz="2400" b="0"/>
             </a:lvl1pPr>
           </a:lstStyle>
           <a:p>
@@ -417,113 +457,145 @@
         </p:nvSpPr>
         <p:spPr>
           <a:xfrm>
-            <a:off x="681727" y="941439"/>
-            <a:ext cx="10821840" cy="3478161"/>
-          </a:xfrm>
-        </p:spPr>
-        <p:txBody>
-          <a:bodyPr anchor="t"/>
+            <a:off x="1979612" y="932112"/>
+            <a:ext cx="8225944" cy="3164976"/>
+          </a:xfrm>
+          <a:prstGeom prst="roundRect">
+            <a:avLst>
+              <a:gd name="adj" fmla="val 4380"/>
+            </a:avLst>
+          </a:prstGeom>
+          <a:ln w="38100">
+            <a:gradFill flip="none" rotWithShape="1">
+              <a:gsLst>
+                <a:gs pos="0">
+                  <a:schemeClr val="bg2"/>
+                </a:gs>
+                <a:gs pos="100000">
+                  <a:schemeClr val="bg2">
+                    <a:lumMod val="75000"/>
+                  </a:schemeClr>
+                </a:gs>
+              </a:gsLst>
+              <a:lin ang="5400000" scaled="0"/>
+              <a:tileRect/>
+            </a:gradFill>
+          </a:ln>
+          <a:effectLst>
+            <a:innerShdw blurRad="57150" dist="38100" dir="14460000">
+              <a:srgbClr val="000000">
+                <a:alpha val="70000"/>
+              </a:srgbClr>
+            </a:innerShdw>
+          </a:effectLst>
+        </p:spPr>
+        <p:txBody>
+          <a:bodyPr anchor="t">
+            <a:normAutofit/>
+          </a:bodyPr>
           <a:lstStyle>
-            <a:lvl1pPr marL="0" indent="0">
-              <a:buNone/>
-              <a:defRPr sz="3200"/>
-            </a:lvl1pPr>
-            <a:lvl2pPr marL="457200" indent="0">
-              <a:buNone/>
-              <a:defRPr sz="2800"/>
-            </a:lvl2pPr>
-            <a:lvl3pPr marL="914400" indent="0">
-              <a:buNone/>
-              <a:defRPr sz="2400"/>
-            </a:lvl3pPr>
-            <a:lvl4pPr marL="1371600" indent="0">
-              <a:buNone/>
-              <a:defRPr sz="2000"/>
-            </a:lvl4pPr>
-            <a:lvl5pPr marL="1828800" indent="0">
-              <a:buNone/>
-              <a:defRPr sz="2000"/>
-            </a:lvl5pPr>
-            <a:lvl6pPr marL="2286000" indent="0">
-              <a:buNone/>
-              <a:defRPr sz="2000"/>
-            </a:lvl6pPr>
-            <a:lvl7pPr marL="2743200" indent="0">
-              <a:buNone/>
-              <a:defRPr sz="2000"/>
-            </a:lvl7pPr>
-            <a:lvl8pPr marL="3200400" indent="0">
-              <a:buNone/>
-              <a:defRPr sz="2000"/>
-            </a:lvl8pPr>
-            <a:lvl9pPr marL="3657600" indent="0">
-              <a:buNone/>
-              <a:defRPr sz="2000"/>
-            </a:lvl9pPr>
-          </a:lstStyle>
-          <a:p>
-            <a:r>
-              <a:rPr lang="pt-BR" smtClean="0"/>
-              <a:t>Clique no ícone para adicionar uma imagem</a:t>
-            </a:r>
-            <a:endParaRPr lang="en-US" dirty="0"/>
-          </a:p>
-        </p:txBody>
-      </p:sp>
-      <p:sp>
-        <p:nvSpPr>
-          <p:cNvPr id="4" name="Text Placeholder 3"/>
-          <p:cNvSpPr>
-            <a:spLocks noGrp="1"/>
-          </p:cNvSpPr>
-          <p:nvPr>
-            <p:ph type="body" sz="half" idx="2"/>
-          </p:nvPr>
-        </p:nvSpPr>
-        <p:spPr>
-          <a:xfrm>
-            <a:off x="685800" y="5516715"/>
-            <a:ext cx="10820400" cy="701969"/>
-          </a:xfrm>
-        </p:spPr>
-        <p:txBody>
-          <a:bodyPr/>
-          <a:lstStyle>
-            <a:lvl1pPr marL="0" indent="0" algn="l">
+            <a:lvl1pPr marL="0" indent="0" algn="ctr">
               <a:buNone/>
               <a:defRPr sz="1600"/>
             </a:lvl1pPr>
             <a:lvl2pPr marL="457200" indent="0">
               <a:buNone/>
-              <a:defRPr sz="1400"/>
+              <a:defRPr sz="1600"/>
             </a:lvl2pPr>
             <a:lvl3pPr marL="914400" indent="0">
               <a:buNone/>
-              <a:defRPr sz="1200"/>
+              <a:defRPr sz="1600"/>
             </a:lvl3pPr>
             <a:lvl4pPr marL="1371600" indent="0">
               <a:buNone/>
-              <a:defRPr sz="1000"/>
+              <a:defRPr sz="1600"/>
             </a:lvl4pPr>
             <a:lvl5pPr marL="1828800" indent="0">
               <a:buNone/>
-              <a:defRPr sz="1000"/>
+              <a:defRPr sz="1600"/>
             </a:lvl5pPr>
             <a:lvl6pPr marL="2286000" indent="0">
               <a:buNone/>
-              <a:defRPr sz="1000"/>
+              <a:defRPr sz="1600"/>
             </a:lvl6pPr>
             <a:lvl7pPr marL="2743200" indent="0">
               <a:buNone/>
-              <a:defRPr sz="1000"/>
+              <a:defRPr sz="1600"/>
             </a:lvl7pPr>
             <a:lvl8pPr marL="3200400" indent="0">
               <a:buNone/>
-              <a:defRPr sz="1000"/>
+              <a:defRPr sz="1600"/>
             </a:lvl8pPr>
             <a:lvl9pPr marL="3657600" indent="0">
               <a:buNone/>
+              <a:defRPr sz="1600"/>
+            </a:lvl9pPr>
+          </a:lstStyle>
+          <a:p>
+            <a:r>
+              <a:rPr lang="pt-BR" smtClean="0"/>
+              <a:t>Clique no ícone para adicionar uma imagem</a:t>
+            </a:r>
+            <a:endParaRPr lang="en-US" dirty="0"/>
+          </a:p>
+        </p:txBody>
+      </p:sp>
+      <p:sp>
+        <p:nvSpPr>
+          <p:cNvPr id="4" name="Text Placeholder 3"/>
+          <p:cNvSpPr>
+            <a:spLocks noGrp="1"/>
+          </p:cNvSpPr>
+          <p:nvPr>
+            <p:ph type="body" sz="half" idx="2"/>
+          </p:nvPr>
+        </p:nvSpPr>
+        <p:spPr>
+          <a:xfrm>
+            <a:off x="1141413" y="5299603"/>
+            <a:ext cx="9906000" cy="493712"/>
+          </a:xfrm>
+        </p:spPr>
+        <p:txBody>
+          <a:bodyPr>
+            <a:normAutofit/>
+          </a:bodyPr>
+          <a:lstStyle>
+            <a:lvl1pPr marL="0" indent="0">
+              <a:buNone/>
+              <a:defRPr sz="1400"/>
+            </a:lvl1pPr>
+            <a:lvl2pPr marL="457200" indent="0">
+              <a:buNone/>
+              <a:defRPr sz="1200"/>
+            </a:lvl2pPr>
+            <a:lvl3pPr marL="914400" indent="0">
+              <a:buNone/>
               <a:defRPr sz="1000"/>
+            </a:lvl3pPr>
+            <a:lvl4pPr marL="1371600" indent="0">
+              <a:buNone/>
+              <a:defRPr sz="900"/>
+            </a:lvl4pPr>
+            <a:lvl5pPr marL="1828800" indent="0">
+              <a:buNone/>
+              <a:defRPr sz="900"/>
+            </a:lvl5pPr>
+            <a:lvl6pPr marL="2286000" indent="0">
+              <a:buNone/>
+              <a:defRPr sz="900"/>
+            </a:lvl6pPr>
+            <a:lvl7pPr marL="2743200" indent="0">
+              <a:buNone/>
+              <a:defRPr sz="900"/>
+            </a:lvl7pPr>
+            <a:lvl8pPr marL="3200400" indent="0">
+              <a:buNone/>
+              <a:defRPr sz="900"/>
+            </a:lvl8pPr>
+            <a:lvl9pPr marL="3657600" indent="0">
+              <a:buNone/>
+              <a:defRPr sz="900"/>
             </a:lvl9pPr>
           </a:lstStyle>
           <a:p>
@@ -603,7 +675,7 @@
     </p:spTree>
     <p:extLst>
       <p:ext uri="{BB962C8B-B14F-4D97-AF65-F5344CB8AC3E}">
-        <p14:creationId xmlns:p14="http://schemas.microsoft.com/office/powerpoint/2010/main" val="1656604981"/>
+        <p14:creationId xmlns:p14="http://schemas.microsoft.com/office/powerpoint/2010/main" val="1216985052"/>
       </p:ext>
     </p:extLst>
   </p:cSld>
@@ -614,7 +686,7 @@
 </file>
 
 <file path=ppt/slideLayouts/slideLayout11.xml><?xml version="1.0" encoding="utf-8"?>
-<p:sldLayout xmlns:a="http://schemas.openxmlformats.org/drawingml/2006/main" xmlns:r="http://schemas.openxmlformats.org/officeDocument/2006/relationships" xmlns:p="http://schemas.openxmlformats.org/presentationml/2006/main" showMasterSp="0" preserve="1">
+<p:sldLayout xmlns:a="http://schemas.openxmlformats.org/drawingml/2006/main" xmlns:r="http://schemas.openxmlformats.org/officeDocument/2006/relationships" xmlns:p="http://schemas.openxmlformats.org/presentationml/2006/main" preserve="1">
   <p:cSld name="Título e Legenda">
     <p:spTree>
       <p:nvGrpSpPr>
@@ -630,57 +702,29 @@
           <a:chExt cx="0" cy="0"/>
         </a:xfrm>
       </p:grpSpPr>
-      <p:pic>
-        <p:nvPicPr>
-          <p:cNvPr id="8" name="Picture 7" descr="C0-HD-BTM.png"/>
-          <p:cNvPicPr>
-            <a:picLocks noChangeAspect="1"/>
-          </p:cNvPicPr>
-          <p:nvPr/>
-        </p:nvPicPr>
-        <p:blipFill>
-          <a:blip r:embed="rId2">
-            <a:extLst>
-              <a:ext uri="{28A0092B-C50C-407E-A947-70E740481C1C}">
-                <a14:useLocalDpi xmlns:a14="http://schemas.microsoft.com/office/drawing/2010/main" val="0"/>
-              </a:ext>
-            </a:extLst>
-          </a:blip>
-          <a:stretch>
-            <a:fillRect/>
-          </a:stretch>
-        </p:blipFill>
+      <p:sp>
+        <p:nvSpPr>
+          <p:cNvPr id="2" name="Title 1"/>
+          <p:cNvSpPr>
+            <a:spLocks noGrp="1"/>
+          </p:cNvSpPr>
+          <p:nvPr>
+            <p:ph type="title"/>
+          </p:nvPr>
+        </p:nvSpPr>
         <p:spPr>
           <a:xfrm>
-            <a:off x="0" y="4375150"/>
-            <a:ext cx="12192000" cy="2482850"/>
-          </a:xfrm>
-          <a:prstGeom prst="rect">
-            <a:avLst/>
-          </a:prstGeom>
-        </p:spPr>
-      </p:pic>
-      <p:sp>
-        <p:nvSpPr>
-          <p:cNvPr id="2" name="Title 1"/>
-          <p:cNvSpPr>
-            <a:spLocks noGrp="1"/>
-          </p:cNvSpPr>
-          <p:nvPr>
-            <p:ph type="title"/>
-          </p:nvPr>
-        </p:nvSpPr>
-        <p:spPr>
-          <a:xfrm>
-            <a:off x="685800" y="753532"/>
-            <a:ext cx="10820400" cy="2802467"/>
-          </a:xfrm>
-        </p:spPr>
-        <p:txBody>
-          <a:bodyPr anchor="ctr"/>
+            <a:off x="1141412" y="609601"/>
+            <a:ext cx="9905999" cy="3124199"/>
+          </a:xfrm>
+        </p:spPr>
+        <p:txBody>
+          <a:bodyPr anchor="ctr">
+            <a:normAutofit/>
+          </a:bodyPr>
           <a:lstStyle>
             <a:lvl1pPr algn="l">
-              <a:defRPr sz="3200"/>
+              <a:defRPr sz="3200" b="0" cap="all"/>
             </a:lvl1pPr>
           </a:lstStyle>
           <a:p>
@@ -694,58 +738,112 @@
       </p:sp>
       <p:sp>
         <p:nvSpPr>
-          <p:cNvPr id="4" name="Text Placeholder 3"/>
-          <p:cNvSpPr>
-            <a:spLocks noGrp="1"/>
-          </p:cNvSpPr>
-          <p:nvPr>
-            <p:ph type="body" sz="half" idx="2"/>
+          <p:cNvPr id="3" name="Text Placeholder 2"/>
+          <p:cNvSpPr>
+            <a:spLocks noGrp="1"/>
+          </p:cNvSpPr>
+          <p:nvPr>
+            <p:ph type="body" idx="1"/>
           </p:nvPr>
         </p:nvSpPr>
         <p:spPr>
           <a:xfrm>
-            <a:off x="1024467" y="3649133"/>
-            <a:ext cx="10130516" cy="999067"/>
-          </a:xfrm>
-        </p:spPr>
-        <p:txBody>
-          <a:bodyPr anchor="ctr"/>
+            <a:off x="1141411" y="4343400"/>
+            <a:ext cx="9906000" cy="1447800"/>
+          </a:xfrm>
+        </p:spPr>
+        <p:txBody>
+          <a:bodyPr anchor="ctr">
+            <a:normAutofit/>
+          </a:bodyPr>
           <a:lstStyle>
-            <a:lvl1pPr marL="0" indent="0">
-              <a:buNone/>
-              <a:defRPr sz="1600"/>
+            <a:lvl1pPr marL="0" indent="0" algn="l">
+              <a:buNone/>
+              <a:defRPr sz="2000">
+                <a:solidFill>
+                  <a:schemeClr val="tx1"/>
+                </a:solidFill>
+              </a:defRPr>
             </a:lvl1pPr>
             <a:lvl2pPr marL="457200" indent="0">
               <a:buNone/>
-              <a:defRPr sz="1400"/>
+              <a:defRPr sz="1800">
+                <a:solidFill>
+                  <a:schemeClr val="tx1">
+                    <a:tint val="75000"/>
+                  </a:schemeClr>
+                </a:solidFill>
+              </a:defRPr>
             </a:lvl2pPr>
             <a:lvl3pPr marL="914400" indent="0">
               <a:buNone/>
-              <a:defRPr sz="1200"/>
+              <a:defRPr sz="1600">
+                <a:solidFill>
+                  <a:schemeClr val="tx1">
+                    <a:tint val="75000"/>
+                  </a:schemeClr>
+                </a:solidFill>
+              </a:defRPr>
             </a:lvl3pPr>
             <a:lvl4pPr marL="1371600" indent="0">
               <a:buNone/>
-              <a:defRPr sz="1000"/>
+              <a:defRPr sz="1400">
+                <a:solidFill>
+                  <a:schemeClr val="tx1">
+                    <a:tint val="75000"/>
+                  </a:schemeClr>
+                </a:solidFill>
+              </a:defRPr>
             </a:lvl4pPr>
             <a:lvl5pPr marL="1828800" indent="0">
               <a:buNone/>
-              <a:defRPr sz="1000"/>
+              <a:defRPr sz="1400">
+                <a:solidFill>
+                  <a:schemeClr val="tx1">
+                    <a:tint val="75000"/>
+                  </a:schemeClr>
+                </a:solidFill>
+              </a:defRPr>
             </a:lvl5pPr>
             <a:lvl6pPr marL="2286000" indent="0">
               <a:buNone/>
-              <a:defRPr sz="1000"/>
+              <a:defRPr sz="1400">
+                <a:solidFill>
+                  <a:schemeClr val="tx1">
+                    <a:tint val="75000"/>
+                  </a:schemeClr>
+                </a:solidFill>
+              </a:defRPr>
             </a:lvl6pPr>
             <a:lvl7pPr marL="2743200" indent="0">
               <a:buNone/>
-              <a:defRPr sz="1000"/>
+              <a:defRPr sz="1400">
+                <a:solidFill>
+                  <a:schemeClr val="tx1">
+                    <a:tint val="75000"/>
+                  </a:schemeClr>
+                </a:solidFill>
+              </a:defRPr>
             </a:lvl7pPr>
             <a:lvl8pPr marL="3200400" indent="0">
               <a:buNone/>
-              <a:defRPr sz="1000"/>
+              <a:defRPr sz="1400">
+                <a:solidFill>
+                  <a:schemeClr val="tx1">
+                    <a:tint val="75000"/>
+                  </a:schemeClr>
+                </a:solidFill>
+              </a:defRPr>
             </a:lvl8pPr>
             <a:lvl9pPr marL="3657600" indent="0">
               <a:buNone/>
-              <a:defRPr sz="1000"/>
+              <a:defRPr sz="1400">
+                <a:solidFill>
+                  <a:schemeClr val="tx1">
+                    <a:tint val="75000"/>
+                  </a:schemeClr>
+                </a:solidFill>
+              </a:defRPr>
             </a:lvl9pPr>
           </a:lstStyle>
           <a:p>
@@ -759,7 +857,7 @@
       </p:sp>
       <p:sp>
         <p:nvSpPr>
-          <p:cNvPr id="5" name="Date Placeholder 4"/>
+          <p:cNvPr id="4" name="Date Placeholder 3"/>
           <p:cNvSpPr>
             <a:spLocks noGrp="1"/>
           </p:cNvSpPr>
@@ -767,19 +865,10 @@
             <p:ph type="dt" sz="half" idx="10"/>
           </p:nvPr>
         </p:nvSpPr>
-        <p:spPr>
-          <a:xfrm>
-            <a:off x="7814452" y="381000"/>
-            <a:ext cx="2910840" cy="365125"/>
-          </a:xfrm>
-        </p:spPr>
+        <p:spPr/>
         <p:txBody>
           <a:bodyPr/>
-          <a:lstStyle>
-            <a:lvl1pPr algn="r">
-              <a:defRPr/>
-            </a:lvl1pPr>
-          </a:lstStyle>
+          <a:lstStyle/>
           <a:p>
             <a:fld id="{15E286F4-4AC6-4931-B051-550790D25842}" type="datetimeFigureOut">
               <a:rPr lang="pt-BR" smtClean="0"/>
@@ -791,7 +880,7 @@
       </p:sp>
       <p:sp>
         <p:nvSpPr>
-          <p:cNvPr id="6" name="Footer Placeholder 5"/>
+          <p:cNvPr id="5" name="Footer Placeholder 4"/>
           <p:cNvSpPr>
             <a:spLocks noGrp="1"/>
           </p:cNvSpPr>
@@ -799,12 +888,7 @@
             <p:ph type="ftr" sz="quarter" idx="11"/>
           </p:nvPr>
         </p:nvSpPr>
-        <p:spPr>
-          <a:xfrm>
-            <a:off x="685800" y="379941"/>
-            <a:ext cx="6991492" cy="365125"/>
-          </a:xfrm>
-        </p:spPr>
+        <p:spPr/>
         <p:txBody>
           <a:bodyPr/>
           <a:lstStyle/>
@@ -815,7 +899,7 @@
       </p:sp>
       <p:sp>
         <p:nvSpPr>
-          <p:cNvPr id="7" name="Slide Number Placeholder 6"/>
+          <p:cNvPr id="6" name="Slide Number Placeholder 5"/>
           <p:cNvSpPr>
             <a:spLocks noGrp="1"/>
           </p:cNvSpPr>
@@ -823,12 +907,7 @@
             <p:ph type="sldNum" sz="quarter" idx="12"/>
           </p:nvPr>
         </p:nvSpPr>
-        <p:spPr>
-          <a:xfrm>
-            <a:off x="10862452" y="381000"/>
-            <a:ext cx="643748" cy="365125"/>
-          </a:xfrm>
-        </p:spPr>
+        <p:spPr/>
         <p:txBody>
           <a:bodyPr/>
           <a:lstStyle/>
@@ -844,7 +923,7 @@
     </p:spTree>
     <p:extLst>
       <p:ext uri="{BB962C8B-B14F-4D97-AF65-F5344CB8AC3E}">
-        <p14:creationId xmlns:p14="http://schemas.microsoft.com/office/powerpoint/2010/main" val="358070027"/>
+        <p14:creationId xmlns:p14="http://schemas.microsoft.com/office/powerpoint/2010/main" val="3438112937"/>
       </p:ext>
     </p:extLst>
   </p:cSld>
@@ -855,7 +934,7 @@
 </file>
 
 <file path=ppt/slideLayouts/slideLayout12.xml><?xml version="1.0" encoding="utf-8"?>
-<p:sldLayout xmlns:a="http://schemas.openxmlformats.org/drawingml/2006/main" xmlns:r="http://schemas.openxmlformats.org/officeDocument/2006/relationships" xmlns:p="http://schemas.openxmlformats.org/presentationml/2006/main" showMasterSp="0" preserve="1">
+<p:sldLayout xmlns:a="http://schemas.openxmlformats.org/drawingml/2006/main" xmlns:r="http://schemas.openxmlformats.org/officeDocument/2006/relationships" xmlns:p="http://schemas.openxmlformats.org/presentationml/2006/main" preserve="1">
   <p:cSld name="Citação com Legenda">
     <p:spTree>
       <p:nvGrpSpPr>
@@ -871,295 +950,15 @@
           <a:chExt cx="0" cy="0"/>
         </a:xfrm>
       </p:grpSpPr>
-      <p:pic>
-        <p:nvPicPr>
-          <p:cNvPr id="13" name="Picture 12" descr="C0-HD-BTM.png"/>
-          <p:cNvPicPr>
-            <a:picLocks noChangeAspect="1"/>
-          </p:cNvPicPr>
-          <p:nvPr/>
-        </p:nvPicPr>
-        <p:blipFill>
-          <a:blip r:embed="rId2">
-            <a:extLst>
-              <a:ext uri="{28A0092B-C50C-407E-A947-70E740481C1C}">
-                <a14:useLocalDpi xmlns:a14="http://schemas.microsoft.com/office/drawing/2010/main" val="0"/>
-              </a:ext>
-            </a:extLst>
-          </a:blip>
-          <a:stretch>
-            <a:fillRect/>
-          </a:stretch>
-        </p:blipFill>
-        <p:spPr>
-          <a:xfrm>
-            <a:off x="0" y="4375150"/>
-            <a:ext cx="12192000" cy="2482850"/>
-          </a:xfrm>
-          <a:prstGeom prst="rect">
-            <a:avLst/>
-          </a:prstGeom>
-        </p:spPr>
-      </p:pic>
-      <p:sp>
-        <p:nvSpPr>
-          <p:cNvPr id="2" name="Title 1"/>
-          <p:cNvSpPr>
-            <a:spLocks noGrp="1"/>
-          </p:cNvSpPr>
-          <p:nvPr>
-            <p:ph type="title"/>
-          </p:nvPr>
-        </p:nvSpPr>
-        <p:spPr>
-          <a:xfrm>
-            <a:off x="1024467" y="753533"/>
-            <a:ext cx="10151533" cy="2604495"/>
-          </a:xfrm>
-        </p:spPr>
-        <p:txBody>
-          <a:bodyPr anchor="ctr"/>
-          <a:lstStyle>
-            <a:lvl1pPr algn="l">
-              <a:defRPr sz="3200"/>
-            </a:lvl1pPr>
-          </a:lstStyle>
-          <a:p>
-            <a:r>
-              <a:rPr lang="pt-BR" smtClean="0"/>
-              <a:t>Clique para editar o título mestre</a:t>
-            </a:r>
-            <a:endParaRPr lang="en-US" dirty="0"/>
-          </a:p>
-        </p:txBody>
-      </p:sp>
-      <p:sp>
-        <p:nvSpPr>
-          <p:cNvPr id="12" name="Text Placeholder 3"/>
-          <p:cNvSpPr>
-            <a:spLocks noGrp="1"/>
-          </p:cNvSpPr>
-          <p:nvPr>
-            <p:ph type="body" sz="half" idx="13"/>
-          </p:nvPr>
-        </p:nvSpPr>
-        <p:spPr>
-          <a:xfrm>
-            <a:off x="1303865" y="3365556"/>
-            <a:ext cx="9592736" cy="444443"/>
-          </a:xfrm>
-        </p:spPr>
-        <p:txBody>
-          <a:bodyPr anchor="t">
-            <a:normAutofit/>
-          </a:bodyPr>
-          <a:lstStyle>
-            <a:lvl1pPr marL="0" indent="0">
-              <a:buNone/>
-              <a:defRPr sz="1400"/>
-            </a:lvl1pPr>
-            <a:lvl2pPr marL="457200" indent="0">
-              <a:buNone/>
-              <a:defRPr sz="1400"/>
-            </a:lvl2pPr>
-            <a:lvl3pPr marL="914400" indent="0">
-              <a:buNone/>
-              <a:defRPr sz="1200"/>
-            </a:lvl3pPr>
-            <a:lvl4pPr marL="1371600" indent="0">
-              <a:buNone/>
-              <a:defRPr sz="1000"/>
-            </a:lvl4pPr>
-            <a:lvl5pPr marL="1828800" indent="0">
-              <a:buNone/>
-              <a:defRPr sz="1000"/>
-            </a:lvl5pPr>
-            <a:lvl6pPr marL="2286000" indent="0">
-              <a:buNone/>
-              <a:defRPr sz="1000"/>
-            </a:lvl6pPr>
-            <a:lvl7pPr marL="2743200" indent="0">
-              <a:buNone/>
-              <a:defRPr sz="1000"/>
-            </a:lvl7pPr>
-            <a:lvl8pPr marL="3200400" indent="0">
-              <a:buNone/>
-              <a:defRPr sz="1000"/>
-            </a:lvl8pPr>
-            <a:lvl9pPr marL="3657600" indent="0">
-              <a:buNone/>
-              <a:defRPr sz="1000"/>
-            </a:lvl9pPr>
-          </a:lstStyle>
-          <a:p>
-            <a:pPr lvl="0"/>
-            <a:r>
-              <a:rPr lang="pt-BR" smtClean="0"/>
-              <a:t>Editar estilos de texto Mestre</a:t>
-            </a:r>
-          </a:p>
-        </p:txBody>
-      </p:sp>
-      <p:sp>
-        <p:nvSpPr>
-          <p:cNvPr id="4" name="Text Placeholder 3"/>
-          <p:cNvSpPr>
-            <a:spLocks noGrp="1"/>
-          </p:cNvSpPr>
-          <p:nvPr>
-            <p:ph type="body" sz="half" idx="2"/>
-          </p:nvPr>
-        </p:nvSpPr>
-        <p:spPr>
-          <a:xfrm>
-            <a:off x="1024467" y="3959862"/>
-            <a:ext cx="10151533" cy="679871"/>
-          </a:xfrm>
-        </p:spPr>
-        <p:txBody>
-          <a:bodyPr anchor="ctr">
-            <a:normAutofit/>
-          </a:bodyPr>
-          <a:lstStyle>
-            <a:lvl1pPr marL="0" indent="0">
-              <a:buNone/>
-              <a:defRPr sz="1600"/>
-            </a:lvl1pPr>
-            <a:lvl2pPr marL="457200" indent="0">
-              <a:buNone/>
-              <a:defRPr sz="1400"/>
-            </a:lvl2pPr>
-            <a:lvl3pPr marL="914400" indent="0">
-              <a:buNone/>
-              <a:defRPr sz="1200"/>
-            </a:lvl3pPr>
-            <a:lvl4pPr marL="1371600" indent="0">
-              <a:buNone/>
-              <a:defRPr sz="1000"/>
-            </a:lvl4pPr>
-            <a:lvl5pPr marL="1828800" indent="0">
-              <a:buNone/>
-              <a:defRPr sz="1000"/>
-            </a:lvl5pPr>
-            <a:lvl6pPr marL="2286000" indent="0">
-              <a:buNone/>
-              <a:defRPr sz="1000"/>
-            </a:lvl6pPr>
-            <a:lvl7pPr marL="2743200" indent="0">
-              <a:buNone/>
-              <a:defRPr sz="1000"/>
-            </a:lvl7pPr>
-            <a:lvl8pPr marL="3200400" indent="0">
-              <a:buNone/>
-              <a:defRPr sz="1000"/>
-            </a:lvl8pPr>
-            <a:lvl9pPr marL="3657600" indent="0">
-              <a:buNone/>
-              <a:defRPr sz="1000"/>
-            </a:lvl9pPr>
-          </a:lstStyle>
-          <a:p>
-            <a:pPr lvl="0"/>
-            <a:r>
-              <a:rPr lang="pt-BR" smtClean="0"/>
-              <a:t>Editar estilos de texto Mestre</a:t>
-            </a:r>
-          </a:p>
-        </p:txBody>
-      </p:sp>
-      <p:sp>
-        <p:nvSpPr>
-          <p:cNvPr id="5" name="Date Placeholder 4"/>
-          <p:cNvSpPr>
-            <a:spLocks noGrp="1"/>
-          </p:cNvSpPr>
-          <p:nvPr>
-            <p:ph type="dt" sz="half" idx="10"/>
-          </p:nvPr>
-        </p:nvSpPr>
-        <p:spPr>
-          <a:xfrm>
-            <a:off x="7814452" y="381000"/>
-            <a:ext cx="2910840" cy="365125"/>
-          </a:xfrm>
-        </p:spPr>
-        <p:txBody>
-          <a:bodyPr/>
-          <a:lstStyle>
-            <a:lvl1pPr algn="r">
-              <a:defRPr/>
-            </a:lvl1pPr>
-          </a:lstStyle>
-          <a:p>
-            <a:fld id="{15E286F4-4AC6-4931-B051-550790D25842}" type="datetimeFigureOut">
-              <a:rPr lang="pt-BR" smtClean="0"/>
-              <a:t>30/10/2024</a:t>
-            </a:fld>
-            <a:endParaRPr lang="pt-BR"/>
-          </a:p>
-        </p:txBody>
-      </p:sp>
-      <p:sp>
-        <p:nvSpPr>
-          <p:cNvPr id="6" name="Footer Placeholder 5"/>
-          <p:cNvSpPr>
-            <a:spLocks noGrp="1"/>
-          </p:cNvSpPr>
-          <p:nvPr>
-            <p:ph type="ftr" sz="quarter" idx="11"/>
-          </p:nvPr>
-        </p:nvSpPr>
-        <p:spPr>
-          <a:xfrm>
-            <a:off x="685800" y="379941"/>
-            <a:ext cx="6991492" cy="365125"/>
-          </a:xfrm>
-        </p:spPr>
-        <p:txBody>
-          <a:bodyPr/>
-          <a:lstStyle/>
-          <a:p>
-            <a:endParaRPr lang="pt-BR"/>
-          </a:p>
-        </p:txBody>
-      </p:sp>
-      <p:sp>
-        <p:nvSpPr>
-          <p:cNvPr id="7" name="Slide Number Placeholder 6"/>
-          <p:cNvSpPr>
-            <a:spLocks noGrp="1"/>
-          </p:cNvSpPr>
-          <p:nvPr>
-            <p:ph type="sldNum" sz="quarter" idx="12"/>
-          </p:nvPr>
-        </p:nvSpPr>
-        <p:spPr>
-          <a:xfrm>
-            <a:off x="10862452" y="381000"/>
-            <a:ext cx="643748" cy="365125"/>
-          </a:xfrm>
-        </p:spPr>
-        <p:txBody>
-          <a:bodyPr/>
-          <a:lstStyle/>
-          <a:p>
-            <a:fld id="{44EACF18-3D2E-4496-AEEE-7C4171039751}" type="slidenum">
-              <a:rPr lang="pt-BR" smtClean="0"/>
-              <a:t>‹nº›</a:t>
-            </a:fld>
-            <a:endParaRPr lang="pt-BR"/>
-          </a:p>
-        </p:txBody>
-      </p:sp>
-      <p:sp>
-        <p:nvSpPr>
-          <p:cNvPr id="9" name="TextBox 8"/>
+      <p:sp>
+        <p:nvSpPr>
+          <p:cNvPr id="14" name="TextBox 13"/>
           <p:cNvSpPr txBox="1"/>
           <p:nvPr/>
         </p:nvSpPr>
         <p:spPr>
           <a:xfrm>
-            <a:off x="476250" y="933450"/>
+            <a:off x="836612" y="786824"/>
             <a:ext cx="609600" cy="584776"/>
           </a:xfrm>
           <a:prstGeom prst="rect">
@@ -1258,9 +1057,8 @@
             <a:r>
               <a:rPr lang="en-US" sz="8000" dirty="0">
                 <a:solidFill>
-                  <a:schemeClr val="tx1"/>
-                </a:solidFill>
-                <a:effectLst/>
+                  <a:schemeClr val="accent1"/>
+                </a:solidFill>
               </a:rPr>
               <a:t>“</a:t>
             </a:r>
@@ -1269,13 +1067,13 @@
       </p:sp>
       <p:sp>
         <p:nvSpPr>
-          <p:cNvPr id="10" name="TextBox 9"/>
+          <p:cNvPr id="15" name="TextBox 14"/>
           <p:cNvSpPr txBox="1"/>
           <p:nvPr/>
         </p:nvSpPr>
         <p:spPr>
           <a:xfrm>
-            <a:off x="10984230" y="2701290"/>
+            <a:off x="10437812" y="2743200"/>
             <a:ext cx="609600" cy="584776"/>
           </a:xfrm>
           <a:prstGeom prst="rect">
@@ -1374,19 +1172,294 @@
             <a:r>
               <a:rPr lang="en-US" sz="8000" dirty="0">
                 <a:solidFill>
-                  <a:schemeClr val="tx1"/>
-                </a:solidFill>
-                <a:effectLst/>
+                  <a:schemeClr val="accent1"/>
+                </a:solidFill>
               </a:rPr>
               <a:t>”</a:t>
             </a:r>
+          </a:p>
+        </p:txBody>
+      </p:sp>
+      <p:sp>
+        <p:nvSpPr>
+          <p:cNvPr id="2" name="Title 1"/>
+          <p:cNvSpPr>
+            <a:spLocks noGrp="1"/>
+          </p:cNvSpPr>
+          <p:nvPr>
+            <p:ph type="title"/>
+          </p:nvPr>
+        </p:nvSpPr>
+        <p:spPr>
+          <a:xfrm>
+            <a:off x="1446213" y="609601"/>
+            <a:ext cx="9296398" cy="2743199"/>
+          </a:xfrm>
+        </p:spPr>
+        <p:txBody>
+          <a:bodyPr anchor="ctr">
+            <a:normAutofit/>
+          </a:bodyPr>
+          <a:lstStyle>
+            <a:lvl1pPr algn="l">
+              <a:defRPr sz="3200" b="0" cap="all">
+                <a:solidFill>
+                  <a:schemeClr val="tx1"/>
+                </a:solidFill>
+              </a:defRPr>
+            </a:lvl1pPr>
+          </a:lstStyle>
+          <a:p>
+            <a:r>
+              <a:rPr lang="pt-BR" smtClean="0"/>
+              <a:t>Clique para editar o título mestre</a:t>
+            </a:r>
+            <a:endParaRPr lang="en-US" dirty="0"/>
+          </a:p>
+        </p:txBody>
+      </p:sp>
+      <p:sp>
+        <p:nvSpPr>
+          <p:cNvPr id="10" name="Text Placeholder 9"/>
+          <p:cNvSpPr>
+            <a:spLocks noGrp="1"/>
+          </p:cNvSpPr>
+          <p:nvPr>
+            <p:ph type="body" sz="quarter" idx="13"/>
+          </p:nvPr>
+        </p:nvSpPr>
+        <p:spPr>
+          <a:xfrm>
+            <a:off x="1674812" y="3352800"/>
+            <a:ext cx="8839202" cy="381000"/>
+          </a:xfrm>
+        </p:spPr>
+        <p:txBody>
+          <a:bodyPr anchor="ctr"/>
+          <a:lstStyle>
+            <a:lvl1pPr marL="0" indent="0">
+              <a:buFontTx/>
+              <a:buNone/>
+              <a:defRPr/>
+            </a:lvl1pPr>
+            <a:lvl2pPr marL="457200" indent="0">
+              <a:buFontTx/>
+              <a:buNone/>
+              <a:defRPr/>
+            </a:lvl2pPr>
+            <a:lvl3pPr marL="914400" indent="0">
+              <a:buFontTx/>
+              <a:buNone/>
+              <a:defRPr/>
+            </a:lvl3pPr>
+            <a:lvl4pPr marL="1371600" indent="0">
+              <a:buFontTx/>
+              <a:buNone/>
+              <a:defRPr/>
+            </a:lvl4pPr>
+            <a:lvl5pPr marL="1828800" indent="0">
+              <a:buFontTx/>
+              <a:buNone/>
+              <a:defRPr/>
+            </a:lvl5pPr>
+          </a:lstStyle>
+          <a:p>
+            <a:pPr lvl="0"/>
+            <a:r>
+              <a:rPr lang="pt-BR" smtClean="0"/>
+              <a:t>Editar estilos de texto Mestre</a:t>
+            </a:r>
+          </a:p>
+        </p:txBody>
+      </p:sp>
+      <p:sp>
+        <p:nvSpPr>
+          <p:cNvPr id="3" name="Text Placeholder 2"/>
+          <p:cNvSpPr>
+            <a:spLocks noGrp="1"/>
+          </p:cNvSpPr>
+          <p:nvPr>
+            <p:ph type="body" idx="1"/>
+          </p:nvPr>
+        </p:nvSpPr>
+        <p:spPr>
+          <a:xfrm>
+            <a:off x="1141411" y="4343400"/>
+            <a:ext cx="9906000" cy="1447800"/>
+          </a:xfrm>
+        </p:spPr>
+        <p:txBody>
+          <a:bodyPr anchor="ctr">
+            <a:normAutofit/>
+          </a:bodyPr>
+          <a:lstStyle>
+            <a:lvl1pPr marL="0" indent="0" algn="l">
+              <a:buNone/>
+              <a:defRPr sz="2000">
+                <a:solidFill>
+                  <a:schemeClr val="tx1"/>
+                </a:solidFill>
+              </a:defRPr>
+            </a:lvl1pPr>
+            <a:lvl2pPr marL="457200" indent="0">
+              <a:buNone/>
+              <a:defRPr sz="1800">
+                <a:solidFill>
+                  <a:schemeClr val="tx1">
+                    <a:tint val="75000"/>
+                  </a:schemeClr>
+                </a:solidFill>
+              </a:defRPr>
+            </a:lvl2pPr>
+            <a:lvl3pPr marL="914400" indent="0">
+              <a:buNone/>
+              <a:defRPr sz="1600">
+                <a:solidFill>
+                  <a:schemeClr val="tx1">
+                    <a:tint val="75000"/>
+                  </a:schemeClr>
+                </a:solidFill>
+              </a:defRPr>
+            </a:lvl3pPr>
+            <a:lvl4pPr marL="1371600" indent="0">
+              <a:buNone/>
+              <a:defRPr sz="1400">
+                <a:solidFill>
+                  <a:schemeClr val="tx1">
+                    <a:tint val="75000"/>
+                  </a:schemeClr>
+                </a:solidFill>
+              </a:defRPr>
+            </a:lvl4pPr>
+            <a:lvl5pPr marL="1828800" indent="0">
+              <a:buNone/>
+              <a:defRPr sz="1400">
+                <a:solidFill>
+                  <a:schemeClr val="tx1">
+                    <a:tint val="75000"/>
+                  </a:schemeClr>
+                </a:solidFill>
+              </a:defRPr>
+            </a:lvl5pPr>
+            <a:lvl6pPr marL="2286000" indent="0">
+              <a:buNone/>
+              <a:defRPr sz="1400">
+                <a:solidFill>
+                  <a:schemeClr val="tx1">
+                    <a:tint val="75000"/>
+                  </a:schemeClr>
+                </a:solidFill>
+              </a:defRPr>
+            </a:lvl6pPr>
+            <a:lvl7pPr marL="2743200" indent="0">
+              <a:buNone/>
+              <a:defRPr sz="1400">
+                <a:solidFill>
+                  <a:schemeClr val="tx1">
+                    <a:tint val="75000"/>
+                  </a:schemeClr>
+                </a:solidFill>
+              </a:defRPr>
+            </a:lvl7pPr>
+            <a:lvl8pPr marL="3200400" indent="0">
+              <a:buNone/>
+              <a:defRPr sz="1400">
+                <a:solidFill>
+                  <a:schemeClr val="tx1">
+                    <a:tint val="75000"/>
+                  </a:schemeClr>
+                </a:solidFill>
+              </a:defRPr>
+            </a:lvl8pPr>
+            <a:lvl9pPr marL="3657600" indent="0">
+              <a:buNone/>
+              <a:defRPr sz="1400">
+                <a:solidFill>
+                  <a:schemeClr val="tx1">
+                    <a:tint val="75000"/>
+                  </a:schemeClr>
+                </a:solidFill>
+              </a:defRPr>
+            </a:lvl9pPr>
+          </a:lstStyle>
+          <a:p>
+            <a:pPr lvl="0"/>
+            <a:r>
+              <a:rPr lang="pt-BR" smtClean="0"/>
+              <a:t>Editar estilos de texto Mestre</a:t>
+            </a:r>
+          </a:p>
+        </p:txBody>
+      </p:sp>
+      <p:sp>
+        <p:nvSpPr>
+          <p:cNvPr id="4" name="Date Placeholder 3"/>
+          <p:cNvSpPr>
+            <a:spLocks noGrp="1"/>
+          </p:cNvSpPr>
+          <p:nvPr>
+            <p:ph type="dt" sz="half" idx="10"/>
+          </p:nvPr>
+        </p:nvSpPr>
+        <p:spPr/>
+        <p:txBody>
+          <a:bodyPr/>
+          <a:lstStyle/>
+          <a:p>
+            <a:fld id="{15E286F4-4AC6-4931-B051-550790D25842}" type="datetimeFigureOut">
+              <a:rPr lang="pt-BR" smtClean="0"/>
+              <a:t>30/10/2024</a:t>
+            </a:fld>
+            <a:endParaRPr lang="pt-BR"/>
+          </a:p>
+        </p:txBody>
+      </p:sp>
+      <p:sp>
+        <p:nvSpPr>
+          <p:cNvPr id="5" name="Footer Placeholder 4"/>
+          <p:cNvSpPr>
+            <a:spLocks noGrp="1"/>
+          </p:cNvSpPr>
+          <p:nvPr>
+            <p:ph type="ftr" sz="quarter" idx="11"/>
+          </p:nvPr>
+        </p:nvSpPr>
+        <p:spPr/>
+        <p:txBody>
+          <a:bodyPr/>
+          <a:lstStyle/>
+          <a:p>
+            <a:endParaRPr lang="pt-BR"/>
+          </a:p>
+        </p:txBody>
+      </p:sp>
+      <p:sp>
+        <p:nvSpPr>
+          <p:cNvPr id="6" name="Slide Number Placeholder 5"/>
+          <p:cNvSpPr>
+            <a:spLocks noGrp="1"/>
+          </p:cNvSpPr>
+          <p:nvPr>
+            <p:ph type="sldNum" sz="quarter" idx="12"/>
+          </p:nvPr>
+        </p:nvSpPr>
+        <p:spPr/>
+        <p:txBody>
+          <a:bodyPr/>
+          <a:lstStyle/>
+          <a:p>
+            <a:fld id="{44EACF18-3D2E-4496-AEEE-7C4171039751}" type="slidenum">
+              <a:rPr lang="pt-BR" smtClean="0"/>
+              <a:t>‹nº›</a:t>
+            </a:fld>
+            <a:endParaRPr lang="pt-BR"/>
           </a:p>
         </p:txBody>
       </p:sp>
     </p:spTree>
     <p:extLst>
       <p:ext uri="{BB962C8B-B14F-4D97-AF65-F5344CB8AC3E}">
-        <p14:creationId xmlns:p14="http://schemas.microsoft.com/office/powerpoint/2010/main" val="492871817"/>
+        <p14:creationId xmlns:p14="http://schemas.microsoft.com/office/powerpoint/2010/main" val="2953867724"/>
       </p:ext>
     </p:extLst>
   </p:cSld>
@@ -1397,7 +1470,7 @@
 </file>
 
 <file path=ppt/slideLayouts/slideLayout13.xml><?xml version="1.0" encoding="utf-8"?>
-<p:sldLayout xmlns:a="http://schemas.openxmlformats.org/drawingml/2006/main" xmlns:r="http://schemas.openxmlformats.org/officeDocument/2006/relationships" xmlns:p="http://schemas.openxmlformats.org/presentationml/2006/main" showMasterSp="0" preserve="1">
+<p:sldLayout xmlns:a="http://schemas.openxmlformats.org/drawingml/2006/main" xmlns:r="http://schemas.openxmlformats.org/officeDocument/2006/relationships" xmlns:p="http://schemas.openxmlformats.org/presentationml/2006/main" preserve="1">
   <p:cSld name="Cartão de Nome">
     <p:spTree>
       <p:nvGrpSpPr>
@@ -1413,57 +1486,29 @@
           <a:chExt cx="0" cy="0"/>
         </a:xfrm>
       </p:grpSpPr>
-      <p:pic>
-        <p:nvPicPr>
-          <p:cNvPr id="9" name="Picture 8" descr="C0-HD-BTM.png"/>
-          <p:cNvPicPr>
-            <a:picLocks noChangeAspect="1"/>
-          </p:cNvPicPr>
-          <p:nvPr/>
-        </p:nvPicPr>
-        <p:blipFill>
-          <a:blip r:embed="rId2">
-            <a:extLst>
-              <a:ext uri="{28A0092B-C50C-407E-A947-70E740481C1C}">
-                <a14:useLocalDpi xmlns:a14="http://schemas.microsoft.com/office/drawing/2010/main" val="0"/>
-              </a:ext>
-            </a:extLst>
-          </a:blip>
-          <a:stretch>
-            <a:fillRect/>
-          </a:stretch>
-        </p:blipFill>
+      <p:sp>
+        <p:nvSpPr>
+          <p:cNvPr id="2" name="Title 1"/>
+          <p:cNvSpPr>
+            <a:spLocks noGrp="1"/>
+          </p:cNvSpPr>
+          <p:nvPr>
+            <p:ph type="title"/>
+          </p:nvPr>
+        </p:nvSpPr>
         <p:spPr>
           <a:xfrm>
-            <a:off x="0" y="4375150"/>
-            <a:ext cx="12192000" cy="2482850"/>
-          </a:xfrm>
-          <a:prstGeom prst="rect">
-            <a:avLst/>
-          </a:prstGeom>
-        </p:spPr>
-      </p:pic>
-      <p:sp>
-        <p:nvSpPr>
-          <p:cNvPr id="2" name="Title 1"/>
-          <p:cNvSpPr>
-            <a:spLocks noGrp="1"/>
-          </p:cNvSpPr>
-          <p:nvPr>
-            <p:ph type="title"/>
-          </p:nvPr>
-        </p:nvSpPr>
-        <p:spPr>
-          <a:xfrm>
-            <a:off x="1024495" y="1124701"/>
-            <a:ext cx="10146186" cy="2511835"/>
-          </a:xfrm>
-        </p:spPr>
-        <p:txBody>
-          <a:bodyPr anchor="b"/>
+            <a:off x="1141412" y="3308581"/>
+            <a:ext cx="9906000" cy="1468800"/>
+          </a:xfrm>
+        </p:spPr>
+        <p:txBody>
+          <a:bodyPr anchor="b">
+            <a:normAutofit/>
+          </a:bodyPr>
           <a:lstStyle>
             <a:lvl1pPr algn="l">
-              <a:defRPr sz="3200"/>
+              <a:defRPr sz="3200" b="0" cap="all"/>
             </a:lvl1pPr>
           </a:lstStyle>
           <a:p>
@@ -1477,58 +1522,112 @@
       </p:sp>
       <p:sp>
         <p:nvSpPr>
-          <p:cNvPr id="4" name="Text Placeholder 3"/>
-          <p:cNvSpPr>
-            <a:spLocks noGrp="1"/>
-          </p:cNvSpPr>
-          <p:nvPr>
-            <p:ph type="body" sz="half" idx="2"/>
+          <p:cNvPr id="3" name="Text Placeholder 2"/>
+          <p:cNvSpPr>
+            <a:spLocks noGrp="1"/>
+          </p:cNvSpPr>
+          <p:nvPr>
+            <p:ph type="body" idx="1"/>
           </p:nvPr>
         </p:nvSpPr>
         <p:spPr>
           <a:xfrm>
-            <a:off x="1024467" y="3648315"/>
-            <a:ext cx="10144654" cy="999885"/>
-          </a:xfrm>
-        </p:spPr>
-        <p:txBody>
-          <a:bodyPr anchor="t"/>
+            <a:off x="1141410" y="4777381"/>
+            <a:ext cx="9906001" cy="860400"/>
+          </a:xfrm>
+        </p:spPr>
+        <p:txBody>
+          <a:bodyPr anchor="t">
+            <a:normAutofit/>
+          </a:bodyPr>
           <a:lstStyle>
-            <a:lvl1pPr marL="0" indent="0">
-              <a:buNone/>
-              <a:defRPr sz="1600"/>
+            <a:lvl1pPr marL="0" indent="0" algn="l">
+              <a:buNone/>
+              <a:defRPr sz="2000">
+                <a:solidFill>
+                  <a:schemeClr val="tx1"/>
+                </a:solidFill>
+              </a:defRPr>
             </a:lvl1pPr>
             <a:lvl2pPr marL="457200" indent="0">
               <a:buNone/>
-              <a:defRPr sz="1400"/>
+              <a:defRPr sz="1800">
+                <a:solidFill>
+                  <a:schemeClr val="tx1">
+                    <a:tint val="75000"/>
+                  </a:schemeClr>
+                </a:solidFill>
+              </a:defRPr>
             </a:lvl2pPr>
             <a:lvl3pPr marL="914400" indent="0">
               <a:buNone/>
-              <a:defRPr sz="1200"/>
+              <a:defRPr sz="1600">
+                <a:solidFill>
+                  <a:schemeClr val="tx1">
+                    <a:tint val="75000"/>
+                  </a:schemeClr>
+                </a:solidFill>
+              </a:defRPr>
             </a:lvl3pPr>
             <a:lvl4pPr marL="1371600" indent="0">
               <a:buNone/>
-              <a:defRPr sz="1000"/>
+              <a:defRPr sz="1400">
+                <a:solidFill>
+                  <a:schemeClr val="tx1">
+                    <a:tint val="75000"/>
+                  </a:schemeClr>
+                </a:solidFill>
+              </a:defRPr>
             </a:lvl4pPr>
             <a:lvl5pPr marL="1828800" indent="0">
               <a:buNone/>
-              <a:defRPr sz="1000"/>
+              <a:defRPr sz="1400">
+                <a:solidFill>
+                  <a:schemeClr val="tx1">
+                    <a:tint val="75000"/>
+                  </a:schemeClr>
+                </a:solidFill>
+              </a:defRPr>
             </a:lvl5pPr>
             <a:lvl6pPr marL="2286000" indent="0">
               <a:buNone/>
-              <a:defRPr sz="1000"/>
+              <a:defRPr sz="1400">
+                <a:solidFill>
+                  <a:schemeClr val="tx1">
+                    <a:tint val="75000"/>
+                  </a:schemeClr>
+                </a:solidFill>
+              </a:defRPr>
             </a:lvl6pPr>
             <a:lvl7pPr marL="2743200" indent="0">
               <a:buNone/>
-              <a:defRPr sz="1000"/>
+              <a:defRPr sz="1400">
+                <a:solidFill>
+                  <a:schemeClr val="tx1">
+                    <a:tint val="75000"/>
+                  </a:schemeClr>
+                </a:solidFill>
+              </a:defRPr>
             </a:lvl7pPr>
             <a:lvl8pPr marL="3200400" indent="0">
               <a:buNone/>
-              <a:defRPr sz="1000"/>
+              <a:defRPr sz="1400">
+                <a:solidFill>
+                  <a:schemeClr val="tx1">
+                    <a:tint val="75000"/>
+                  </a:schemeClr>
+                </a:solidFill>
+              </a:defRPr>
             </a:lvl8pPr>
             <a:lvl9pPr marL="3657600" indent="0">
               <a:buNone/>
-              <a:defRPr sz="1000"/>
+              <a:defRPr sz="1400">
+                <a:solidFill>
+                  <a:schemeClr val="tx1">
+                    <a:tint val="75000"/>
+                  </a:schemeClr>
+                </a:solidFill>
+              </a:defRPr>
             </a:lvl9pPr>
           </a:lstStyle>
           <a:p>
@@ -1542,7 +1641,7 @@
       </p:sp>
       <p:sp>
         <p:nvSpPr>
-          <p:cNvPr id="5" name="Date Placeholder 4"/>
+          <p:cNvPr id="4" name="Date Placeholder 3"/>
           <p:cNvSpPr>
             <a:spLocks noGrp="1"/>
           </p:cNvSpPr>
@@ -1550,19 +1649,10 @@
             <p:ph type="dt" sz="half" idx="10"/>
           </p:nvPr>
         </p:nvSpPr>
-        <p:spPr>
-          <a:xfrm>
-            <a:off x="7814452" y="378883"/>
-            <a:ext cx="2910840" cy="365125"/>
-          </a:xfrm>
-        </p:spPr>
+        <p:spPr/>
         <p:txBody>
           <a:bodyPr/>
-          <a:lstStyle>
-            <a:lvl1pPr algn="r">
-              <a:defRPr/>
-            </a:lvl1pPr>
-          </a:lstStyle>
+          <a:lstStyle/>
           <a:p>
             <a:fld id="{15E286F4-4AC6-4931-B051-550790D25842}" type="datetimeFigureOut">
               <a:rPr lang="pt-BR" smtClean="0"/>
@@ -1574,7 +1664,7 @@
       </p:sp>
       <p:sp>
         <p:nvSpPr>
-          <p:cNvPr id="6" name="Footer Placeholder 5"/>
+          <p:cNvPr id="5" name="Footer Placeholder 4"/>
           <p:cNvSpPr>
             <a:spLocks noGrp="1"/>
           </p:cNvSpPr>
@@ -1582,12 +1672,7 @@
             <p:ph type="ftr" sz="quarter" idx="11"/>
           </p:nvPr>
         </p:nvSpPr>
-        <p:spPr>
-          <a:xfrm>
-            <a:off x="685800" y="378883"/>
-            <a:ext cx="6991492" cy="365125"/>
-          </a:xfrm>
-        </p:spPr>
+        <p:spPr/>
         <p:txBody>
           <a:bodyPr/>
           <a:lstStyle/>
@@ -1598,7 +1683,7 @@
       </p:sp>
       <p:sp>
         <p:nvSpPr>
-          <p:cNvPr id="7" name="Slide Number Placeholder 6"/>
+          <p:cNvPr id="6" name="Slide Number Placeholder 5"/>
           <p:cNvSpPr>
             <a:spLocks noGrp="1"/>
           </p:cNvSpPr>
@@ -1606,12 +1691,7 @@
             <p:ph type="sldNum" sz="quarter" idx="12"/>
           </p:nvPr>
         </p:nvSpPr>
-        <p:spPr>
-          <a:xfrm>
-            <a:off x="10862452" y="381000"/>
-            <a:ext cx="643748" cy="365125"/>
-          </a:xfrm>
-        </p:spPr>
+        <p:spPr/>
         <p:txBody>
           <a:bodyPr/>
           <a:lstStyle/>
@@ -1627,7 +1707,7 @@
     </p:spTree>
     <p:extLst>
       <p:ext uri="{BB962C8B-B14F-4D97-AF65-F5344CB8AC3E}">
-        <p14:creationId xmlns:p14="http://schemas.microsoft.com/office/powerpoint/2010/main" val="1816167116"/>
+        <p14:creationId xmlns:p14="http://schemas.microsoft.com/office/powerpoint/2010/main" val="1113292676"/>
       </p:ext>
     </p:extLst>
   </p:cSld>
@@ -1639,7 +1719,7 @@
 
 <file path=ppt/slideLayouts/slideLayout14.xml><?xml version="1.0" encoding="utf-8"?>
 <p:sldLayout xmlns:a="http://schemas.openxmlformats.org/drawingml/2006/main" xmlns:r="http://schemas.openxmlformats.org/officeDocument/2006/relationships" xmlns:p="http://schemas.openxmlformats.org/presentationml/2006/main" preserve="1">
-  <p:cSld name="3 Colunas">
+  <p:cSld name="Citar o Cartão de Nome">
     <p:spTree>
       <p:nvGrpSpPr>
         <p:cNvPr id="1" name=""/>
@@ -1656,97 +1736,327 @@
       </p:grpSpPr>
       <p:sp>
         <p:nvSpPr>
-          <p:cNvPr id="15" name="Title 1"/>
-          <p:cNvSpPr>
-            <a:spLocks noGrp="1"/>
-          </p:cNvSpPr>
-          <p:nvPr>
-            <p:ph type="title"/>
-          </p:nvPr>
+          <p:cNvPr id="14" name="TextBox 13"/>
+          <p:cNvSpPr txBox="1"/>
+          <p:nvPr/>
         </p:nvSpPr>
         <p:spPr>
           <a:xfrm>
-            <a:off x="2895600" y="761999"/>
-            <a:ext cx="8610599" cy="1303867"/>
-          </a:xfrm>
-        </p:spPr>
-        <p:txBody>
-          <a:bodyPr/>
-          <a:lstStyle/>
-          <a:p>
-            <a:r>
-              <a:rPr lang="pt-BR" smtClean="0"/>
-              <a:t>Clique para editar o título mestre</a:t>
-            </a:r>
-            <a:endParaRPr lang="en-US" dirty="0"/>
-          </a:p>
-        </p:txBody>
-      </p:sp>
-      <p:sp>
-        <p:nvSpPr>
-          <p:cNvPr id="7" name="Text Placeholder 2"/>
-          <p:cNvSpPr>
-            <a:spLocks noGrp="1"/>
-          </p:cNvSpPr>
-          <p:nvPr>
-            <p:ph type="body" idx="1"/>
-          </p:nvPr>
-        </p:nvSpPr>
-        <p:spPr>
-          <a:xfrm>
-            <a:off x="685800" y="2202080"/>
-            <a:ext cx="3456432" cy="617320"/>
-          </a:xfrm>
-        </p:spPr>
-        <p:txBody>
-          <a:bodyPr anchor="b">
+            <a:off x="836612" y="786824"/>
+            <a:ext cx="609600" cy="584776"/>
+          </a:xfrm>
+          <a:prstGeom prst="rect">
+            <a:avLst/>
+          </a:prstGeom>
+        </p:spPr>
+        <p:txBody>
+          <a:bodyPr vert="horz" lIns="91440" tIns="45720" rIns="91440" bIns="45720" rtlCol="0" anchor="ctr">
             <a:noAutofit/>
           </a:bodyPr>
           <a:lstStyle>
-            <a:lvl1pPr marL="0" indent="0">
-              <a:buNone/>
-              <a:defRPr sz="2400" b="0">
-                <a:solidFill>
-                  <a:schemeClr val="tx1"/>
-                </a:solidFill>
+            <a:lvl1pPr>
+              <a:spcBef>
+                <a:spcPct val="0"/>
+              </a:spcBef>
+              <a:buNone/>
+              <a:defRPr sz="3200" b="0" cap="all">
+                <a:ln w="3175" cmpd="sng">
+                  <a:noFill/>
+                </a:ln>
+                <a:effectLst>
+                  <a:glow rad="38100">
+                    <a:schemeClr val="bg1">
+                      <a:lumMod val="65000"/>
+                      <a:lumOff val="35000"/>
+                      <a:alpha val="40000"/>
+                    </a:schemeClr>
+                  </a:glow>
+                  <a:outerShdw blurRad="28575" dist="38100" dir="14040000" algn="tl" rotWithShape="0">
+                    <a:srgbClr val="000000">
+                      <a:alpha val="25000"/>
+                    </a:srgbClr>
+                  </a:outerShdw>
+                </a:effectLst>
               </a:defRPr>
             </a:lvl1pPr>
-            <a:lvl2pPr marL="457200" indent="0">
-              <a:buNone/>
-              <a:defRPr sz="2000" b="1"/>
+            <a:lvl2pPr>
+              <a:defRPr>
+                <a:solidFill>
+                  <a:schemeClr val="tx2"/>
+                </a:solidFill>
+              </a:defRPr>
             </a:lvl2pPr>
-            <a:lvl3pPr marL="914400" indent="0">
-              <a:buNone/>
-              <a:defRPr sz="1800" b="1"/>
+            <a:lvl3pPr>
+              <a:defRPr>
+                <a:solidFill>
+                  <a:schemeClr val="tx2"/>
+                </a:solidFill>
+              </a:defRPr>
             </a:lvl3pPr>
-            <a:lvl4pPr marL="1371600" indent="0">
-              <a:buNone/>
-              <a:defRPr sz="1600" b="1"/>
+            <a:lvl4pPr>
+              <a:defRPr>
+                <a:solidFill>
+                  <a:schemeClr val="tx2"/>
+                </a:solidFill>
+              </a:defRPr>
             </a:lvl4pPr>
-            <a:lvl5pPr marL="1828800" indent="0">
-              <a:buNone/>
-              <a:defRPr sz="1600" b="1"/>
+            <a:lvl5pPr>
+              <a:defRPr>
+                <a:solidFill>
+                  <a:schemeClr val="tx2"/>
+                </a:solidFill>
+              </a:defRPr>
             </a:lvl5pPr>
-            <a:lvl6pPr marL="2286000" indent="0">
-              <a:buNone/>
-              <a:defRPr sz="1600" b="1"/>
+            <a:lvl6pPr>
+              <a:defRPr>
+                <a:solidFill>
+                  <a:schemeClr val="tx2"/>
+                </a:solidFill>
+              </a:defRPr>
             </a:lvl6pPr>
-            <a:lvl7pPr marL="2743200" indent="0">
-              <a:buNone/>
-              <a:defRPr sz="1600" b="1"/>
+            <a:lvl7pPr>
+              <a:defRPr>
+                <a:solidFill>
+                  <a:schemeClr val="tx2"/>
+                </a:solidFill>
+              </a:defRPr>
             </a:lvl7pPr>
-            <a:lvl8pPr marL="3200400" indent="0">
-              <a:buNone/>
-              <a:defRPr sz="1600" b="1"/>
+            <a:lvl8pPr>
+              <a:defRPr>
+                <a:solidFill>
+                  <a:schemeClr val="tx2"/>
+                </a:solidFill>
+              </a:defRPr>
             </a:lvl8pPr>
-            <a:lvl9pPr marL="3657600" indent="0">
-              <a:buNone/>
-              <a:defRPr sz="1600" b="1"/>
+            <a:lvl9pPr>
+              <a:defRPr>
+                <a:solidFill>
+                  <a:schemeClr val="tx2"/>
+                </a:solidFill>
+              </a:defRPr>
             </a:lvl9pPr>
           </a:lstStyle>
           <a:p>
             <a:pPr lvl="0"/>
             <a:r>
+              <a:rPr lang="en-US" sz="8000" dirty="0">
+                <a:solidFill>
+                  <a:schemeClr val="accent1"/>
+                </a:solidFill>
+              </a:rPr>
+              <a:t>“</a:t>
+            </a:r>
+          </a:p>
+        </p:txBody>
+      </p:sp>
+      <p:sp>
+        <p:nvSpPr>
+          <p:cNvPr id="15" name="TextBox 14"/>
+          <p:cNvSpPr txBox="1"/>
+          <p:nvPr/>
+        </p:nvSpPr>
+        <p:spPr>
+          <a:xfrm>
+            <a:off x="10437812" y="2743200"/>
+            <a:ext cx="609600" cy="584776"/>
+          </a:xfrm>
+          <a:prstGeom prst="rect">
+            <a:avLst/>
+          </a:prstGeom>
+        </p:spPr>
+        <p:txBody>
+          <a:bodyPr vert="horz" lIns="91440" tIns="45720" rIns="91440" bIns="45720" rtlCol="0" anchor="ctr">
+            <a:noAutofit/>
+          </a:bodyPr>
+          <a:lstStyle>
+            <a:lvl1pPr>
+              <a:spcBef>
+                <a:spcPct val="0"/>
+              </a:spcBef>
+              <a:buNone/>
+              <a:defRPr sz="3200" b="0" cap="all">
+                <a:ln w="3175" cmpd="sng">
+                  <a:noFill/>
+                </a:ln>
+                <a:effectLst>
+                  <a:glow rad="38100">
+                    <a:schemeClr val="bg1">
+                      <a:lumMod val="65000"/>
+                      <a:lumOff val="35000"/>
+                      <a:alpha val="40000"/>
+                    </a:schemeClr>
+                  </a:glow>
+                  <a:outerShdw blurRad="28575" dist="38100" dir="14040000" algn="tl" rotWithShape="0">
+                    <a:srgbClr val="000000">
+                      <a:alpha val="25000"/>
+                    </a:srgbClr>
+                  </a:outerShdw>
+                </a:effectLst>
+              </a:defRPr>
+            </a:lvl1pPr>
+            <a:lvl2pPr>
+              <a:defRPr>
+                <a:solidFill>
+                  <a:schemeClr val="tx2"/>
+                </a:solidFill>
+              </a:defRPr>
+            </a:lvl2pPr>
+            <a:lvl3pPr>
+              <a:defRPr>
+                <a:solidFill>
+                  <a:schemeClr val="tx2"/>
+                </a:solidFill>
+              </a:defRPr>
+            </a:lvl3pPr>
+            <a:lvl4pPr>
+              <a:defRPr>
+                <a:solidFill>
+                  <a:schemeClr val="tx2"/>
+                </a:solidFill>
+              </a:defRPr>
+            </a:lvl4pPr>
+            <a:lvl5pPr>
+              <a:defRPr>
+                <a:solidFill>
+                  <a:schemeClr val="tx2"/>
+                </a:solidFill>
+              </a:defRPr>
+            </a:lvl5pPr>
+            <a:lvl6pPr>
+              <a:defRPr>
+                <a:solidFill>
+                  <a:schemeClr val="tx2"/>
+                </a:solidFill>
+              </a:defRPr>
+            </a:lvl6pPr>
+            <a:lvl7pPr>
+              <a:defRPr>
+                <a:solidFill>
+                  <a:schemeClr val="tx2"/>
+                </a:solidFill>
+              </a:defRPr>
+            </a:lvl7pPr>
+            <a:lvl8pPr>
+              <a:defRPr>
+                <a:solidFill>
+                  <a:schemeClr val="tx2"/>
+                </a:solidFill>
+              </a:defRPr>
+            </a:lvl8pPr>
+            <a:lvl9pPr>
+              <a:defRPr>
+                <a:solidFill>
+                  <a:schemeClr val="tx2"/>
+                </a:solidFill>
+              </a:defRPr>
+            </a:lvl9pPr>
+          </a:lstStyle>
+          <a:p>
+            <a:pPr lvl="0" algn="r"/>
+            <a:r>
+              <a:rPr lang="en-US" sz="8000" dirty="0">
+                <a:solidFill>
+                  <a:schemeClr val="accent1"/>
+                </a:solidFill>
+              </a:rPr>
+              <a:t>”</a:t>
+            </a:r>
+          </a:p>
+        </p:txBody>
+      </p:sp>
+      <p:sp>
+        <p:nvSpPr>
+          <p:cNvPr id="2" name="Title 1"/>
+          <p:cNvSpPr>
+            <a:spLocks noGrp="1"/>
+          </p:cNvSpPr>
+          <p:nvPr>
+            <p:ph type="title"/>
+          </p:nvPr>
+        </p:nvSpPr>
+        <p:spPr>
+          <a:xfrm>
+            <a:off x="1446213" y="609601"/>
+            <a:ext cx="9296398" cy="2743199"/>
+          </a:xfrm>
+        </p:spPr>
+        <p:txBody>
+          <a:bodyPr anchor="ctr">
+            <a:normAutofit/>
+          </a:bodyPr>
+          <a:lstStyle>
+            <a:lvl1pPr algn="l">
+              <a:defRPr sz="3200" b="0" cap="all">
+                <a:solidFill>
+                  <a:schemeClr val="tx1"/>
+                </a:solidFill>
+              </a:defRPr>
+            </a:lvl1pPr>
+          </a:lstStyle>
+          <a:p>
+            <a:r>
+              <a:rPr lang="pt-BR" smtClean="0"/>
+              <a:t>Clique para editar o título mestre</a:t>
+            </a:r>
+            <a:endParaRPr lang="en-US" dirty="0"/>
+          </a:p>
+        </p:txBody>
+      </p:sp>
+      <p:sp>
+        <p:nvSpPr>
+          <p:cNvPr id="10" name="Text Placeholder 9"/>
+          <p:cNvSpPr>
+            <a:spLocks noGrp="1"/>
+          </p:cNvSpPr>
+          <p:nvPr>
+            <p:ph type="body" sz="quarter" idx="13"/>
+          </p:nvPr>
+        </p:nvSpPr>
+        <p:spPr>
+          <a:xfrm>
+            <a:off x="1141412" y="3886200"/>
+            <a:ext cx="9906000" cy="889000"/>
+          </a:xfrm>
+        </p:spPr>
+        <p:txBody>
+          <a:bodyPr vert="horz" lIns="91440" tIns="45720" rIns="91440" bIns="45720" rtlCol="0" anchor="b">
+            <a:normAutofit/>
+          </a:bodyPr>
+          <a:lstStyle>
+            <a:lvl1pPr>
+              <a:buNone/>
+              <a:defRPr lang="en-US" sz="2400" b="0" cap="all" dirty="0">
+                <a:ln w="3175" cmpd="sng">
+                  <a:noFill/>
+                </a:ln>
+                <a:solidFill>
+                  <a:schemeClr val="accent1"/>
+                </a:solidFill>
+                <a:effectLst>
+                  <a:glow rad="38100">
+                    <a:schemeClr val="bg1">
+                      <a:lumMod val="65000"/>
+                      <a:lumOff val="35000"/>
+                      <a:alpha val="40000"/>
+                    </a:schemeClr>
+                  </a:glow>
+                  <a:outerShdw blurRad="28575" dist="38100" dir="14040000" algn="tl" rotWithShape="0">
+                    <a:srgbClr val="000000">
+                      <a:alpha val="25000"/>
+                    </a:srgbClr>
+                  </a:outerShdw>
+                </a:effectLst>
+              </a:defRPr>
+            </a:lvl1pPr>
+          </a:lstStyle>
+          <a:p>
+            <a:pPr marL="0" lvl="0">
+              <a:spcBef>
+                <a:spcPct val="0"/>
+              </a:spcBef>
+              <a:buNone/>
+            </a:pPr>
+            <a:r>
               <a:rPr lang="pt-BR" smtClean="0"/>
               <a:t>Editar estilos de texto Mestre</a:t>
             </a:r>
@@ -1755,18 +2065,18 @@
       </p:sp>
       <p:sp>
         <p:nvSpPr>
-          <p:cNvPr id="8" name="Text Placeholder 3"/>
-          <p:cNvSpPr>
-            <a:spLocks noGrp="1"/>
-          </p:cNvSpPr>
-          <p:nvPr>
-            <p:ph type="body" sz="half" idx="15"/>
+          <p:cNvPr id="3" name="Text Placeholder 2"/>
+          <p:cNvSpPr>
+            <a:spLocks noGrp="1"/>
+          </p:cNvSpPr>
+          <p:nvPr>
+            <p:ph type="body" idx="1"/>
           </p:nvPr>
         </p:nvSpPr>
         <p:spPr>
           <a:xfrm>
-            <a:off x="685799" y="2904565"/>
-            <a:ext cx="3456432" cy="3314132"/>
+            <a:off x="1141411" y="4775200"/>
+            <a:ext cx="9906000" cy="1016000"/>
           </a:xfrm>
         </p:spPr>
         <p:txBody>
@@ -1774,41 +2084,93 @@
             <a:normAutofit/>
           </a:bodyPr>
           <a:lstStyle>
-            <a:lvl1pPr marL="0" indent="0">
-              <a:buNone/>
-              <a:defRPr sz="1400"/>
+            <a:lvl1pPr marL="0" indent="0" algn="l">
+              <a:buNone/>
+              <a:defRPr sz="1800">
+                <a:solidFill>
+                  <a:schemeClr val="tx1"/>
+                </a:solidFill>
+              </a:defRPr>
             </a:lvl1pPr>
             <a:lvl2pPr marL="457200" indent="0">
               <a:buNone/>
-              <a:defRPr sz="1200"/>
+              <a:defRPr sz="1800">
+                <a:solidFill>
+                  <a:schemeClr val="tx1">
+                    <a:tint val="75000"/>
+                  </a:schemeClr>
+                </a:solidFill>
+              </a:defRPr>
             </a:lvl2pPr>
             <a:lvl3pPr marL="914400" indent="0">
               <a:buNone/>
-              <a:defRPr sz="1000"/>
+              <a:defRPr sz="1600">
+                <a:solidFill>
+                  <a:schemeClr val="tx1">
+                    <a:tint val="75000"/>
+                  </a:schemeClr>
+                </a:solidFill>
+              </a:defRPr>
             </a:lvl3pPr>
             <a:lvl4pPr marL="1371600" indent="0">
               <a:buNone/>
-              <a:defRPr sz="900"/>
+              <a:defRPr sz="1400">
+                <a:solidFill>
+                  <a:schemeClr val="tx1">
+                    <a:tint val="75000"/>
+                  </a:schemeClr>
+                </a:solidFill>
+              </a:defRPr>
             </a:lvl4pPr>
             <a:lvl5pPr marL="1828800" indent="0">
               <a:buNone/>
-              <a:defRPr sz="900"/>
+              <a:defRPr sz="1400">
+                <a:solidFill>
+                  <a:schemeClr val="tx1">
+                    <a:tint val="75000"/>
+                  </a:schemeClr>
+                </a:solidFill>
+              </a:defRPr>
             </a:lvl5pPr>
             <a:lvl6pPr marL="2286000" indent="0">
               <a:buNone/>
-              <a:defRPr sz="900"/>
+              <a:defRPr sz="1400">
+                <a:solidFill>
+                  <a:schemeClr val="tx1">
+                    <a:tint val="75000"/>
+                  </a:schemeClr>
+                </a:solidFill>
+              </a:defRPr>
             </a:lvl6pPr>
             <a:lvl7pPr marL="2743200" indent="0">
               <a:buNone/>
-              <a:defRPr sz="900"/>
+              <a:defRPr sz="1400">
+                <a:solidFill>
+                  <a:schemeClr val="tx1">
+                    <a:tint val="75000"/>
+                  </a:schemeClr>
+                </a:solidFill>
+              </a:defRPr>
             </a:lvl7pPr>
             <a:lvl8pPr marL="3200400" indent="0">
               <a:buNone/>
-              <a:defRPr sz="900"/>
+              <a:defRPr sz="1400">
+                <a:solidFill>
+                  <a:schemeClr val="tx1">
+                    <a:tint val="75000"/>
+                  </a:schemeClr>
+                </a:solidFill>
+              </a:defRPr>
             </a:lvl8pPr>
             <a:lvl9pPr marL="3657600" indent="0">
               <a:buNone/>
-              <a:defRPr sz="900"/>
+              <a:defRPr sz="1400">
+                <a:solidFill>
+                  <a:schemeClr val="tx1">
+                    <a:tint val="75000"/>
+                  </a:schemeClr>
+                </a:solidFill>
+              </a:defRPr>
             </a:lvl9pPr>
           </a:lstStyle>
           <a:p>
@@ -1822,283 +2184,7 @@
       </p:sp>
       <p:sp>
         <p:nvSpPr>
-          <p:cNvPr id="9" name="Text Placeholder 4"/>
-          <p:cNvSpPr>
-            <a:spLocks noGrp="1"/>
-          </p:cNvSpPr>
-          <p:nvPr>
-            <p:ph type="body" sz="quarter" idx="3"/>
-          </p:nvPr>
-        </p:nvSpPr>
-        <p:spPr>
-          <a:xfrm>
-            <a:off x="4368800" y="2201333"/>
-            <a:ext cx="3456432" cy="626534"/>
-          </a:xfrm>
-        </p:spPr>
-        <p:txBody>
-          <a:bodyPr anchor="b">
-            <a:noAutofit/>
-          </a:bodyPr>
-          <a:lstStyle>
-            <a:lvl1pPr marL="0" indent="0">
-              <a:buNone/>
-              <a:defRPr sz="2400" b="0">
-                <a:solidFill>
-                  <a:schemeClr val="tx1"/>
-                </a:solidFill>
-              </a:defRPr>
-            </a:lvl1pPr>
-            <a:lvl2pPr marL="457200" indent="0">
-              <a:buNone/>
-              <a:defRPr sz="2000" b="1"/>
-            </a:lvl2pPr>
-            <a:lvl3pPr marL="914400" indent="0">
-              <a:buNone/>
-              <a:defRPr sz="1800" b="1"/>
-            </a:lvl3pPr>
-            <a:lvl4pPr marL="1371600" indent="0">
-              <a:buNone/>
-              <a:defRPr sz="1600" b="1"/>
-            </a:lvl4pPr>
-            <a:lvl5pPr marL="1828800" indent="0">
-              <a:buNone/>
-              <a:defRPr sz="1600" b="1"/>
-            </a:lvl5pPr>
-            <a:lvl6pPr marL="2286000" indent="0">
-              <a:buNone/>
-              <a:defRPr sz="1600" b="1"/>
-            </a:lvl6pPr>
-            <a:lvl7pPr marL="2743200" indent="0">
-              <a:buNone/>
-              <a:defRPr sz="1600" b="1"/>
-            </a:lvl7pPr>
-            <a:lvl8pPr marL="3200400" indent="0">
-              <a:buNone/>
-              <a:defRPr sz="1600" b="1"/>
-            </a:lvl8pPr>
-            <a:lvl9pPr marL="3657600" indent="0">
-              <a:buNone/>
-              <a:defRPr sz="1600" b="1"/>
-            </a:lvl9pPr>
-          </a:lstStyle>
-          <a:p>
-            <a:pPr lvl="0"/>
-            <a:r>
-              <a:rPr lang="pt-BR" smtClean="0"/>
-              <a:t>Editar estilos de texto Mestre</a:t>
-            </a:r>
-          </a:p>
-        </p:txBody>
-      </p:sp>
-      <p:sp>
-        <p:nvSpPr>
-          <p:cNvPr id="10" name="Text Placeholder 3"/>
-          <p:cNvSpPr>
-            <a:spLocks noGrp="1"/>
-          </p:cNvSpPr>
-          <p:nvPr>
-            <p:ph type="body" sz="half" idx="16"/>
-          </p:nvPr>
-        </p:nvSpPr>
-        <p:spPr>
-          <a:xfrm>
-            <a:off x="4366858" y="2904067"/>
-            <a:ext cx="3456432" cy="3314618"/>
-          </a:xfrm>
-        </p:spPr>
-        <p:txBody>
-          <a:bodyPr anchor="t">
-            <a:normAutofit/>
-          </a:bodyPr>
-          <a:lstStyle>
-            <a:lvl1pPr marL="0" indent="0">
-              <a:buNone/>
-              <a:defRPr sz="1400"/>
-            </a:lvl1pPr>
-            <a:lvl2pPr marL="457200" indent="0">
-              <a:buNone/>
-              <a:defRPr sz="1200"/>
-            </a:lvl2pPr>
-            <a:lvl3pPr marL="914400" indent="0">
-              <a:buNone/>
-              <a:defRPr sz="1000"/>
-            </a:lvl3pPr>
-            <a:lvl4pPr marL="1371600" indent="0">
-              <a:buNone/>
-              <a:defRPr sz="900"/>
-            </a:lvl4pPr>
-            <a:lvl5pPr marL="1828800" indent="0">
-              <a:buNone/>
-              <a:defRPr sz="900"/>
-            </a:lvl5pPr>
-            <a:lvl6pPr marL="2286000" indent="0">
-              <a:buNone/>
-              <a:defRPr sz="900"/>
-            </a:lvl6pPr>
-            <a:lvl7pPr marL="2743200" indent="0">
-              <a:buNone/>
-              <a:defRPr sz="900"/>
-            </a:lvl7pPr>
-            <a:lvl8pPr marL="3200400" indent="0">
-              <a:buNone/>
-              <a:defRPr sz="900"/>
-            </a:lvl8pPr>
-            <a:lvl9pPr marL="3657600" indent="0">
-              <a:buNone/>
-              <a:defRPr sz="900"/>
-            </a:lvl9pPr>
-          </a:lstStyle>
-          <a:p>
-            <a:pPr lvl="0"/>
-            <a:r>
-              <a:rPr lang="pt-BR" smtClean="0"/>
-              <a:t>Editar estilos de texto Mestre</a:t>
-            </a:r>
-          </a:p>
-        </p:txBody>
-      </p:sp>
-      <p:sp>
-        <p:nvSpPr>
-          <p:cNvPr id="11" name="Text Placeholder 4"/>
-          <p:cNvSpPr>
-            <a:spLocks noGrp="1"/>
-          </p:cNvSpPr>
-          <p:nvPr>
-            <p:ph type="body" sz="quarter" idx="13"/>
-          </p:nvPr>
-        </p:nvSpPr>
-        <p:spPr>
-          <a:xfrm>
-            <a:off x="8051800" y="2192866"/>
-            <a:ext cx="3456432" cy="626534"/>
-          </a:xfrm>
-        </p:spPr>
-        <p:txBody>
-          <a:bodyPr anchor="b">
-            <a:noAutofit/>
-          </a:bodyPr>
-          <a:lstStyle>
-            <a:lvl1pPr marL="0" indent="0">
-              <a:buNone/>
-              <a:defRPr sz="2400" b="0">
-                <a:solidFill>
-                  <a:schemeClr val="tx1"/>
-                </a:solidFill>
-              </a:defRPr>
-            </a:lvl1pPr>
-            <a:lvl2pPr marL="457200" indent="0">
-              <a:buNone/>
-              <a:defRPr sz="2000" b="1"/>
-            </a:lvl2pPr>
-            <a:lvl3pPr marL="914400" indent="0">
-              <a:buNone/>
-              <a:defRPr sz="1800" b="1"/>
-            </a:lvl3pPr>
-            <a:lvl4pPr marL="1371600" indent="0">
-              <a:buNone/>
-              <a:defRPr sz="1600" b="1"/>
-            </a:lvl4pPr>
-            <a:lvl5pPr marL="1828800" indent="0">
-              <a:buNone/>
-              <a:defRPr sz="1600" b="1"/>
-            </a:lvl5pPr>
-            <a:lvl6pPr marL="2286000" indent="0">
-              <a:buNone/>
-              <a:defRPr sz="1600" b="1"/>
-            </a:lvl6pPr>
-            <a:lvl7pPr marL="2743200" indent="0">
-              <a:buNone/>
-              <a:defRPr sz="1600" b="1"/>
-            </a:lvl7pPr>
-            <a:lvl8pPr marL="3200400" indent="0">
-              <a:buNone/>
-              <a:defRPr sz="1600" b="1"/>
-            </a:lvl8pPr>
-            <a:lvl9pPr marL="3657600" indent="0">
-              <a:buNone/>
-              <a:defRPr sz="1600" b="1"/>
-            </a:lvl9pPr>
-          </a:lstStyle>
-          <a:p>
-            <a:pPr lvl="0"/>
-            <a:r>
-              <a:rPr lang="pt-BR" smtClean="0"/>
-              <a:t>Editar estilos de texto Mestre</a:t>
-            </a:r>
-          </a:p>
-        </p:txBody>
-      </p:sp>
-      <p:sp>
-        <p:nvSpPr>
-          <p:cNvPr id="12" name="Text Placeholder 3"/>
-          <p:cNvSpPr>
-            <a:spLocks noGrp="1"/>
-          </p:cNvSpPr>
-          <p:nvPr>
-            <p:ph type="body" sz="half" idx="17"/>
-          </p:nvPr>
-        </p:nvSpPr>
-        <p:spPr>
-          <a:xfrm>
-            <a:off x="8051801" y="2904565"/>
-            <a:ext cx="3456432" cy="3314132"/>
-          </a:xfrm>
-        </p:spPr>
-        <p:txBody>
-          <a:bodyPr anchor="t">
-            <a:normAutofit/>
-          </a:bodyPr>
-          <a:lstStyle>
-            <a:lvl1pPr marL="0" indent="0">
-              <a:buNone/>
-              <a:defRPr sz="1400"/>
-            </a:lvl1pPr>
-            <a:lvl2pPr marL="457200" indent="0">
-              <a:buNone/>
-              <a:defRPr sz="1200"/>
-            </a:lvl2pPr>
-            <a:lvl3pPr marL="914400" indent="0">
-              <a:buNone/>
-              <a:defRPr sz="1000"/>
-            </a:lvl3pPr>
-            <a:lvl4pPr marL="1371600" indent="0">
-              <a:buNone/>
-              <a:defRPr sz="900"/>
-            </a:lvl4pPr>
-            <a:lvl5pPr marL="1828800" indent="0">
-              <a:buNone/>
-              <a:defRPr sz="900"/>
-            </a:lvl5pPr>
-            <a:lvl6pPr marL="2286000" indent="0">
-              <a:buNone/>
-              <a:defRPr sz="900"/>
-            </a:lvl6pPr>
-            <a:lvl7pPr marL="2743200" indent="0">
-              <a:buNone/>
-              <a:defRPr sz="900"/>
-            </a:lvl7pPr>
-            <a:lvl8pPr marL="3200400" indent="0">
-              <a:buNone/>
-              <a:defRPr sz="900"/>
-            </a:lvl8pPr>
-            <a:lvl9pPr marL="3657600" indent="0">
-              <a:buNone/>
-              <a:defRPr sz="900"/>
-            </a:lvl9pPr>
-          </a:lstStyle>
-          <a:p>
-            <a:pPr lvl="0"/>
-            <a:r>
-              <a:rPr lang="pt-BR" smtClean="0"/>
-              <a:t>Editar estilos de texto Mestre</a:t>
-            </a:r>
-          </a:p>
-        </p:txBody>
-      </p:sp>
-      <p:sp>
-        <p:nvSpPr>
-          <p:cNvPr id="3" name="Date Placeholder 2"/>
+          <p:cNvPr id="4" name="Date Placeholder 3"/>
           <p:cNvSpPr>
             <a:spLocks noGrp="1"/>
           </p:cNvSpPr>
@@ -2121,7 +2207,7 @@
       </p:sp>
       <p:sp>
         <p:nvSpPr>
-          <p:cNvPr id="4" name="Footer Placeholder 3"/>
+          <p:cNvPr id="5" name="Footer Placeholder 4"/>
           <p:cNvSpPr>
             <a:spLocks noGrp="1"/>
           </p:cNvSpPr>
@@ -2140,7 +2226,7 @@
       </p:sp>
       <p:sp>
         <p:nvSpPr>
-          <p:cNvPr id="5" name="Slide Number Placeholder 4"/>
+          <p:cNvPr id="6" name="Slide Number Placeholder 5"/>
           <p:cNvSpPr>
             <a:spLocks noGrp="1"/>
           </p:cNvSpPr>
@@ -2164,7 +2250,7 @@
     </p:spTree>
     <p:extLst>
       <p:ext uri="{BB962C8B-B14F-4D97-AF65-F5344CB8AC3E}">
-        <p14:creationId xmlns:p14="http://schemas.microsoft.com/office/powerpoint/2010/main" val="3040012742"/>
+        <p14:creationId xmlns:p14="http://schemas.microsoft.com/office/powerpoint/2010/main" val="499935384"/>
       </p:ext>
     </p:extLst>
   </p:cSld>
@@ -2176,7 +2262,7 @@
 
 <file path=ppt/slideLayouts/slideLayout15.xml><?xml version="1.0" encoding="utf-8"?>
 <p:sldLayout xmlns:a="http://schemas.openxmlformats.org/drawingml/2006/main" xmlns:r="http://schemas.openxmlformats.org/officeDocument/2006/relationships" xmlns:p="http://schemas.openxmlformats.org/presentationml/2006/main" preserve="1">
-  <p:cSld name="3 Colunas de Imagem">
+  <p:cSld name="Verdadeiro ou Falso">
     <p:spTree>
       <p:nvGrpSpPr>
         <p:cNvPr id="1" name=""/>
@@ -2193,7 +2279,7 @@
       </p:grpSpPr>
       <p:sp>
         <p:nvSpPr>
-          <p:cNvPr id="30" name="Title 1"/>
+          <p:cNvPr id="2" name="Title 1"/>
           <p:cNvSpPr>
             <a:spLocks noGrp="1"/>
           </p:cNvSpPr>
@@ -2203,86 +2289,83 @@
         </p:nvSpPr>
         <p:spPr>
           <a:xfrm>
-            <a:off x="2895600" y="762000"/>
-            <a:ext cx="8610599" cy="1295400"/>
-          </a:xfrm>
-        </p:spPr>
-        <p:txBody>
-          <a:bodyPr/>
-          <a:lstStyle/>
-          <a:p>
-            <a:r>
-              <a:rPr lang="pt-BR" smtClean="0"/>
-              <a:t>Clique para editar o título mestre</a:t>
-            </a:r>
-            <a:endParaRPr lang="en-US" dirty="0"/>
-          </a:p>
-        </p:txBody>
-      </p:sp>
-      <p:sp>
-        <p:nvSpPr>
-          <p:cNvPr id="19" name="Text Placeholder 2"/>
-          <p:cNvSpPr>
-            <a:spLocks noGrp="1"/>
-          </p:cNvSpPr>
-          <p:nvPr>
-            <p:ph type="body" idx="1"/>
-          </p:nvPr>
-        </p:nvSpPr>
-        <p:spPr>
-          <a:xfrm>
-            <a:off x="688618" y="4191000"/>
-            <a:ext cx="3451582" cy="682765"/>
-          </a:xfrm>
-        </p:spPr>
-        <p:txBody>
-          <a:bodyPr anchor="b">
-            <a:noAutofit/>
+            <a:off x="1141412" y="609601"/>
+            <a:ext cx="9905999" cy="2743199"/>
+          </a:xfrm>
+        </p:spPr>
+        <p:txBody>
+          <a:bodyPr vert="horz" lIns="91440" tIns="45720" rIns="91440" bIns="45720" rtlCol="0" anchor="ctr">
+            <a:normAutofit/>
           </a:bodyPr>
           <a:lstStyle>
-            <a:lvl1pPr marL="0" indent="0">
-              <a:buNone/>
-              <a:defRPr sz="2400" b="0">
+            <a:lvl1pPr>
+              <a:defRPr lang="en-US" b="0" dirty="0"/>
+            </a:lvl1pPr>
+          </a:lstStyle>
+          <a:p>
+            <a:pPr marL="0" lvl="0"/>
+            <a:r>
+              <a:rPr lang="pt-BR" smtClean="0"/>
+              <a:t>Clique para editar o título mestre</a:t>
+            </a:r>
+            <a:endParaRPr lang="en-US" dirty="0"/>
+          </a:p>
+        </p:txBody>
+      </p:sp>
+      <p:sp>
+        <p:nvSpPr>
+          <p:cNvPr id="10" name="Text Placeholder 9"/>
+          <p:cNvSpPr>
+            <a:spLocks noGrp="1"/>
+          </p:cNvSpPr>
+          <p:nvPr>
+            <p:ph type="body" sz="quarter" idx="13"/>
+          </p:nvPr>
+        </p:nvSpPr>
+        <p:spPr>
+          <a:xfrm>
+            <a:off x="1141412" y="3505200"/>
+            <a:ext cx="9906000" cy="838200"/>
+          </a:xfrm>
+        </p:spPr>
+        <p:txBody>
+          <a:bodyPr vert="horz" lIns="91440" tIns="45720" rIns="91440" bIns="45720" rtlCol="0" anchor="b">
+            <a:normAutofit/>
+          </a:bodyPr>
+          <a:lstStyle>
+            <a:lvl1pPr>
+              <a:buNone/>
+              <a:defRPr lang="en-US" sz="2800" b="0" cap="all" dirty="0">
+                <a:ln w="3175" cmpd="sng">
+                  <a:noFill/>
+                </a:ln>
                 <a:solidFill>
                   <a:schemeClr val="tx1"/>
                 </a:solidFill>
+                <a:effectLst>
+                  <a:glow rad="38100">
+                    <a:schemeClr val="bg1">
+                      <a:lumMod val="65000"/>
+                      <a:lumOff val="35000"/>
+                      <a:alpha val="40000"/>
+                    </a:schemeClr>
+                  </a:glow>
+                  <a:outerShdw blurRad="28575" dist="38100" dir="14040000" algn="tl" rotWithShape="0">
+                    <a:srgbClr val="000000">
+                      <a:alpha val="25000"/>
+                    </a:srgbClr>
+                  </a:outerShdw>
+                </a:effectLst>
               </a:defRPr>
             </a:lvl1pPr>
-            <a:lvl2pPr marL="457200" indent="0">
-              <a:buNone/>
-              <a:defRPr sz="2000" b="1"/>
-            </a:lvl2pPr>
-            <a:lvl3pPr marL="914400" indent="0">
-              <a:buNone/>
-              <a:defRPr sz="1800" b="1"/>
-            </a:lvl3pPr>
-            <a:lvl4pPr marL="1371600" indent="0">
-              <a:buNone/>
-              <a:defRPr sz="1600" b="1"/>
-            </a:lvl4pPr>
-            <a:lvl5pPr marL="1828800" indent="0">
-              <a:buNone/>
-              <a:defRPr sz="1600" b="1"/>
-            </a:lvl5pPr>
-            <a:lvl6pPr marL="2286000" indent="0">
-              <a:buNone/>
-              <a:defRPr sz="1600" b="1"/>
-            </a:lvl6pPr>
-            <a:lvl7pPr marL="2743200" indent="0">
-              <a:buNone/>
-              <a:defRPr sz="1600" b="1"/>
-            </a:lvl7pPr>
-            <a:lvl8pPr marL="3200400" indent="0">
-              <a:buNone/>
-              <a:defRPr sz="1600" b="1"/>
-            </a:lvl8pPr>
-            <a:lvl9pPr marL="3657600" indent="0">
-              <a:buNone/>
-              <a:defRPr sz="1600" b="1"/>
-            </a:lvl9pPr>
           </a:lstStyle>
           <a:p>
-            <a:pPr lvl="0"/>
+            <a:pPr marL="0" lvl="0">
+              <a:spcBef>
+                <a:spcPct val="0"/>
+              </a:spcBef>
+              <a:buNone/>
+            </a:pPr>
             <a:r>
               <a:rPr lang="pt-BR" smtClean="0"/>
               <a:t>Editar estilos de texto Mestre</a:t>
@@ -2292,142 +2375,115 @@
       </p:sp>
       <p:sp>
         <p:nvSpPr>
-          <p:cNvPr id="20" name="Picture Placeholder 2"/>
-          <p:cNvSpPr>
-            <a:spLocks noGrp="1" noChangeAspect="1"/>
-          </p:cNvSpPr>
-          <p:nvPr>
-            <p:ph type="pic" idx="15"/>
+          <p:cNvPr id="3" name="Text Placeholder 2"/>
+          <p:cNvSpPr>
+            <a:spLocks noGrp="1"/>
+          </p:cNvSpPr>
+          <p:nvPr>
+            <p:ph type="body" idx="1"/>
           </p:nvPr>
         </p:nvSpPr>
         <p:spPr>
           <a:xfrm>
-            <a:off x="688618" y="2362200"/>
-            <a:ext cx="3451582" cy="1524000"/>
-          </a:xfrm>
-          <a:prstGeom prst="roundRect">
-            <a:avLst>
-              <a:gd name="adj" fmla="val 0"/>
-            </a:avLst>
-          </a:prstGeom>
-          <a:effectLst>
-            <a:outerShdw blurRad="50800" dist="50800" dir="5400000" algn="tl" rotWithShape="0">
-              <a:srgbClr val="000000">
-                <a:alpha val="43000"/>
-              </a:srgbClr>
-            </a:outerShdw>
-          </a:effectLst>
+            <a:off x="1141411" y="4343400"/>
+            <a:ext cx="9906000" cy="1447800"/>
+          </a:xfrm>
         </p:spPr>
         <p:txBody>
           <a:bodyPr anchor="t">
             <a:normAutofit/>
           </a:bodyPr>
           <a:lstStyle>
-            <a:lvl1pPr marL="0" indent="0" algn="ctr">
-              <a:buNone/>
-              <a:defRPr sz="1600"/>
+            <a:lvl1pPr marL="0" indent="0" algn="l">
+              <a:buNone/>
+              <a:defRPr sz="1800">
+                <a:solidFill>
+                  <a:schemeClr val="tx1"/>
+                </a:solidFill>
+              </a:defRPr>
             </a:lvl1pPr>
             <a:lvl2pPr marL="457200" indent="0">
               <a:buNone/>
-              <a:defRPr sz="1600"/>
+              <a:defRPr sz="1800">
+                <a:solidFill>
+                  <a:schemeClr val="tx1">
+                    <a:tint val="75000"/>
+                  </a:schemeClr>
+                </a:solidFill>
+              </a:defRPr>
             </a:lvl2pPr>
             <a:lvl3pPr marL="914400" indent="0">
               <a:buNone/>
-              <a:defRPr sz="1600"/>
+              <a:defRPr sz="1600">
+                <a:solidFill>
+                  <a:schemeClr val="tx1">
+                    <a:tint val="75000"/>
+                  </a:schemeClr>
+                </a:solidFill>
+              </a:defRPr>
             </a:lvl3pPr>
             <a:lvl4pPr marL="1371600" indent="0">
               <a:buNone/>
-              <a:defRPr sz="1600"/>
+              <a:defRPr sz="1400">
+                <a:solidFill>
+                  <a:schemeClr val="tx1">
+                    <a:tint val="75000"/>
+                  </a:schemeClr>
+                </a:solidFill>
+              </a:defRPr>
             </a:lvl4pPr>
             <a:lvl5pPr marL="1828800" indent="0">
               <a:buNone/>
-              <a:defRPr sz="1600"/>
+              <a:defRPr sz="1400">
+                <a:solidFill>
+                  <a:schemeClr val="tx1">
+                    <a:tint val="75000"/>
+                  </a:schemeClr>
+                </a:solidFill>
+              </a:defRPr>
             </a:lvl5pPr>
             <a:lvl6pPr marL="2286000" indent="0">
               <a:buNone/>
-              <a:defRPr sz="1600"/>
+              <a:defRPr sz="1400">
+                <a:solidFill>
+                  <a:schemeClr val="tx1">
+                    <a:tint val="75000"/>
+                  </a:schemeClr>
+                </a:solidFill>
+              </a:defRPr>
             </a:lvl6pPr>
             <a:lvl7pPr marL="2743200" indent="0">
               <a:buNone/>
-              <a:defRPr sz="1600"/>
+              <a:defRPr sz="1400">
+                <a:solidFill>
+                  <a:schemeClr val="tx1">
+                    <a:tint val="75000"/>
+                  </a:schemeClr>
+                </a:solidFill>
+              </a:defRPr>
             </a:lvl7pPr>
             <a:lvl8pPr marL="3200400" indent="0">
               <a:buNone/>
-              <a:defRPr sz="1600"/>
+              <a:defRPr sz="1400">
+                <a:solidFill>
+                  <a:schemeClr val="tx1">
+                    <a:tint val="75000"/>
+                  </a:schemeClr>
+                </a:solidFill>
+              </a:defRPr>
             </a:lvl8pPr>
             <a:lvl9pPr marL="3657600" indent="0">
               <a:buNone/>
-              <a:defRPr sz="1600"/>
+              <a:defRPr sz="1400">
+                <a:solidFill>
+                  <a:schemeClr val="tx1">
+                    <a:tint val="75000"/>
+                  </a:schemeClr>
+                </a:solidFill>
+              </a:defRPr>
             </a:lvl9pPr>
           </a:lstStyle>
           <a:p>
-            <a:r>
-              <a:rPr lang="pt-BR" smtClean="0"/>
-              <a:t>Clique no ícone para adicionar uma imagem</a:t>
-            </a:r>
-            <a:endParaRPr lang="en-US" dirty="0"/>
-          </a:p>
-        </p:txBody>
-      </p:sp>
-      <p:sp>
-        <p:nvSpPr>
-          <p:cNvPr id="21" name="Text Placeholder 3"/>
-          <p:cNvSpPr>
-            <a:spLocks noGrp="1"/>
-          </p:cNvSpPr>
-          <p:nvPr>
-            <p:ph type="body" sz="half" idx="18"/>
-          </p:nvPr>
-        </p:nvSpPr>
-        <p:spPr>
-          <a:xfrm>
-            <a:off x="688618" y="4873764"/>
-            <a:ext cx="3451582" cy="1344921"/>
-          </a:xfrm>
-        </p:spPr>
-        <p:txBody>
-          <a:bodyPr anchor="t">
-            <a:normAutofit/>
-          </a:bodyPr>
-          <a:lstStyle>
-            <a:lvl1pPr marL="0" indent="0">
-              <a:buNone/>
-              <a:defRPr sz="1400"/>
-            </a:lvl1pPr>
-            <a:lvl2pPr marL="457200" indent="0">
-              <a:buNone/>
-              <a:defRPr sz="1200"/>
-            </a:lvl2pPr>
-            <a:lvl3pPr marL="914400" indent="0">
-              <a:buNone/>
-              <a:defRPr sz="1000"/>
-            </a:lvl3pPr>
-            <a:lvl4pPr marL="1371600" indent="0">
-              <a:buNone/>
-              <a:defRPr sz="900"/>
-            </a:lvl4pPr>
-            <a:lvl5pPr marL="1828800" indent="0">
-              <a:buNone/>
-              <a:defRPr sz="900"/>
-            </a:lvl5pPr>
-            <a:lvl6pPr marL="2286000" indent="0">
-              <a:buNone/>
-              <a:defRPr sz="900"/>
-            </a:lvl6pPr>
-            <a:lvl7pPr marL="2743200" indent="0">
-              <a:buNone/>
-              <a:defRPr sz="900"/>
-            </a:lvl7pPr>
-            <a:lvl8pPr marL="3200400" indent="0">
-              <a:buNone/>
-              <a:defRPr sz="900"/>
-            </a:lvl8pPr>
-            <a:lvl9pPr marL="3657600" indent="0">
-              <a:buNone/>
-              <a:defRPr sz="900"/>
-            </a:lvl9pPr>
-          </a:lstStyle>
-          <a:p>
             <a:pPr lvl="0"/>
             <a:r>
               <a:rPr lang="pt-BR" smtClean="0"/>
@@ -2438,441 +2494,7 @@
       </p:sp>
       <p:sp>
         <p:nvSpPr>
-          <p:cNvPr id="22" name="Text Placeholder 4"/>
-          <p:cNvSpPr>
-            <a:spLocks noGrp="1"/>
-          </p:cNvSpPr>
-          <p:nvPr>
-            <p:ph type="body" sz="quarter" idx="3"/>
-          </p:nvPr>
-        </p:nvSpPr>
-        <p:spPr>
-          <a:xfrm>
-            <a:off x="4374263" y="4191000"/>
-            <a:ext cx="3448935" cy="682765"/>
-          </a:xfrm>
-        </p:spPr>
-        <p:txBody>
-          <a:bodyPr anchor="b">
-            <a:noAutofit/>
-          </a:bodyPr>
-          <a:lstStyle>
-            <a:lvl1pPr marL="0" indent="0">
-              <a:buNone/>
-              <a:defRPr sz="2400" b="0">
-                <a:solidFill>
-                  <a:schemeClr val="tx1"/>
-                </a:solidFill>
-              </a:defRPr>
-            </a:lvl1pPr>
-            <a:lvl2pPr marL="457200" indent="0">
-              <a:buNone/>
-              <a:defRPr sz="2000" b="1"/>
-            </a:lvl2pPr>
-            <a:lvl3pPr marL="914400" indent="0">
-              <a:buNone/>
-              <a:defRPr sz="1800" b="1"/>
-            </a:lvl3pPr>
-            <a:lvl4pPr marL="1371600" indent="0">
-              <a:buNone/>
-              <a:defRPr sz="1600" b="1"/>
-            </a:lvl4pPr>
-            <a:lvl5pPr marL="1828800" indent="0">
-              <a:buNone/>
-              <a:defRPr sz="1600" b="1"/>
-            </a:lvl5pPr>
-            <a:lvl6pPr marL="2286000" indent="0">
-              <a:buNone/>
-              <a:defRPr sz="1600" b="1"/>
-            </a:lvl6pPr>
-            <a:lvl7pPr marL="2743200" indent="0">
-              <a:buNone/>
-              <a:defRPr sz="1600" b="1"/>
-            </a:lvl7pPr>
-            <a:lvl8pPr marL="3200400" indent="0">
-              <a:buNone/>
-              <a:defRPr sz="1600" b="1"/>
-            </a:lvl8pPr>
-            <a:lvl9pPr marL="3657600" indent="0">
-              <a:buNone/>
-              <a:defRPr sz="1600" b="1"/>
-            </a:lvl9pPr>
-          </a:lstStyle>
-          <a:p>
-            <a:pPr lvl="0"/>
-            <a:r>
-              <a:rPr lang="pt-BR" smtClean="0"/>
-              <a:t>Editar estilos de texto Mestre</a:t>
-            </a:r>
-          </a:p>
-        </p:txBody>
-      </p:sp>
-      <p:sp>
-        <p:nvSpPr>
-          <p:cNvPr id="23" name="Picture Placeholder 2"/>
-          <p:cNvSpPr>
-            <a:spLocks noGrp="1" noChangeAspect="1"/>
-          </p:cNvSpPr>
-          <p:nvPr>
-            <p:ph type="pic" idx="21"/>
-          </p:nvPr>
-        </p:nvSpPr>
-        <p:spPr>
-          <a:xfrm>
-            <a:off x="4374263" y="2362200"/>
-            <a:ext cx="3448936" cy="1524000"/>
-          </a:xfrm>
-          <a:prstGeom prst="roundRect">
-            <a:avLst>
-              <a:gd name="adj" fmla="val 0"/>
-            </a:avLst>
-          </a:prstGeom>
-          <a:effectLst>
-            <a:outerShdw blurRad="50800" dist="50800" dir="5400000" algn="tl" rotWithShape="0">
-              <a:srgbClr val="000000">
-                <a:alpha val="43000"/>
-              </a:srgbClr>
-            </a:outerShdw>
-          </a:effectLst>
-        </p:spPr>
-        <p:txBody>
-          <a:bodyPr anchor="t">
-            <a:normAutofit/>
-          </a:bodyPr>
-          <a:lstStyle>
-            <a:lvl1pPr marL="0" indent="0" algn="ctr">
-              <a:buNone/>
-              <a:defRPr sz="1600"/>
-            </a:lvl1pPr>
-            <a:lvl2pPr marL="457200" indent="0">
-              <a:buNone/>
-              <a:defRPr sz="1600"/>
-            </a:lvl2pPr>
-            <a:lvl3pPr marL="914400" indent="0">
-              <a:buNone/>
-              <a:defRPr sz="1600"/>
-            </a:lvl3pPr>
-            <a:lvl4pPr marL="1371600" indent="0">
-              <a:buNone/>
-              <a:defRPr sz="1600"/>
-            </a:lvl4pPr>
-            <a:lvl5pPr marL="1828800" indent="0">
-              <a:buNone/>
-              <a:defRPr sz="1600"/>
-            </a:lvl5pPr>
-            <a:lvl6pPr marL="2286000" indent="0">
-              <a:buNone/>
-              <a:defRPr sz="1600"/>
-            </a:lvl6pPr>
-            <a:lvl7pPr marL="2743200" indent="0">
-              <a:buNone/>
-              <a:defRPr sz="1600"/>
-            </a:lvl7pPr>
-            <a:lvl8pPr marL="3200400" indent="0">
-              <a:buNone/>
-              <a:defRPr sz="1600"/>
-            </a:lvl8pPr>
-            <a:lvl9pPr marL="3657600" indent="0">
-              <a:buNone/>
-              <a:defRPr sz="1600"/>
-            </a:lvl9pPr>
-          </a:lstStyle>
-          <a:p>
-            <a:r>
-              <a:rPr lang="pt-BR" smtClean="0"/>
-              <a:t>Clique no ícone para adicionar uma imagem</a:t>
-            </a:r>
-            <a:endParaRPr lang="en-US" dirty="0"/>
-          </a:p>
-        </p:txBody>
-      </p:sp>
-      <p:sp>
-        <p:nvSpPr>
-          <p:cNvPr id="24" name="Text Placeholder 3"/>
-          <p:cNvSpPr>
-            <a:spLocks noGrp="1"/>
-          </p:cNvSpPr>
-          <p:nvPr>
-            <p:ph type="body" sz="half" idx="19"/>
-          </p:nvPr>
-        </p:nvSpPr>
-        <p:spPr>
-          <a:xfrm>
-            <a:off x="4374264" y="4873763"/>
-            <a:ext cx="3448935" cy="1344921"/>
-          </a:xfrm>
-        </p:spPr>
-        <p:txBody>
-          <a:bodyPr anchor="t">
-            <a:normAutofit/>
-          </a:bodyPr>
-          <a:lstStyle>
-            <a:lvl1pPr marL="0" indent="0">
-              <a:buNone/>
-              <a:defRPr sz="1400"/>
-            </a:lvl1pPr>
-            <a:lvl2pPr marL="457200" indent="0">
-              <a:buNone/>
-              <a:defRPr sz="1200"/>
-            </a:lvl2pPr>
-            <a:lvl3pPr marL="914400" indent="0">
-              <a:buNone/>
-              <a:defRPr sz="1000"/>
-            </a:lvl3pPr>
-            <a:lvl4pPr marL="1371600" indent="0">
-              <a:buNone/>
-              <a:defRPr sz="900"/>
-            </a:lvl4pPr>
-            <a:lvl5pPr marL="1828800" indent="0">
-              <a:buNone/>
-              <a:defRPr sz="900"/>
-            </a:lvl5pPr>
-            <a:lvl6pPr marL="2286000" indent="0">
-              <a:buNone/>
-              <a:defRPr sz="900"/>
-            </a:lvl6pPr>
-            <a:lvl7pPr marL="2743200" indent="0">
-              <a:buNone/>
-              <a:defRPr sz="900"/>
-            </a:lvl7pPr>
-            <a:lvl8pPr marL="3200400" indent="0">
-              <a:buNone/>
-              <a:defRPr sz="900"/>
-            </a:lvl8pPr>
-            <a:lvl9pPr marL="3657600" indent="0">
-              <a:buNone/>
-              <a:defRPr sz="900"/>
-            </a:lvl9pPr>
-          </a:lstStyle>
-          <a:p>
-            <a:pPr lvl="0"/>
-            <a:r>
-              <a:rPr lang="pt-BR" smtClean="0"/>
-              <a:t>Editar estilos de texto Mestre</a:t>
-            </a:r>
-          </a:p>
-        </p:txBody>
-      </p:sp>
-      <p:sp>
-        <p:nvSpPr>
-          <p:cNvPr id="25" name="Text Placeholder 4"/>
-          <p:cNvSpPr>
-            <a:spLocks noGrp="1"/>
-          </p:cNvSpPr>
-          <p:nvPr>
-            <p:ph type="body" sz="quarter" idx="13"/>
-          </p:nvPr>
-        </p:nvSpPr>
-        <p:spPr>
-          <a:xfrm>
-            <a:off x="8049731" y="4191000"/>
-            <a:ext cx="3456469" cy="682765"/>
-          </a:xfrm>
-        </p:spPr>
-        <p:txBody>
-          <a:bodyPr anchor="b">
-            <a:noAutofit/>
-          </a:bodyPr>
-          <a:lstStyle>
-            <a:lvl1pPr marL="0" indent="0">
-              <a:buNone/>
-              <a:defRPr sz="2400" b="0">
-                <a:solidFill>
-                  <a:schemeClr val="tx1"/>
-                </a:solidFill>
-              </a:defRPr>
-            </a:lvl1pPr>
-            <a:lvl2pPr marL="457200" indent="0">
-              <a:buNone/>
-              <a:defRPr sz="2000" b="1"/>
-            </a:lvl2pPr>
-            <a:lvl3pPr marL="914400" indent="0">
-              <a:buNone/>
-              <a:defRPr sz="1800" b="1"/>
-            </a:lvl3pPr>
-            <a:lvl4pPr marL="1371600" indent="0">
-              <a:buNone/>
-              <a:defRPr sz="1600" b="1"/>
-            </a:lvl4pPr>
-            <a:lvl5pPr marL="1828800" indent="0">
-              <a:buNone/>
-              <a:defRPr sz="1600" b="1"/>
-            </a:lvl5pPr>
-            <a:lvl6pPr marL="2286000" indent="0">
-              <a:buNone/>
-              <a:defRPr sz="1600" b="1"/>
-            </a:lvl6pPr>
-            <a:lvl7pPr marL="2743200" indent="0">
-              <a:buNone/>
-              <a:defRPr sz="1600" b="1"/>
-            </a:lvl7pPr>
-            <a:lvl8pPr marL="3200400" indent="0">
-              <a:buNone/>
-              <a:defRPr sz="1600" b="1"/>
-            </a:lvl8pPr>
-            <a:lvl9pPr marL="3657600" indent="0">
-              <a:buNone/>
-              <a:defRPr sz="1600" b="1"/>
-            </a:lvl9pPr>
-          </a:lstStyle>
-          <a:p>
-            <a:pPr lvl="0"/>
-            <a:r>
-              <a:rPr lang="pt-BR" smtClean="0"/>
-              <a:t>Editar estilos de texto Mestre</a:t>
-            </a:r>
-          </a:p>
-        </p:txBody>
-      </p:sp>
-      <p:sp>
-        <p:nvSpPr>
-          <p:cNvPr id="26" name="Picture Placeholder 2"/>
-          <p:cNvSpPr>
-            <a:spLocks noGrp="1" noChangeAspect="1"/>
-          </p:cNvSpPr>
-          <p:nvPr>
-            <p:ph type="pic" idx="22"/>
-          </p:nvPr>
-        </p:nvSpPr>
-        <p:spPr>
-          <a:xfrm>
-            <a:off x="8049855" y="2362200"/>
-            <a:ext cx="3447878" cy="1524000"/>
-          </a:xfrm>
-          <a:prstGeom prst="roundRect">
-            <a:avLst>
-              <a:gd name="adj" fmla="val 0"/>
-            </a:avLst>
-          </a:prstGeom>
-          <a:effectLst>
-            <a:outerShdw blurRad="50800" dist="50800" dir="5400000" algn="tl" rotWithShape="0">
-              <a:srgbClr val="000000">
-                <a:alpha val="43000"/>
-              </a:srgbClr>
-            </a:outerShdw>
-          </a:effectLst>
-        </p:spPr>
-        <p:txBody>
-          <a:bodyPr anchor="t">
-            <a:normAutofit/>
-          </a:bodyPr>
-          <a:lstStyle>
-            <a:lvl1pPr marL="0" indent="0" algn="ctr">
-              <a:buNone/>
-              <a:defRPr sz="1600"/>
-            </a:lvl1pPr>
-            <a:lvl2pPr marL="457200" indent="0">
-              <a:buNone/>
-              <a:defRPr sz="1600"/>
-            </a:lvl2pPr>
-            <a:lvl3pPr marL="914400" indent="0">
-              <a:buNone/>
-              <a:defRPr sz="1600"/>
-            </a:lvl3pPr>
-            <a:lvl4pPr marL="1371600" indent="0">
-              <a:buNone/>
-              <a:defRPr sz="1600"/>
-            </a:lvl4pPr>
-            <a:lvl5pPr marL="1828800" indent="0">
-              <a:buNone/>
-              <a:defRPr sz="1600"/>
-            </a:lvl5pPr>
-            <a:lvl6pPr marL="2286000" indent="0">
-              <a:buNone/>
-              <a:defRPr sz="1600"/>
-            </a:lvl6pPr>
-            <a:lvl7pPr marL="2743200" indent="0">
-              <a:buNone/>
-              <a:defRPr sz="1600"/>
-            </a:lvl7pPr>
-            <a:lvl8pPr marL="3200400" indent="0">
-              <a:buNone/>
-              <a:defRPr sz="1600"/>
-            </a:lvl8pPr>
-            <a:lvl9pPr marL="3657600" indent="0">
-              <a:buNone/>
-              <a:defRPr sz="1600"/>
-            </a:lvl9pPr>
-          </a:lstStyle>
-          <a:p>
-            <a:r>
-              <a:rPr lang="pt-BR" smtClean="0"/>
-              <a:t>Clique no ícone para adicionar uma imagem</a:t>
-            </a:r>
-            <a:endParaRPr lang="en-US" dirty="0"/>
-          </a:p>
-        </p:txBody>
-      </p:sp>
-      <p:sp>
-        <p:nvSpPr>
-          <p:cNvPr id="27" name="Text Placeholder 3"/>
-          <p:cNvSpPr>
-            <a:spLocks noGrp="1"/>
-          </p:cNvSpPr>
-          <p:nvPr>
-            <p:ph type="body" sz="half" idx="20"/>
-          </p:nvPr>
-        </p:nvSpPr>
-        <p:spPr>
-          <a:xfrm>
-            <a:off x="8049731" y="4873761"/>
-            <a:ext cx="3452445" cy="1344921"/>
-          </a:xfrm>
-        </p:spPr>
-        <p:txBody>
-          <a:bodyPr anchor="t">
-            <a:normAutofit/>
-          </a:bodyPr>
-          <a:lstStyle>
-            <a:lvl1pPr marL="0" indent="0">
-              <a:buNone/>
-              <a:defRPr sz="1400"/>
-            </a:lvl1pPr>
-            <a:lvl2pPr marL="457200" indent="0">
-              <a:buNone/>
-              <a:defRPr sz="1200"/>
-            </a:lvl2pPr>
-            <a:lvl3pPr marL="914400" indent="0">
-              <a:buNone/>
-              <a:defRPr sz="1000"/>
-            </a:lvl3pPr>
-            <a:lvl4pPr marL="1371600" indent="0">
-              <a:buNone/>
-              <a:defRPr sz="900"/>
-            </a:lvl4pPr>
-            <a:lvl5pPr marL="1828800" indent="0">
-              <a:buNone/>
-              <a:defRPr sz="900"/>
-            </a:lvl5pPr>
-            <a:lvl6pPr marL="2286000" indent="0">
-              <a:buNone/>
-              <a:defRPr sz="900"/>
-            </a:lvl6pPr>
-            <a:lvl7pPr marL="2743200" indent="0">
-              <a:buNone/>
-              <a:defRPr sz="900"/>
-            </a:lvl7pPr>
-            <a:lvl8pPr marL="3200400" indent="0">
-              <a:buNone/>
-              <a:defRPr sz="900"/>
-            </a:lvl8pPr>
-            <a:lvl9pPr marL="3657600" indent="0">
-              <a:buNone/>
-              <a:defRPr sz="900"/>
-            </a:lvl9pPr>
-          </a:lstStyle>
-          <a:p>
-            <a:pPr lvl="0"/>
-            <a:r>
-              <a:rPr lang="pt-BR" smtClean="0"/>
-              <a:t>Editar estilos de texto Mestre</a:t>
-            </a:r>
-          </a:p>
-        </p:txBody>
-      </p:sp>
-      <p:sp>
-        <p:nvSpPr>
-          <p:cNvPr id="3" name="Date Placeholder 2"/>
+          <p:cNvPr id="4" name="Date Placeholder 3"/>
           <p:cNvSpPr>
             <a:spLocks noGrp="1"/>
           </p:cNvSpPr>
@@ -2895,7 +2517,7 @@
       </p:sp>
       <p:sp>
         <p:nvSpPr>
-          <p:cNvPr id="4" name="Footer Placeholder 3"/>
+          <p:cNvPr id="5" name="Footer Placeholder 4"/>
           <p:cNvSpPr>
             <a:spLocks noGrp="1"/>
           </p:cNvSpPr>
@@ -2914,7 +2536,7 @@
       </p:sp>
       <p:sp>
         <p:nvSpPr>
-          <p:cNvPr id="5" name="Slide Number Placeholder 4"/>
+          <p:cNvPr id="6" name="Slide Number Placeholder 5"/>
           <p:cNvSpPr>
             <a:spLocks noGrp="1"/>
           </p:cNvSpPr>
@@ -2938,7 +2560,7 @@
     </p:spTree>
     <p:extLst>
       <p:ext uri="{BB962C8B-B14F-4D97-AF65-F5344CB8AC3E}">
-        <p14:creationId xmlns:p14="http://schemas.microsoft.com/office/powerpoint/2010/main" val="1171706599"/>
+        <p14:creationId xmlns:p14="http://schemas.microsoft.com/office/powerpoint/2010/main" val="4250941003"/>
       </p:ext>
     </p:extLst>
   </p:cSld>
@@ -2967,7 +2589,7 @@
       </p:grpSpPr>
       <p:sp>
         <p:nvSpPr>
-          <p:cNvPr id="2" name="Title 1"/>
+          <p:cNvPr id="7" name="Title 1"/>
           <p:cNvSpPr>
             <a:spLocks noGrp="1"/>
           </p:cNvSpPr>
@@ -2975,7 +2597,12 @@
             <p:ph type="title"/>
           </p:nvPr>
         </p:nvSpPr>
-        <p:spPr/>
+        <p:spPr>
+          <a:xfrm>
+            <a:off x="1141413" y="609600"/>
+            <a:ext cx="9905998" cy="1905000"/>
+          </a:xfrm>
+        </p:spPr>
         <p:txBody>
           <a:bodyPr/>
           <a:lstStyle/>
@@ -2998,14 +2625,9 @@
             <p:ph type="body" orient="vert" idx="1"/>
           </p:nvPr>
         </p:nvSpPr>
-        <p:spPr>
-          <a:xfrm>
-            <a:off x="685800" y="2194559"/>
-            <a:ext cx="10820400" cy="4024125"/>
-          </a:xfrm>
-        </p:spPr>
-        <p:txBody>
-          <a:bodyPr vert="eaVert"/>
+        <p:spPr/>
+        <p:txBody>
+          <a:bodyPr vert="eaVert" anchor="t"/>
           <a:lstStyle/>
           <a:p>
             <a:pPr lvl="0"/>
@@ -3113,7 +2735,7 @@
     </p:spTree>
     <p:extLst>
       <p:ext uri="{BB962C8B-B14F-4D97-AF65-F5344CB8AC3E}">
-        <p14:creationId xmlns:p14="http://schemas.microsoft.com/office/powerpoint/2010/main" val="768755749"/>
+        <p14:creationId xmlns:p14="http://schemas.microsoft.com/office/powerpoint/2010/main" val="3484664422"/>
       </p:ext>
     </p:extLst>
   </p:cSld>
@@ -3124,7 +2746,7 @@
 </file>
 
 <file path=ppt/slideLayouts/slideLayout17.xml><?xml version="1.0" encoding="utf-8"?>
-<p:sldLayout xmlns:a="http://schemas.openxmlformats.org/drawingml/2006/main" xmlns:r="http://schemas.openxmlformats.org/officeDocument/2006/relationships" xmlns:p="http://schemas.openxmlformats.org/presentationml/2006/main" showMasterSp="0" type="vertTitleAndTx" preserve="1">
+<p:sldLayout xmlns:a="http://schemas.openxmlformats.org/drawingml/2006/main" xmlns:r="http://schemas.openxmlformats.org/officeDocument/2006/relationships" xmlns:p="http://schemas.openxmlformats.org/presentationml/2006/main" type="vertTitleAndTx" preserve="1">
   <p:cSld name="Texto e Título Vertical">
     <p:spTree>
       <p:nvGrpSpPr>
@@ -3140,88 +2762,54 @@
           <a:chExt cx="0" cy="0"/>
         </a:xfrm>
       </p:grpSpPr>
-      <p:pic>
-        <p:nvPicPr>
-          <p:cNvPr id="8" name="Picture 7" descr="C0-HD-BTM.png"/>
-          <p:cNvPicPr>
-            <a:picLocks noChangeAspect="1"/>
-          </p:cNvPicPr>
-          <p:nvPr/>
-        </p:nvPicPr>
-        <p:blipFill>
-          <a:blip r:embed="rId2">
-            <a:extLst>
-              <a:ext uri="{28A0092B-C50C-407E-A947-70E740481C1C}">
-                <a14:useLocalDpi xmlns:a14="http://schemas.microsoft.com/office/drawing/2010/main" val="0"/>
-              </a:ext>
-            </a:extLst>
-          </a:blip>
-          <a:stretch>
-            <a:fillRect/>
-          </a:stretch>
-        </p:blipFill>
+      <p:sp>
+        <p:nvSpPr>
+          <p:cNvPr id="2" name="Vertical Title 1"/>
+          <p:cNvSpPr>
+            <a:spLocks noGrp="1"/>
+          </p:cNvSpPr>
+          <p:nvPr>
+            <p:ph type="title" orient="vert"/>
+          </p:nvPr>
+        </p:nvSpPr>
         <p:spPr>
           <a:xfrm>
-            <a:off x="0" y="4375150"/>
-            <a:ext cx="12192000" cy="2482850"/>
-          </a:xfrm>
-          <a:prstGeom prst="rect">
-            <a:avLst/>
-          </a:prstGeom>
-        </p:spPr>
-      </p:pic>
-      <p:sp>
-        <p:nvSpPr>
-          <p:cNvPr id="2" name="Vertical Title 1"/>
-          <p:cNvSpPr>
-            <a:spLocks noGrp="1"/>
-          </p:cNvSpPr>
-          <p:nvPr>
-            <p:ph type="title" orient="vert"/>
-          </p:nvPr>
-        </p:nvSpPr>
-        <p:spPr>
-          <a:xfrm>
-            <a:off x="9448800" y="745066"/>
-            <a:ext cx="2057400" cy="3903133"/>
-          </a:xfrm>
-        </p:spPr>
-        <p:txBody>
-          <a:bodyPr vert="eaVert"/>
-          <a:lstStyle>
-            <a:lvl1pPr algn="l">
-              <a:defRPr/>
-            </a:lvl1pPr>
-          </a:lstStyle>
-          <a:p>
-            <a:r>
-              <a:rPr lang="pt-BR" smtClean="0"/>
-              <a:t>Clique para editar o título mestre</a:t>
-            </a:r>
-            <a:endParaRPr lang="en-US" dirty="0"/>
-          </a:p>
-        </p:txBody>
-      </p:sp>
-      <p:sp>
-        <p:nvSpPr>
-          <p:cNvPr id="3" name="Vertical Text Placeholder 2"/>
-          <p:cNvSpPr>
-            <a:spLocks noGrp="1"/>
-          </p:cNvSpPr>
-          <p:nvPr>
-            <p:ph type="body" orient="vert" idx="1"/>
-          </p:nvPr>
-        </p:nvSpPr>
-        <p:spPr>
-          <a:xfrm>
-            <a:off x="1024466" y="745067"/>
-            <a:ext cx="8204201" cy="3903133"/>
+            <a:off x="8836898" y="609599"/>
+            <a:ext cx="2210514" cy="5181601"/>
           </a:xfrm>
         </p:spPr>
         <p:txBody>
           <a:bodyPr vert="eaVert"/>
           <a:lstStyle/>
           <a:p>
+            <a:r>
+              <a:rPr lang="pt-BR" smtClean="0"/>
+              <a:t>Clique para editar o título mestre</a:t>
+            </a:r>
+            <a:endParaRPr lang="en-US" dirty="0"/>
+          </a:p>
+        </p:txBody>
+      </p:sp>
+      <p:sp>
+        <p:nvSpPr>
+          <p:cNvPr id="3" name="Vertical Text Placeholder 2"/>
+          <p:cNvSpPr>
+            <a:spLocks noGrp="1"/>
+          </p:cNvSpPr>
+          <p:nvPr>
+            <p:ph type="body" orient="vert" idx="1"/>
+          </p:nvPr>
+        </p:nvSpPr>
+        <p:spPr>
+          <a:xfrm>
+            <a:off x="1141412" y="609600"/>
+            <a:ext cx="7543800" cy="5181600"/>
+          </a:xfrm>
+        </p:spPr>
+        <p:txBody>
+          <a:bodyPr vert="eaVert" anchor="t"/>
+          <a:lstStyle/>
+          <a:p>
             <a:pPr lvl="0"/>
             <a:r>
               <a:rPr lang="pt-BR" smtClean="0"/>
@@ -3269,19 +2857,10 @@
             <p:ph type="dt" sz="half" idx="10"/>
           </p:nvPr>
         </p:nvSpPr>
-        <p:spPr>
-          <a:xfrm>
-            <a:off x="7814452" y="379941"/>
-            <a:ext cx="2910840" cy="365125"/>
-          </a:xfrm>
-        </p:spPr>
+        <p:spPr/>
         <p:txBody>
           <a:bodyPr/>
-          <a:lstStyle>
-            <a:lvl1pPr algn="r">
-              <a:defRPr/>
-            </a:lvl1pPr>
-          </a:lstStyle>
+          <a:lstStyle/>
           <a:p>
             <a:fld id="{15E286F4-4AC6-4931-B051-550790D25842}" type="datetimeFigureOut">
               <a:rPr lang="pt-BR" smtClean="0"/>
@@ -3301,12 +2880,7 @@
             <p:ph type="ftr" sz="quarter" idx="11"/>
           </p:nvPr>
         </p:nvSpPr>
-        <p:spPr>
-          <a:xfrm>
-            <a:off x="685800" y="381000"/>
-            <a:ext cx="6991492" cy="365125"/>
-          </a:xfrm>
-        </p:spPr>
+        <p:spPr/>
         <p:txBody>
           <a:bodyPr/>
           <a:lstStyle/>
@@ -3325,12 +2899,7 @@
             <p:ph type="sldNum" sz="quarter" idx="12"/>
           </p:nvPr>
         </p:nvSpPr>
-        <p:spPr>
-          <a:xfrm>
-            <a:off x="10862452" y="381000"/>
-            <a:ext cx="643748" cy="365125"/>
-          </a:xfrm>
-        </p:spPr>
+        <p:spPr/>
         <p:txBody>
           <a:bodyPr/>
           <a:lstStyle/>
@@ -3346,7 +2915,7 @@
     </p:spTree>
     <p:extLst>
       <p:ext uri="{BB962C8B-B14F-4D97-AF65-F5344CB8AC3E}">
-        <p14:creationId xmlns:p14="http://schemas.microsoft.com/office/powerpoint/2010/main" val="1190663912"/>
+        <p14:creationId xmlns:p14="http://schemas.microsoft.com/office/powerpoint/2010/main" val="176570528"/>
       </p:ext>
     </p:extLst>
   </p:cSld>
@@ -3408,7 +2977,7 @@
         </p:nvSpPr>
         <p:spPr/>
         <p:txBody>
-          <a:bodyPr/>
+          <a:bodyPr anchor="ctr"/>
           <a:lstStyle/>
           <a:p>
             <a:pPr lvl="0"/>
@@ -3516,7 +3085,7 @@
     </p:spTree>
     <p:extLst>
       <p:ext uri="{BB962C8B-B14F-4D97-AF65-F5344CB8AC3E}">
-        <p14:creationId xmlns:p14="http://schemas.microsoft.com/office/powerpoint/2010/main" val="4055106634"/>
+        <p14:creationId xmlns:p14="http://schemas.microsoft.com/office/powerpoint/2010/main" val="1619803523"/>
       </p:ext>
     </p:extLst>
   </p:cSld>
@@ -3527,7 +3096,7 @@
 </file>
 
 <file path=ppt/slideLayouts/slideLayout3.xml><?xml version="1.0" encoding="utf-8"?>
-<p:sldLayout xmlns:a="http://schemas.openxmlformats.org/drawingml/2006/main" xmlns:r="http://schemas.openxmlformats.org/officeDocument/2006/relationships" xmlns:p="http://schemas.openxmlformats.org/presentationml/2006/main" showMasterSp="0" type="secHead" preserve="1">
+<p:sldLayout xmlns:a="http://schemas.openxmlformats.org/drawingml/2006/main" xmlns:r="http://schemas.openxmlformats.org/officeDocument/2006/relationships" xmlns:p="http://schemas.openxmlformats.org/presentationml/2006/main" type="secHead" preserve="1">
   <p:cSld name="Cabeçalho da Seção">
     <p:spTree>
       <p:nvGrpSpPr>
@@ -3543,59 +3112,27 @@
           <a:chExt cx="0" cy="0"/>
         </a:xfrm>
       </p:grpSpPr>
-      <p:pic>
-        <p:nvPicPr>
-          <p:cNvPr id="9" name="Picture 8" descr="C0-HD-BTM.png"/>
-          <p:cNvPicPr>
-            <a:picLocks noChangeAspect="1"/>
-          </p:cNvPicPr>
-          <p:nvPr/>
-        </p:nvPicPr>
-        <p:blipFill>
-          <a:blip r:embed="rId2">
-            <a:extLst>
-              <a:ext uri="{28A0092B-C50C-407E-A947-70E740481C1C}">
-                <a14:useLocalDpi xmlns:a14="http://schemas.microsoft.com/office/drawing/2010/main" val="0"/>
-              </a:ext>
-            </a:extLst>
-          </a:blip>
-          <a:stretch>
-            <a:fillRect/>
-          </a:stretch>
-        </p:blipFill>
+      <p:sp>
+        <p:nvSpPr>
+          <p:cNvPr id="2" name="Title 1"/>
+          <p:cNvSpPr>
+            <a:spLocks noGrp="1"/>
+          </p:cNvSpPr>
+          <p:nvPr>
+            <p:ph type="title"/>
+          </p:nvPr>
+        </p:nvSpPr>
         <p:spPr>
           <a:xfrm>
-            <a:off x="0" y="4375150"/>
-            <a:ext cx="12192000" cy="2482850"/>
-          </a:xfrm>
-          <a:prstGeom prst="rect">
-            <a:avLst/>
-          </a:prstGeom>
-        </p:spPr>
-      </p:pic>
-      <p:sp>
-        <p:nvSpPr>
-          <p:cNvPr id="2" name="Title 1"/>
-          <p:cNvSpPr>
-            <a:spLocks noGrp="1"/>
-          </p:cNvSpPr>
-          <p:nvPr>
-            <p:ph type="title"/>
-          </p:nvPr>
-        </p:nvSpPr>
-        <p:spPr>
-          <a:xfrm>
-            <a:off x="685800" y="753533"/>
-            <a:ext cx="10820399" cy="2801935"/>
-          </a:xfrm>
-        </p:spPr>
-        <p:txBody>
-          <a:bodyPr anchor="b">
-            <a:normAutofit/>
-          </a:bodyPr>
+            <a:off x="1751013" y="3308581"/>
+            <a:ext cx="8686800" cy="1468800"/>
+          </a:xfrm>
+        </p:spPr>
+        <p:txBody>
+          <a:bodyPr anchor="b"/>
           <a:lstStyle>
             <a:lvl1pPr algn="r">
-              <a:defRPr sz="4000"/>
+              <a:defRPr sz="4000" b="0" cap="all"/>
             </a:lvl1pPr>
           </a:lstStyle>
           <a:p>
@@ -3619,104 +3156,102 @@
         </p:nvSpPr>
         <p:spPr>
           <a:xfrm>
-            <a:off x="1024467" y="3641725"/>
-            <a:ext cx="10490200" cy="955675"/>
-          </a:xfrm>
-        </p:spPr>
-        <p:txBody>
-          <a:bodyPr>
+            <a:off x="1751011" y="4777381"/>
+            <a:ext cx="8686801" cy="860400"/>
+          </a:xfrm>
+        </p:spPr>
+        <p:txBody>
+          <a:bodyPr anchor="t">
             <a:normAutofit/>
           </a:bodyPr>
           <a:lstStyle>
             <a:lvl1pPr marL="0" indent="0" algn="r">
               <a:buNone/>
-              <a:defRPr sz="2200">
+              <a:defRPr sz="2000">
+                <a:solidFill>
+                  <a:schemeClr val="tx1"/>
+                </a:solidFill>
+              </a:defRPr>
+            </a:lvl1pPr>
+            <a:lvl2pPr marL="457200" indent="0">
+              <a:buNone/>
+              <a:defRPr sz="1800">
                 <a:solidFill>
                   <a:schemeClr val="tx1">
                     <a:tint val="75000"/>
                   </a:schemeClr>
                 </a:solidFill>
               </a:defRPr>
-            </a:lvl1pPr>
-            <a:lvl2pPr marL="457200" indent="0">
-              <a:buNone/>
-              <a:defRPr sz="2000">
+            </a:lvl2pPr>
+            <a:lvl3pPr marL="914400" indent="0">
+              <a:buNone/>
+              <a:defRPr sz="1600">
                 <a:solidFill>
                   <a:schemeClr val="tx1">
                     <a:tint val="75000"/>
                   </a:schemeClr>
                 </a:solidFill>
               </a:defRPr>
-            </a:lvl2pPr>
-            <a:lvl3pPr marL="914400" indent="0">
-              <a:buNone/>
-              <a:defRPr sz="1800">
+            </a:lvl3pPr>
+            <a:lvl4pPr marL="1371600" indent="0">
+              <a:buNone/>
+              <a:defRPr sz="1400">
                 <a:solidFill>
                   <a:schemeClr val="tx1">
                     <a:tint val="75000"/>
                   </a:schemeClr>
                 </a:solidFill>
               </a:defRPr>
-            </a:lvl3pPr>
-            <a:lvl4pPr marL="1371600" indent="0">
-              <a:buNone/>
-              <a:defRPr sz="1600">
+            </a:lvl4pPr>
+            <a:lvl5pPr marL="1828800" indent="0">
+              <a:buNone/>
+              <a:defRPr sz="1400">
                 <a:solidFill>
                   <a:schemeClr val="tx1">
                     <a:tint val="75000"/>
                   </a:schemeClr>
                 </a:solidFill>
               </a:defRPr>
-            </a:lvl4pPr>
-            <a:lvl5pPr marL="1828800" indent="0">
-              <a:buNone/>
-              <a:defRPr sz="1600">
+            </a:lvl5pPr>
+            <a:lvl6pPr marL="2286000" indent="0">
+              <a:buNone/>
+              <a:defRPr sz="1400">
                 <a:solidFill>
                   <a:schemeClr val="tx1">
                     <a:tint val="75000"/>
                   </a:schemeClr>
                 </a:solidFill>
               </a:defRPr>
-            </a:lvl5pPr>
-            <a:lvl6pPr marL="2286000" indent="0">
-              <a:buNone/>
-              <a:defRPr sz="1600">
+            </a:lvl6pPr>
+            <a:lvl7pPr marL="2743200" indent="0">
+              <a:buNone/>
+              <a:defRPr sz="1400">
                 <a:solidFill>
                   <a:schemeClr val="tx1">
                     <a:tint val="75000"/>
                   </a:schemeClr>
                 </a:solidFill>
               </a:defRPr>
-            </a:lvl6pPr>
-            <a:lvl7pPr marL="2743200" indent="0">
-              <a:buNone/>
-              <a:defRPr sz="1600">
+            </a:lvl7pPr>
+            <a:lvl8pPr marL="3200400" indent="0">
+              <a:buNone/>
+              <a:defRPr sz="1400">
                 <a:solidFill>
                   <a:schemeClr val="tx1">
                     <a:tint val="75000"/>
                   </a:schemeClr>
                 </a:solidFill>
               </a:defRPr>
-            </a:lvl7pPr>
-            <a:lvl8pPr marL="3200400" indent="0">
-              <a:buNone/>
-              <a:defRPr sz="1600">
+            </a:lvl8pPr>
+            <a:lvl9pPr marL="3657600" indent="0">
+              <a:buNone/>
+              <a:defRPr sz="1400">
                 <a:solidFill>
                   <a:schemeClr val="tx1">
                     <a:tint val="75000"/>
                   </a:schemeClr>
                 </a:solidFill>
               </a:defRPr>
-            </a:lvl8pPr>
-            <a:lvl9pPr marL="3657600" indent="0">
-              <a:buNone/>
-              <a:defRPr sz="1600">
-                <a:solidFill>
-                  <a:schemeClr val="tx1">
-                    <a:tint val="75000"/>
-                  </a:schemeClr>
-                </a:solidFill>
-              </a:defRPr>
             </a:lvl9pPr>
           </a:lstStyle>
           <a:p>
@@ -3738,19 +3273,10 @@
             <p:ph type="dt" sz="half" idx="10"/>
           </p:nvPr>
         </p:nvSpPr>
-        <p:spPr>
-          <a:xfrm>
-            <a:off x="7814452" y="381000"/>
-            <a:ext cx="2910840" cy="365125"/>
-          </a:xfrm>
-        </p:spPr>
+        <p:spPr/>
         <p:txBody>
           <a:bodyPr/>
-          <a:lstStyle>
-            <a:lvl1pPr algn="r">
-              <a:defRPr/>
-            </a:lvl1pPr>
-          </a:lstStyle>
+          <a:lstStyle/>
           <a:p>
             <a:fld id="{15E286F4-4AC6-4931-B051-550790D25842}" type="datetimeFigureOut">
               <a:rPr lang="pt-BR" smtClean="0"/>
@@ -3770,12 +3296,7 @@
             <p:ph type="ftr" sz="quarter" idx="11"/>
           </p:nvPr>
         </p:nvSpPr>
-        <p:spPr>
-          <a:xfrm>
-            <a:off x="685800" y="381001"/>
-            <a:ext cx="6991492" cy="364065"/>
-          </a:xfrm>
-        </p:spPr>
+        <p:spPr/>
         <p:txBody>
           <a:bodyPr/>
           <a:lstStyle/>
@@ -3794,12 +3315,7 @@
             <p:ph type="sldNum" sz="quarter" idx="12"/>
           </p:nvPr>
         </p:nvSpPr>
-        <p:spPr>
-          <a:xfrm>
-            <a:off x="10862452" y="381000"/>
-            <a:ext cx="643748" cy="365125"/>
-          </a:xfrm>
-        </p:spPr>
+        <p:spPr/>
         <p:txBody>
           <a:bodyPr/>
           <a:lstStyle/>
@@ -3815,7 +3331,7 @@
     </p:spTree>
     <p:extLst>
       <p:ext uri="{BB962C8B-B14F-4D97-AF65-F5344CB8AC3E}">
-        <p14:creationId xmlns:p14="http://schemas.microsoft.com/office/powerpoint/2010/main" val="275484994"/>
+        <p14:creationId xmlns:p14="http://schemas.microsoft.com/office/powerpoint/2010/main" val="2769431125"/>
       </p:ext>
     </p:extLst>
   </p:cSld>
@@ -3877,13 +3393,43 @@
         </p:nvSpPr>
         <p:spPr>
           <a:xfrm>
-            <a:off x="685800" y="2194559"/>
-            <a:ext cx="5334000" cy="4024125"/>
-          </a:xfrm>
-        </p:spPr>
-        <p:txBody>
-          <a:bodyPr/>
-          <a:lstStyle/>
+            <a:off x="1141412" y="2666999"/>
+            <a:ext cx="4876800" cy="3124201"/>
+          </a:xfrm>
+        </p:spPr>
+        <p:txBody>
+          <a:bodyPr>
+            <a:normAutofit/>
+          </a:bodyPr>
+          <a:lstStyle>
+            <a:lvl1pPr>
+              <a:defRPr sz="1800"/>
+            </a:lvl1pPr>
+            <a:lvl2pPr>
+              <a:defRPr sz="1600"/>
+            </a:lvl2pPr>
+            <a:lvl3pPr>
+              <a:defRPr sz="1400"/>
+            </a:lvl3pPr>
+            <a:lvl4pPr>
+              <a:defRPr sz="1200"/>
+            </a:lvl4pPr>
+            <a:lvl5pPr>
+              <a:defRPr sz="1200"/>
+            </a:lvl5pPr>
+            <a:lvl6pPr>
+              <a:defRPr sz="1200"/>
+            </a:lvl6pPr>
+            <a:lvl7pPr>
+              <a:defRPr sz="1200"/>
+            </a:lvl7pPr>
+            <a:lvl8pPr>
+              <a:defRPr sz="1200"/>
+            </a:lvl8pPr>
+            <a:lvl9pPr>
+              <a:defRPr sz="1200"/>
+            </a:lvl9pPr>
+          </a:lstStyle>
           <a:p>
             <a:pPr lvl="0"/>
             <a:r>
@@ -3934,13 +3480,43 @@
         </p:nvSpPr>
         <p:spPr>
           <a:xfrm>
-            <a:off x="6172200" y="2194559"/>
-            <a:ext cx="5334000" cy="4024125"/>
-          </a:xfrm>
-        </p:spPr>
-        <p:txBody>
-          <a:bodyPr/>
-          <a:lstStyle/>
+            <a:off x="6170612" y="2667000"/>
+            <a:ext cx="4876800" cy="3124200"/>
+          </a:xfrm>
+        </p:spPr>
+        <p:txBody>
+          <a:bodyPr>
+            <a:normAutofit/>
+          </a:bodyPr>
+          <a:lstStyle>
+            <a:lvl1pPr>
+              <a:defRPr sz="1800"/>
+            </a:lvl1pPr>
+            <a:lvl2pPr>
+              <a:defRPr sz="1600"/>
+            </a:lvl2pPr>
+            <a:lvl3pPr>
+              <a:defRPr sz="1400"/>
+            </a:lvl3pPr>
+            <a:lvl4pPr>
+              <a:defRPr sz="1200"/>
+            </a:lvl4pPr>
+            <a:lvl5pPr>
+              <a:defRPr sz="1200"/>
+            </a:lvl5pPr>
+            <a:lvl6pPr>
+              <a:defRPr sz="1200"/>
+            </a:lvl6pPr>
+            <a:lvl7pPr>
+              <a:defRPr sz="1200"/>
+            </a:lvl7pPr>
+            <a:lvl8pPr>
+              <a:defRPr sz="1200"/>
+            </a:lvl8pPr>
+            <a:lvl9pPr>
+              <a:defRPr sz="1200"/>
+            </a:lvl9pPr>
+          </a:lstStyle>
           <a:p>
             <a:pPr lvl="0"/>
             <a:r>
@@ -4047,7 +3623,7 @@
     </p:spTree>
     <p:extLst>
       <p:ext uri="{BB962C8B-B14F-4D97-AF65-F5344CB8AC3E}">
-        <p14:creationId xmlns:p14="http://schemas.microsoft.com/office/powerpoint/2010/main" val="23637533"/>
+        <p14:creationId xmlns:p14="http://schemas.microsoft.com/office/powerpoint/2010/main" val="1641279909"/>
       </p:ext>
     </p:extLst>
   </p:cSld>
@@ -4084,52 +3660,201 @@
             <p:ph type="title"/>
           </p:nvPr>
         </p:nvSpPr>
+        <p:spPr/>
+        <p:txBody>
+          <a:bodyPr/>
+          <a:lstStyle>
+            <a:lvl1pPr>
+              <a:defRPr/>
+            </a:lvl1pPr>
+          </a:lstStyle>
+          <a:p>
+            <a:r>
+              <a:rPr lang="pt-BR" smtClean="0"/>
+              <a:t>Clique para editar o título mestre</a:t>
+            </a:r>
+            <a:endParaRPr lang="en-US" dirty="0"/>
+          </a:p>
+        </p:txBody>
+      </p:sp>
+      <p:sp>
+        <p:nvSpPr>
+          <p:cNvPr id="3" name="Text Placeholder 2"/>
+          <p:cNvSpPr>
+            <a:spLocks noGrp="1"/>
+          </p:cNvSpPr>
+          <p:nvPr>
+            <p:ph type="body" idx="1"/>
+          </p:nvPr>
+        </p:nvSpPr>
         <p:spPr>
           <a:xfrm>
-            <a:off x="2895600" y="762000"/>
-            <a:ext cx="8610600" cy="1295400"/>
-          </a:xfrm>
-        </p:spPr>
-        <p:txBody>
-          <a:bodyPr/>
-          <a:lstStyle/>
-          <a:p>
-            <a:r>
-              <a:rPr lang="pt-BR" smtClean="0"/>
-              <a:t>Clique para editar o título mestre</a:t>
-            </a:r>
-            <a:endParaRPr lang="en-US" dirty="0"/>
-          </a:p>
-        </p:txBody>
-      </p:sp>
-      <p:sp>
-        <p:nvSpPr>
-          <p:cNvPr id="3" name="Text Placeholder 2"/>
-          <p:cNvSpPr>
-            <a:spLocks noGrp="1"/>
-          </p:cNvSpPr>
-          <p:nvPr>
-            <p:ph type="body" idx="1"/>
+            <a:off x="1429280" y="2658533"/>
+            <a:ext cx="4588931" cy="576262"/>
+          </a:xfrm>
+        </p:spPr>
+        <p:txBody>
+          <a:bodyPr anchor="b">
+            <a:noAutofit/>
+          </a:bodyPr>
+          <a:lstStyle>
+            <a:lvl1pPr marL="0" indent="0">
+              <a:buNone/>
+              <a:defRPr sz="2800" b="0"/>
+            </a:lvl1pPr>
+            <a:lvl2pPr marL="457200" indent="0">
+              <a:buNone/>
+              <a:defRPr sz="2000" b="1"/>
+            </a:lvl2pPr>
+            <a:lvl3pPr marL="914400" indent="0">
+              <a:buNone/>
+              <a:defRPr sz="1800" b="1"/>
+            </a:lvl3pPr>
+            <a:lvl4pPr marL="1371600" indent="0">
+              <a:buNone/>
+              <a:defRPr sz="1600" b="1"/>
+            </a:lvl4pPr>
+            <a:lvl5pPr marL="1828800" indent="0">
+              <a:buNone/>
+              <a:defRPr sz="1600" b="1"/>
+            </a:lvl5pPr>
+            <a:lvl6pPr marL="2286000" indent="0">
+              <a:buNone/>
+              <a:defRPr sz="1600" b="1"/>
+            </a:lvl6pPr>
+            <a:lvl7pPr marL="2743200" indent="0">
+              <a:buNone/>
+              <a:defRPr sz="1600" b="1"/>
+            </a:lvl7pPr>
+            <a:lvl8pPr marL="3200400" indent="0">
+              <a:buNone/>
+              <a:defRPr sz="1600" b="1"/>
+            </a:lvl8pPr>
+            <a:lvl9pPr marL="3657600" indent="0">
+              <a:buNone/>
+              <a:defRPr sz="1600" b="1"/>
+            </a:lvl9pPr>
+          </a:lstStyle>
+          <a:p>
+            <a:pPr lvl="0"/>
+            <a:r>
+              <a:rPr lang="pt-BR" smtClean="0"/>
+              <a:t>Editar estilos de texto Mestre</a:t>
+            </a:r>
+          </a:p>
+        </p:txBody>
+      </p:sp>
+      <p:sp>
+        <p:nvSpPr>
+          <p:cNvPr id="4" name="Content Placeholder 3"/>
+          <p:cNvSpPr>
+            <a:spLocks noGrp="1"/>
+          </p:cNvSpPr>
+          <p:nvPr>
+            <p:ph sz="half" idx="2"/>
           </p:nvPr>
         </p:nvSpPr>
         <p:spPr>
           <a:xfrm>
-            <a:off x="914409" y="2183802"/>
-            <a:ext cx="5079991" cy="823912"/>
-          </a:xfrm>
-        </p:spPr>
-        <p:txBody>
-          <a:bodyPr anchor="b">
+            <a:off x="1141412" y="3243262"/>
+            <a:ext cx="4876800" cy="2547937"/>
+          </a:xfrm>
+        </p:spPr>
+        <p:txBody>
+          <a:bodyPr anchor="t">
             <a:normAutofit/>
           </a:bodyPr>
           <a:lstStyle>
+            <a:lvl1pPr>
+              <a:defRPr sz="1800"/>
+            </a:lvl1pPr>
+            <a:lvl2pPr>
+              <a:defRPr sz="1600"/>
+            </a:lvl2pPr>
+            <a:lvl3pPr>
+              <a:defRPr sz="1400"/>
+            </a:lvl3pPr>
+            <a:lvl4pPr>
+              <a:defRPr sz="1200"/>
+            </a:lvl4pPr>
+            <a:lvl5pPr>
+              <a:defRPr sz="1200"/>
+            </a:lvl5pPr>
+            <a:lvl6pPr>
+              <a:defRPr sz="1200"/>
+            </a:lvl6pPr>
+            <a:lvl7pPr>
+              <a:defRPr sz="1200"/>
+            </a:lvl7pPr>
+            <a:lvl8pPr>
+              <a:defRPr sz="1200"/>
+            </a:lvl8pPr>
+            <a:lvl9pPr>
+              <a:defRPr sz="1200"/>
+            </a:lvl9pPr>
+          </a:lstStyle>
+          <a:p>
+            <a:pPr lvl="0"/>
+            <a:r>
+              <a:rPr lang="pt-BR" smtClean="0"/>
+              <a:t>Editar estilos de texto Mestre</a:t>
+            </a:r>
+          </a:p>
+          <a:p>
+            <a:pPr lvl="1"/>
+            <a:r>
+              <a:rPr lang="pt-BR" smtClean="0"/>
+              <a:t>Segundo nível</a:t>
+            </a:r>
+          </a:p>
+          <a:p>
+            <a:pPr lvl="2"/>
+            <a:r>
+              <a:rPr lang="pt-BR" smtClean="0"/>
+              <a:t>Terceiro nível</a:t>
+            </a:r>
+          </a:p>
+          <a:p>
+            <a:pPr lvl="3"/>
+            <a:r>
+              <a:rPr lang="pt-BR" smtClean="0"/>
+              <a:t>Quarto nível</a:t>
+            </a:r>
+          </a:p>
+          <a:p>
+            <a:pPr lvl="4"/>
+            <a:r>
+              <a:rPr lang="pt-BR" smtClean="0"/>
+              <a:t>Quinto nível</a:t>
+            </a:r>
+            <a:endParaRPr lang="en-US" dirty="0"/>
+          </a:p>
+        </p:txBody>
+      </p:sp>
+      <p:sp>
+        <p:nvSpPr>
+          <p:cNvPr id="5" name="Text Placeholder 4"/>
+          <p:cNvSpPr>
+            <a:spLocks noGrp="1"/>
+          </p:cNvSpPr>
+          <p:nvPr>
+            <p:ph type="body" sz="quarter" idx="3"/>
+          </p:nvPr>
+        </p:nvSpPr>
+        <p:spPr>
+          <a:xfrm>
+            <a:off x="6443133" y="2667000"/>
+            <a:ext cx="4604280" cy="576262"/>
+          </a:xfrm>
+        </p:spPr>
+        <p:txBody>
+          <a:bodyPr anchor="b">
+            <a:noAutofit/>
+          </a:bodyPr>
+          <a:lstStyle>
             <a:lvl1pPr marL="0" indent="0">
               <a:buNone/>
-              <a:defRPr sz="2800" b="0">
-                <a:solidFill>
-                  <a:schemeClr val="tx1"/>
-                </a:solidFill>
-              </a:defRPr>
+              <a:defRPr sz="2800" b="0"/>
             </a:lvl1pPr>
             <a:lvl2pPr marL="457200" indent="0">
               <a:buNone/>
@@ -4175,151 +3900,53 @@
       </p:sp>
       <p:sp>
         <p:nvSpPr>
-          <p:cNvPr id="4" name="Content Placeholder 3"/>
-          <p:cNvSpPr>
-            <a:spLocks noGrp="1"/>
-          </p:cNvSpPr>
-          <p:nvPr>
-            <p:ph sz="half" idx="2"/>
+          <p:cNvPr id="6" name="Content Placeholder 5"/>
+          <p:cNvSpPr>
+            <a:spLocks noGrp="1"/>
+          </p:cNvSpPr>
+          <p:nvPr>
+            <p:ph sz="quarter" idx="4"/>
           </p:nvPr>
         </p:nvSpPr>
         <p:spPr>
           <a:xfrm>
-            <a:off x="685800" y="3132666"/>
-            <a:ext cx="5311775" cy="3086019"/>
-          </a:xfrm>
-        </p:spPr>
-        <p:txBody>
-          <a:bodyPr/>
-          <a:lstStyle/>
-          <a:p>
-            <a:pPr lvl="0"/>
-            <a:r>
-              <a:rPr lang="pt-BR" smtClean="0"/>
-              <a:t>Editar estilos de texto Mestre</a:t>
-            </a:r>
-          </a:p>
-          <a:p>
-            <a:pPr lvl="1"/>
-            <a:r>
-              <a:rPr lang="pt-BR" smtClean="0"/>
-              <a:t>Segundo nível</a:t>
-            </a:r>
-          </a:p>
-          <a:p>
-            <a:pPr lvl="2"/>
-            <a:r>
-              <a:rPr lang="pt-BR" smtClean="0"/>
-              <a:t>Terceiro nível</a:t>
-            </a:r>
-          </a:p>
-          <a:p>
-            <a:pPr lvl="3"/>
-            <a:r>
-              <a:rPr lang="pt-BR" smtClean="0"/>
-              <a:t>Quarto nível</a:t>
-            </a:r>
-          </a:p>
-          <a:p>
-            <a:pPr lvl="4"/>
-            <a:r>
-              <a:rPr lang="pt-BR" smtClean="0"/>
-              <a:t>Quinto nível</a:t>
-            </a:r>
-            <a:endParaRPr lang="en-US" dirty="0"/>
-          </a:p>
-        </p:txBody>
-      </p:sp>
-      <p:sp>
-        <p:nvSpPr>
-          <p:cNvPr id="5" name="Text Placeholder 4"/>
-          <p:cNvSpPr>
-            <a:spLocks noGrp="1"/>
-          </p:cNvSpPr>
-          <p:nvPr>
-            <p:ph type="body" sz="quarter" idx="3"/>
-          </p:nvPr>
-        </p:nvSpPr>
-        <p:spPr>
-          <a:xfrm>
-            <a:off x="6400800" y="2183802"/>
-            <a:ext cx="5105400" cy="823912"/>
-          </a:xfrm>
-        </p:spPr>
-        <p:txBody>
-          <a:bodyPr anchor="b">
+            <a:off x="6170612" y="3243262"/>
+            <a:ext cx="4876801" cy="2547937"/>
+          </a:xfrm>
+        </p:spPr>
+        <p:txBody>
+          <a:bodyPr anchor="t">
             <a:normAutofit/>
           </a:bodyPr>
           <a:lstStyle>
-            <a:lvl1pPr marL="0" indent="0">
-              <a:buNone/>
-              <a:defRPr sz="2800" b="0">
-                <a:solidFill>
-                  <a:schemeClr val="tx1"/>
-                </a:solidFill>
-              </a:defRPr>
+            <a:lvl1pPr>
+              <a:defRPr sz="1800"/>
             </a:lvl1pPr>
-            <a:lvl2pPr marL="457200" indent="0">
-              <a:buNone/>
-              <a:defRPr sz="2000" b="1"/>
+            <a:lvl2pPr>
+              <a:defRPr sz="1600"/>
             </a:lvl2pPr>
-            <a:lvl3pPr marL="914400" indent="0">
-              <a:buNone/>
-              <a:defRPr sz="1800" b="1"/>
+            <a:lvl3pPr>
+              <a:defRPr sz="1400"/>
             </a:lvl3pPr>
-            <a:lvl4pPr marL="1371600" indent="0">
-              <a:buNone/>
-              <a:defRPr sz="1600" b="1"/>
+            <a:lvl4pPr>
+              <a:defRPr sz="1200"/>
             </a:lvl4pPr>
-            <a:lvl5pPr marL="1828800" indent="0">
-              <a:buNone/>
-              <a:defRPr sz="1600" b="1"/>
+            <a:lvl5pPr>
+              <a:defRPr sz="1200"/>
             </a:lvl5pPr>
-            <a:lvl6pPr marL="2286000" indent="0">
-              <a:buNone/>
-              <a:defRPr sz="1600" b="1"/>
+            <a:lvl6pPr>
+              <a:defRPr sz="1200"/>
             </a:lvl6pPr>
-            <a:lvl7pPr marL="2743200" indent="0">
-              <a:buNone/>
-              <a:defRPr sz="1600" b="1"/>
+            <a:lvl7pPr>
+              <a:defRPr sz="1200"/>
             </a:lvl7pPr>
-            <a:lvl8pPr marL="3200400" indent="0">
-              <a:buNone/>
-              <a:defRPr sz="1600" b="1"/>
+            <a:lvl8pPr>
+              <a:defRPr sz="1200"/>
             </a:lvl8pPr>
-            <a:lvl9pPr marL="3657600" indent="0">
-              <a:buNone/>
-              <a:defRPr sz="1600" b="1"/>
+            <a:lvl9pPr>
+              <a:defRPr sz="1200"/>
             </a:lvl9pPr>
           </a:lstStyle>
-          <a:p>
-            <a:pPr lvl="0"/>
-            <a:r>
-              <a:rPr lang="pt-BR" smtClean="0"/>
-              <a:t>Editar estilos de texto Mestre</a:t>
-            </a:r>
-          </a:p>
-        </p:txBody>
-      </p:sp>
-      <p:sp>
-        <p:nvSpPr>
-          <p:cNvPr id="6" name="Content Placeholder 5"/>
-          <p:cNvSpPr>
-            <a:spLocks noGrp="1"/>
-          </p:cNvSpPr>
-          <p:nvPr>
-            <p:ph sz="quarter" idx="4"/>
-          </p:nvPr>
-        </p:nvSpPr>
-        <p:spPr>
-          <a:xfrm>
-            <a:off x="6172200" y="3132666"/>
-            <a:ext cx="5334000" cy="3086019"/>
-          </a:xfrm>
-        </p:spPr>
-        <p:txBody>
-          <a:bodyPr/>
-          <a:lstStyle/>
           <a:p>
             <a:pPr lvl="0"/>
             <a:r>
@@ -4426,7 +4053,7 @@
     </p:spTree>
     <p:extLst>
       <p:ext uri="{BB962C8B-B14F-4D97-AF65-F5344CB8AC3E}">
-        <p14:creationId xmlns:p14="http://schemas.microsoft.com/office/powerpoint/2010/main" val="2044031693"/>
+        <p14:creationId xmlns:p14="http://schemas.microsoft.com/office/powerpoint/2010/main" val="1071646989"/>
       </p:ext>
     </p:extLst>
   </p:cSld>
@@ -4439,6 +4066,11 @@
 <file path=ppt/slideLayouts/slideLayout6.xml><?xml version="1.0" encoding="utf-8"?>
 <p:sldLayout xmlns:a="http://schemas.openxmlformats.org/drawingml/2006/main" xmlns:r="http://schemas.openxmlformats.org/officeDocument/2006/relationships" xmlns:p="http://schemas.openxmlformats.org/presentationml/2006/main" type="titleOnly" preserve="1">
   <p:cSld name="Somente Título">
+    <p:bg>
+      <p:bgRef idx="1003">
+        <a:schemeClr val="bg2"/>
+      </p:bgRef>
+    </p:bg>
     <p:spTree>
       <p:nvGrpSpPr>
         <p:cNvPr id="1" name=""/>
@@ -4544,12 +4176,12 @@
     </p:spTree>
     <p:extLst>
       <p:ext uri="{BB962C8B-B14F-4D97-AF65-F5344CB8AC3E}">
-        <p14:creationId xmlns:p14="http://schemas.microsoft.com/office/powerpoint/2010/main" val="417712179"/>
+        <p14:creationId xmlns:p14="http://schemas.microsoft.com/office/powerpoint/2010/main" val="597942109"/>
       </p:ext>
     </p:extLst>
   </p:cSld>
   <p:clrMapOvr>
-    <a:masterClrMapping/>
+    <a:overrideClrMapping bg1="dk1" tx1="lt1" bg2="dk2" tx2="lt2" accent1="accent1" accent2="accent2" accent3="accent3" accent4="accent4" accent5="accent5" accent6="accent6" hlink="hlink" folHlink="folHlink"/>
   </p:clrMapOvr>
 </p:sldLayout>
 </file>
@@ -4639,7 +4271,7 @@
     </p:spTree>
     <p:extLst>
       <p:ext uri="{BB962C8B-B14F-4D97-AF65-F5344CB8AC3E}">
-        <p14:creationId xmlns:p14="http://schemas.microsoft.com/office/powerpoint/2010/main" val="3994004730"/>
+        <p14:creationId xmlns:p14="http://schemas.microsoft.com/office/powerpoint/2010/main" val="4067378954"/>
       </p:ext>
     </p:extLst>
   </p:cSld>
@@ -4678,15 +4310,17 @@
         </p:nvSpPr>
         <p:spPr>
           <a:xfrm>
-            <a:off x="685800" y="1524000"/>
-            <a:ext cx="4114800" cy="1600200"/>
-          </a:xfrm>
-        </p:spPr>
-        <p:txBody>
-          <a:bodyPr anchor="b"/>
+            <a:off x="1141411" y="1600200"/>
+            <a:ext cx="3549121" cy="1371600"/>
+          </a:xfrm>
+        </p:spPr>
+        <p:txBody>
+          <a:bodyPr anchor="b">
+            <a:normAutofit/>
+          </a:bodyPr>
           <a:lstStyle>
             <a:lvl1pPr algn="l">
-              <a:defRPr sz="3200"/>
+              <a:defRPr sz="2400" b="0"/>
             </a:lvl1pPr>
           </a:lstStyle>
           <a:p>
@@ -4710,13 +4344,43 @@
         </p:nvSpPr>
         <p:spPr>
           <a:xfrm>
-            <a:off x="4995582" y="746759"/>
-            <a:ext cx="6510618" cy="5471925"/>
-          </a:xfrm>
-        </p:spPr>
-        <p:txBody>
-          <a:bodyPr anchor="ctr"/>
-          <a:lstStyle/>
+            <a:off x="5103812" y="609601"/>
+            <a:ext cx="5943601" cy="5181600"/>
+          </a:xfrm>
+        </p:spPr>
+        <p:txBody>
+          <a:bodyPr anchor="ctr">
+            <a:normAutofit/>
+          </a:bodyPr>
+          <a:lstStyle>
+            <a:lvl1pPr>
+              <a:defRPr sz="2000"/>
+            </a:lvl1pPr>
+            <a:lvl2pPr>
+              <a:defRPr sz="1800"/>
+            </a:lvl2pPr>
+            <a:lvl3pPr>
+              <a:defRPr sz="1600"/>
+            </a:lvl3pPr>
+            <a:lvl4pPr>
+              <a:defRPr sz="1400"/>
+            </a:lvl4pPr>
+            <a:lvl5pPr>
+              <a:defRPr sz="1400"/>
+            </a:lvl5pPr>
+            <a:lvl6pPr>
+              <a:defRPr sz="1400"/>
+            </a:lvl6pPr>
+            <a:lvl7pPr>
+              <a:defRPr sz="1400"/>
+            </a:lvl7pPr>
+            <a:lvl8pPr>
+              <a:defRPr sz="1400"/>
+            </a:lvl8pPr>
+            <a:lvl9pPr>
+              <a:defRPr sz="1400"/>
+            </a:lvl9pPr>
+          </a:lstStyle>
           <a:p>
             <a:pPr lvl="0"/>
             <a:r>
@@ -4767,12 +4431,14 @@
         </p:nvSpPr>
         <p:spPr>
           <a:xfrm>
-            <a:off x="685800" y="3124199"/>
-            <a:ext cx="4114800" cy="3094485"/>
-          </a:xfrm>
-        </p:spPr>
-        <p:txBody>
-          <a:bodyPr/>
+            <a:off x="1141411" y="2971800"/>
+            <a:ext cx="3549121" cy="1828800"/>
+          </a:xfrm>
+        </p:spPr>
+        <p:txBody>
+          <a:bodyPr>
+            <a:normAutofit/>
+          </a:bodyPr>
           <a:lstStyle>
             <a:lvl1pPr marL="0" indent="0">
               <a:buNone/>
@@ -4780,35 +4446,35 @@
             </a:lvl1pPr>
             <a:lvl2pPr marL="457200" indent="0">
               <a:buNone/>
-              <a:defRPr sz="1400"/>
+              <a:defRPr sz="1200"/>
             </a:lvl2pPr>
             <a:lvl3pPr marL="914400" indent="0">
               <a:buNone/>
-              <a:defRPr sz="1200"/>
+              <a:defRPr sz="1000"/>
             </a:lvl3pPr>
             <a:lvl4pPr marL="1371600" indent="0">
               <a:buNone/>
-              <a:defRPr sz="1000"/>
+              <a:defRPr sz="900"/>
             </a:lvl4pPr>
             <a:lvl5pPr marL="1828800" indent="0">
               <a:buNone/>
-              <a:defRPr sz="1000"/>
+              <a:defRPr sz="900"/>
             </a:lvl5pPr>
             <a:lvl6pPr marL="2286000" indent="0">
               <a:buNone/>
-              <a:defRPr sz="1000"/>
+              <a:defRPr sz="900"/>
             </a:lvl6pPr>
             <a:lvl7pPr marL="2743200" indent="0">
               <a:buNone/>
-              <a:defRPr sz="1000"/>
+              <a:defRPr sz="900"/>
             </a:lvl7pPr>
             <a:lvl8pPr marL="3200400" indent="0">
               <a:buNone/>
-              <a:defRPr sz="1000"/>
+              <a:defRPr sz="900"/>
             </a:lvl8pPr>
             <a:lvl9pPr marL="3657600" indent="0">
               <a:buNone/>
-              <a:defRPr sz="1000"/>
+              <a:defRPr sz="900"/>
             </a:lvl9pPr>
           </a:lstStyle>
           <a:p>
@@ -4888,7 +4554,7 @@
     </p:spTree>
     <p:extLst>
       <p:ext uri="{BB962C8B-B14F-4D97-AF65-F5344CB8AC3E}">
-        <p14:creationId xmlns:p14="http://schemas.microsoft.com/office/powerpoint/2010/main" val="3090661489"/>
+        <p14:creationId xmlns:p14="http://schemas.microsoft.com/office/powerpoint/2010/main" val="1039309041"/>
       </p:ext>
     </p:extLst>
   </p:cSld>
@@ -4927,15 +4593,17 @@
         </p:nvSpPr>
         <p:spPr>
           <a:xfrm>
-            <a:off x="685800" y="1524000"/>
-            <a:ext cx="6873240" cy="1600200"/>
-          </a:xfrm>
-        </p:spPr>
-        <p:txBody>
-          <a:bodyPr anchor="b"/>
+            <a:off x="1141411" y="1600200"/>
+            <a:ext cx="5334001" cy="1371600"/>
+          </a:xfrm>
+        </p:spPr>
+        <p:txBody>
+          <a:bodyPr anchor="b">
+            <a:normAutofit/>
+          </a:bodyPr>
           <a:lstStyle>
             <a:lvl1pPr algn="l">
-              <a:defRPr sz="3200"/>
+              <a:defRPr sz="2800" b="0"/>
             </a:lvl1pPr>
           </a:lstStyle>
           <a:p>
@@ -4949,7 +4617,7 @@
       </p:sp>
       <p:sp>
         <p:nvSpPr>
-          <p:cNvPr id="3" name="Picture Placeholder 2"/>
+          <p:cNvPr id="14" name="Picture Placeholder 2"/>
           <p:cNvSpPr>
             <a:spLocks noGrp="1" noChangeAspect="1"/>
           </p:cNvSpPr>
@@ -4959,116 +4627,143 @@
         </p:nvSpPr>
         <p:spPr>
           <a:xfrm>
-            <a:off x="7861238" y="751241"/>
-            <a:ext cx="3644962" cy="5467443"/>
-          </a:xfrm>
-        </p:spPr>
-        <p:txBody>
-          <a:bodyPr anchor="t"/>
+            <a:off x="7433733" y="-18288"/>
+            <a:ext cx="3276599" cy="6903720"/>
+          </a:xfrm>
+          <a:ln w="38100">
+            <a:gradFill flip="none" rotWithShape="1">
+              <a:gsLst>
+                <a:gs pos="0">
+                  <a:schemeClr val="bg2"/>
+                </a:gs>
+                <a:gs pos="100000">
+                  <a:schemeClr val="bg2">
+                    <a:lumMod val="75000"/>
+                  </a:schemeClr>
+                </a:gs>
+              </a:gsLst>
+              <a:lin ang="5400000" scaled="0"/>
+              <a:tileRect/>
+            </a:gradFill>
+          </a:ln>
+          <a:effectLst>
+            <a:innerShdw blurRad="57150" dist="38100" dir="10800000">
+              <a:srgbClr val="000000">
+                <a:alpha val="70000"/>
+              </a:srgbClr>
+            </a:innerShdw>
+          </a:effectLst>
+        </p:spPr>
+        <p:txBody>
+          <a:bodyPr anchor="t">
+            <a:normAutofit/>
+          </a:bodyPr>
           <a:lstStyle>
-            <a:lvl1pPr marL="0" indent="0">
-              <a:buNone/>
-              <a:defRPr sz="3200"/>
-            </a:lvl1pPr>
-            <a:lvl2pPr marL="457200" indent="0">
-              <a:buNone/>
-              <a:defRPr sz="2800"/>
-            </a:lvl2pPr>
-            <a:lvl3pPr marL="914400" indent="0">
-              <a:buNone/>
-              <a:defRPr sz="2400"/>
-            </a:lvl3pPr>
-            <a:lvl4pPr marL="1371600" indent="0">
-              <a:buNone/>
-              <a:defRPr sz="2000"/>
-            </a:lvl4pPr>
-            <a:lvl5pPr marL="1828800" indent="0">
-              <a:buNone/>
-              <a:defRPr sz="2000"/>
-            </a:lvl5pPr>
-            <a:lvl6pPr marL="2286000" indent="0">
-              <a:buNone/>
-              <a:defRPr sz="2000"/>
-            </a:lvl6pPr>
-            <a:lvl7pPr marL="2743200" indent="0">
-              <a:buNone/>
-              <a:defRPr sz="2000"/>
-            </a:lvl7pPr>
-            <a:lvl8pPr marL="3200400" indent="0">
-              <a:buNone/>
-              <a:defRPr sz="2000"/>
-            </a:lvl8pPr>
-            <a:lvl9pPr marL="3657600" indent="0">
-              <a:buNone/>
-              <a:defRPr sz="2000"/>
-            </a:lvl9pPr>
-          </a:lstStyle>
-          <a:p>
-            <a:r>
-              <a:rPr lang="pt-BR" smtClean="0"/>
-              <a:t>Clique no ícone para adicionar uma imagem</a:t>
-            </a:r>
-            <a:endParaRPr lang="en-US" dirty="0"/>
-          </a:p>
-        </p:txBody>
-      </p:sp>
-      <p:sp>
-        <p:nvSpPr>
-          <p:cNvPr id="4" name="Text Placeholder 3"/>
-          <p:cNvSpPr>
-            <a:spLocks noGrp="1"/>
-          </p:cNvSpPr>
-          <p:nvPr>
-            <p:ph type="body" sz="half" idx="2"/>
-          </p:nvPr>
-        </p:nvSpPr>
-        <p:spPr>
-          <a:xfrm>
-            <a:off x="685800" y="3124199"/>
-            <a:ext cx="6873240" cy="3094485"/>
-          </a:xfrm>
-        </p:spPr>
-        <p:txBody>
-          <a:bodyPr/>
-          <a:lstStyle>
-            <a:lvl1pPr marL="0" indent="0">
+            <a:lvl1pPr marL="0" indent="0" algn="ctr">
               <a:buNone/>
               <a:defRPr sz="1600"/>
             </a:lvl1pPr>
             <a:lvl2pPr marL="457200" indent="0">
               <a:buNone/>
-              <a:defRPr sz="1400"/>
+              <a:defRPr sz="1600"/>
             </a:lvl2pPr>
             <a:lvl3pPr marL="914400" indent="0">
               <a:buNone/>
-              <a:defRPr sz="1200"/>
+              <a:defRPr sz="1600"/>
             </a:lvl3pPr>
             <a:lvl4pPr marL="1371600" indent="0">
               <a:buNone/>
-              <a:defRPr sz="1000"/>
+              <a:defRPr sz="1600"/>
             </a:lvl4pPr>
             <a:lvl5pPr marL="1828800" indent="0">
               <a:buNone/>
-              <a:defRPr sz="1000"/>
+              <a:defRPr sz="1600"/>
             </a:lvl5pPr>
             <a:lvl6pPr marL="2286000" indent="0">
               <a:buNone/>
-              <a:defRPr sz="1000"/>
+              <a:defRPr sz="1600"/>
             </a:lvl6pPr>
             <a:lvl7pPr marL="2743200" indent="0">
               <a:buNone/>
-              <a:defRPr sz="1000"/>
+              <a:defRPr sz="1600"/>
             </a:lvl7pPr>
             <a:lvl8pPr marL="3200400" indent="0">
               <a:buNone/>
-              <a:defRPr sz="1000"/>
+              <a:defRPr sz="1600"/>
             </a:lvl8pPr>
             <a:lvl9pPr marL="3657600" indent="0">
               <a:buNone/>
-              <a:defRPr sz="1000"/>
+              <a:defRPr sz="1600"/>
             </a:lvl9pPr>
           </a:lstStyle>
           <a:p>
+            <a:r>
+              <a:rPr lang="pt-BR" smtClean="0"/>
+              <a:t>Clique no ícone para adicionar uma imagem</a:t>
+            </a:r>
+            <a:endParaRPr lang="en-US" dirty="0"/>
+          </a:p>
+        </p:txBody>
+      </p:sp>
+      <p:sp>
+        <p:nvSpPr>
+          <p:cNvPr id="4" name="Text Placeholder 3"/>
+          <p:cNvSpPr>
+            <a:spLocks noGrp="1"/>
+          </p:cNvSpPr>
+          <p:nvPr>
+            <p:ph type="body" sz="half" idx="2"/>
+          </p:nvPr>
+        </p:nvSpPr>
+        <p:spPr>
+          <a:xfrm>
+            <a:off x="1141411" y="2971800"/>
+            <a:ext cx="5334001" cy="1828800"/>
+          </a:xfrm>
+        </p:spPr>
+        <p:txBody>
+          <a:bodyPr>
+            <a:normAutofit/>
+          </a:bodyPr>
+          <a:lstStyle>
+            <a:lvl1pPr marL="0" indent="0">
+              <a:buNone/>
+              <a:defRPr sz="1800"/>
+            </a:lvl1pPr>
+            <a:lvl2pPr marL="457200" indent="0">
+              <a:buNone/>
+              <a:defRPr sz="1200"/>
+            </a:lvl2pPr>
+            <a:lvl3pPr marL="914400" indent="0">
+              <a:buNone/>
+              <a:defRPr sz="1000"/>
+            </a:lvl3pPr>
+            <a:lvl4pPr marL="1371600" indent="0">
+              <a:buNone/>
+              <a:defRPr sz="900"/>
+            </a:lvl4pPr>
+            <a:lvl5pPr marL="1828800" indent="0">
+              <a:buNone/>
+              <a:defRPr sz="900"/>
+            </a:lvl5pPr>
+            <a:lvl6pPr marL="2286000" indent="0">
+              <a:buNone/>
+              <a:defRPr sz="900"/>
+            </a:lvl6pPr>
+            <a:lvl7pPr marL="2743200" indent="0">
+              <a:buNone/>
+              <a:defRPr sz="900"/>
+            </a:lvl7pPr>
+            <a:lvl8pPr marL="3200400" indent="0">
+              <a:buNone/>
+              <a:defRPr sz="900"/>
+            </a:lvl8pPr>
+            <a:lvl9pPr marL="3657600" indent="0">
+              <a:buNone/>
+              <a:defRPr sz="900"/>
+            </a:lvl9pPr>
+          </a:lstStyle>
+          <a:p>
             <a:pPr lvl="0"/>
             <a:r>
               <a:rPr lang="pt-BR" smtClean="0"/>
@@ -5087,7 +4782,12 @@
             <p:ph type="dt" sz="half" idx="10"/>
           </p:nvPr>
         </p:nvSpPr>
-        <p:spPr/>
+        <p:spPr>
+          <a:xfrm>
+            <a:off x="6399212" y="5883275"/>
+            <a:ext cx="914400" cy="365125"/>
+          </a:xfrm>
+        </p:spPr>
         <p:txBody>
           <a:bodyPr/>
           <a:lstStyle/>
@@ -5110,7 +4810,12 @@
             <p:ph type="ftr" sz="quarter" idx="11"/>
           </p:nvPr>
         </p:nvSpPr>
-        <p:spPr/>
+        <p:spPr>
+          <a:xfrm>
+            <a:off x="1141412" y="5883275"/>
+            <a:ext cx="5105400" cy="365125"/>
+          </a:xfrm>
+        </p:spPr>
         <p:txBody>
           <a:bodyPr/>
           <a:lstStyle/>
@@ -5129,7 +4834,12 @@
             <p:ph type="sldNum" sz="quarter" idx="12"/>
           </p:nvPr>
         </p:nvSpPr>
-        <p:spPr/>
+        <p:spPr>
+          <a:xfrm>
+            <a:off x="10742612" y="5883275"/>
+            <a:ext cx="322567" cy="365125"/>
+          </a:xfrm>
+        </p:spPr>
         <p:txBody>
           <a:bodyPr/>
           <a:lstStyle/>
@@ -5145,7 +4855,7 @@
     </p:spTree>
     <p:extLst>
       <p:ext uri="{BB962C8B-B14F-4D97-AF65-F5344CB8AC3E}">
-        <p14:creationId xmlns:p14="http://schemas.microsoft.com/office/powerpoint/2010/main" val="2228232082"/>
+        <p14:creationId xmlns:p14="http://schemas.microsoft.com/office/powerpoint/2010/main" val="811859516"/>
       </p:ext>
     </p:extLst>
   </p:cSld>
@@ -5159,8 +4869,8 @@
 <p:sldMaster xmlns:a="http://schemas.openxmlformats.org/drawingml/2006/main" xmlns:r="http://schemas.openxmlformats.org/officeDocument/2006/relationships" xmlns:p="http://schemas.openxmlformats.org/presentationml/2006/main">
   <p:cSld>
     <p:bg>
-      <p:bgRef idx="1001">
-        <a:schemeClr val="bg1"/>
+      <p:bgRef idx="1003">
+        <a:schemeClr val="bg2"/>
       </p:bgRef>
     </p:bg>
     <p:spTree>
@@ -5177,50 +4887,20 @@
           <a:chExt cx="0" cy="0"/>
         </a:xfrm>
       </p:grpSpPr>
-      <p:pic>
-        <p:nvPicPr>
-          <p:cNvPr id="7" name="Picture 6" descr="C0-HD-TOP.png"/>
-          <p:cNvPicPr>
-            <a:picLocks noChangeAspect="1"/>
-          </p:cNvPicPr>
-          <p:nvPr/>
-        </p:nvPicPr>
-        <p:blipFill>
-          <a:blip r:embed="rId19">
-            <a:extLst>
-              <a:ext uri="{28A0092B-C50C-407E-A947-70E740481C1C}">
-                <a14:useLocalDpi xmlns:a14="http://schemas.microsoft.com/office/drawing/2010/main" val="0"/>
-              </a:ext>
-            </a:extLst>
-          </a:blip>
-          <a:stretch>
-            <a:fillRect/>
-          </a:stretch>
-        </p:blipFill>
+      <p:sp>
+        <p:nvSpPr>
+          <p:cNvPr id="2" name="Title Placeholder 1"/>
+          <p:cNvSpPr>
+            <a:spLocks noGrp="1"/>
+          </p:cNvSpPr>
+          <p:nvPr>
+            <p:ph type="title"/>
+          </p:nvPr>
+        </p:nvSpPr>
         <p:spPr>
           <a:xfrm>
-            <a:off x="0" y="0"/>
-            <a:ext cx="12192000" cy="1441450"/>
-          </a:xfrm>
-          <a:prstGeom prst="rect">
-            <a:avLst/>
-          </a:prstGeom>
-        </p:spPr>
-      </p:pic>
-      <p:sp>
-        <p:nvSpPr>
-          <p:cNvPr id="2" name="Title Placeholder 1"/>
-          <p:cNvSpPr>
-            <a:spLocks noGrp="1"/>
-          </p:cNvSpPr>
-          <p:nvPr>
-            <p:ph type="title"/>
-          </p:nvPr>
-        </p:nvSpPr>
-        <p:spPr>
-          <a:xfrm>
-            <a:off x="2895600" y="764373"/>
-            <a:ext cx="8610600" cy="1293028"/>
+            <a:off x="1141413" y="609600"/>
+            <a:ext cx="9905998" cy="1905000"/>
           </a:xfrm>
           <a:prstGeom prst="rect">
             <a:avLst/>
@@ -5252,15 +4932,15 @@
         </p:nvSpPr>
         <p:spPr>
           <a:xfrm>
-            <a:off x="685800" y="2194560"/>
-            <a:ext cx="10820400" cy="4024125"/>
+            <a:off x="1141413" y="2666999"/>
+            <a:ext cx="9905998" cy="3124201"/>
           </a:xfrm>
           <a:prstGeom prst="rect">
             <a:avLst/>
           </a:prstGeom>
         </p:spPr>
         <p:txBody>
-          <a:bodyPr vert="horz" lIns="91440" tIns="45720" rIns="91440" bIns="45720" rtlCol="0">
+          <a:bodyPr vert="horz" lIns="91440" tIns="45720" rIns="91440" bIns="45720" rtlCol="0" anchor="ctr">
             <a:normAutofit/>
           </a:bodyPr>
           <a:lstStyle/>
@@ -5314,8 +4994,8 @@
         </p:nvSpPr>
         <p:spPr>
           <a:xfrm>
-            <a:off x="8595360" y="6356350"/>
-            <a:ext cx="2910840" cy="365125"/>
+            <a:off x="8837612" y="5883275"/>
+            <a:ext cx="1600200" cy="365125"/>
           </a:xfrm>
           <a:prstGeom prst="rect">
             <a:avLst/>
@@ -5325,12 +5005,20 @@
           <a:bodyPr vert="horz" lIns="91440" tIns="45720" rIns="91440" bIns="45720" rtlCol="0" anchor="ctr"/>
           <a:lstStyle>
             <a:lvl1pPr algn="r">
-              <a:defRPr sz="1050">
+              <a:defRPr sz="900" b="1" i="0">
                 <a:solidFill>
                   <a:schemeClr val="tx1">
-                    <a:tint val="75000"/>
+                    <a:lumMod val="75000"/>
                   </a:schemeClr>
                 </a:solidFill>
+                <a:effectLst>
+                  <a:outerShdw blurRad="50800" dist="38100" dir="2700000" algn="tl" rotWithShape="0">
+                    <a:srgbClr val="000000">
+                      <a:alpha val="43000"/>
+                    </a:srgbClr>
+                  </a:outerShdw>
+                </a:effectLst>
+                <a:latin typeface="+mn-lt"/>
               </a:defRPr>
             </a:lvl1pPr>
           </a:lstStyle>
@@ -5355,8 +5043,8 @@
         </p:nvSpPr>
         <p:spPr>
           <a:xfrm>
-            <a:off x="685800" y="6355845"/>
-            <a:ext cx="7772400" cy="365125"/>
+            <a:off x="1141412" y="5883275"/>
+            <a:ext cx="7543800" cy="365125"/>
           </a:xfrm>
           <a:prstGeom prst="rect">
             <a:avLst/>
@@ -5366,12 +5054,20 @@
           <a:bodyPr vert="horz" lIns="91440" tIns="45720" rIns="91440" bIns="45720" rtlCol="0" anchor="ctr"/>
           <a:lstStyle>
             <a:lvl1pPr algn="l">
-              <a:defRPr sz="1050">
+              <a:defRPr sz="900" b="1" i="0">
                 <a:solidFill>
                   <a:schemeClr val="tx1">
-                    <a:tint val="75000"/>
+                    <a:lumMod val="75000"/>
                   </a:schemeClr>
                 </a:solidFill>
+                <a:effectLst>
+                  <a:outerShdw blurRad="50800" dist="38100" dir="2700000" algn="tl" rotWithShape="0">
+                    <a:srgbClr val="000000">
+                      <a:alpha val="43000"/>
+                    </a:srgbClr>
+                  </a:outerShdw>
+                </a:effectLst>
+                <a:latin typeface="+mn-lt"/>
               </a:defRPr>
             </a:lvl1pPr>
           </a:lstStyle>
@@ -5392,8 +5088,8 @@
         </p:nvSpPr>
         <p:spPr>
           <a:xfrm>
-            <a:off x="8763000" y="381000"/>
-            <a:ext cx="2743200" cy="365125"/>
+            <a:off x="10514012" y="5883275"/>
+            <a:ext cx="551167" cy="365125"/>
           </a:xfrm>
           <a:prstGeom prst="rect">
             <a:avLst/>
@@ -5403,12 +5099,20 @@
           <a:bodyPr vert="horz" lIns="91440" tIns="45720" rIns="91440" bIns="45720" rtlCol="0" anchor="ctr"/>
           <a:lstStyle>
             <a:lvl1pPr algn="r">
-              <a:defRPr sz="1050">
+              <a:defRPr sz="900" b="1" i="0">
                 <a:solidFill>
                   <a:schemeClr val="tx1">
-                    <a:tint val="75000"/>
+                    <a:lumMod val="75000"/>
                   </a:schemeClr>
                 </a:solidFill>
+                <a:effectLst>
+                  <a:outerShdw blurRad="50800" dist="38100" dir="2700000" algn="tl" rotWithShape="0">
+                    <a:srgbClr val="000000">
+                      <a:alpha val="43000"/>
+                    </a:srgbClr>
+                  </a:outerShdw>
+                </a:effectLst>
+                <a:latin typeface="+mn-lt"/>
               </a:defRPr>
             </a:lvl1pPr>
           </a:lstStyle>
@@ -5424,208 +5128,440 @@
     </p:spTree>
     <p:extLst>
       <p:ext uri="{BB962C8B-B14F-4D97-AF65-F5344CB8AC3E}">
-        <p14:creationId xmlns:p14="http://schemas.microsoft.com/office/powerpoint/2010/main" val="364971155"/>
+        <p14:creationId xmlns:p14="http://schemas.microsoft.com/office/powerpoint/2010/main" val="2312606896"/>
       </p:ext>
     </p:extLst>
   </p:cSld>
   <p:clrMap bg1="dk1" tx1="lt1" bg2="dk2" tx2="lt2" accent1="accent1" accent2="accent2" accent3="accent3" accent4="accent4" accent5="accent5" accent6="accent6" hlink="hlink" folHlink="folHlink"/>
   <p:sldLayoutIdLst>
-    <p:sldLayoutId id="2147484207" r:id="rId1"/>
-    <p:sldLayoutId id="2147484208" r:id="rId2"/>
-    <p:sldLayoutId id="2147484209" r:id="rId3"/>
-    <p:sldLayoutId id="2147484210" r:id="rId4"/>
-    <p:sldLayoutId id="2147484211" r:id="rId5"/>
-    <p:sldLayoutId id="2147484212" r:id="rId6"/>
-    <p:sldLayoutId id="2147484213" r:id="rId7"/>
-    <p:sldLayoutId id="2147484214" r:id="rId8"/>
-    <p:sldLayoutId id="2147484215" r:id="rId9"/>
-    <p:sldLayoutId id="2147484216" r:id="rId10"/>
-    <p:sldLayoutId id="2147484217" r:id="rId11"/>
-    <p:sldLayoutId id="2147484218" r:id="rId12"/>
-    <p:sldLayoutId id="2147484219" r:id="rId13"/>
-    <p:sldLayoutId id="2147484220" r:id="rId14"/>
-    <p:sldLayoutId id="2147484221" r:id="rId15"/>
-    <p:sldLayoutId id="2147484222" r:id="rId16"/>
-    <p:sldLayoutId id="2147484223" r:id="rId17"/>
+    <p:sldLayoutId id="2147484351" r:id="rId1"/>
+    <p:sldLayoutId id="2147484352" r:id="rId2"/>
+    <p:sldLayoutId id="2147484353" r:id="rId3"/>
+    <p:sldLayoutId id="2147484354" r:id="rId4"/>
+    <p:sldLayoutId id="2147484355" r:id="rId5"/>
+    <p:sldLayoutId id="2147484356" r:id="rId6"/>
+    <p:sldLayoutId id="2147484357" r:id="rId7"/>
+    <p:sldLayoutId id="2147484358" r:id="rId8"/>
+    <p:sldLayoutId id="2147484359" r:id="rId9"/>
+    <p:sldLayoutId id="2147484360" r:id="rId10"/>
+    <p:sldLayoutId id="2147484361" r:id="rId11"/>
+    <p:sldLayoutId id="2147484362" r:id="rId12"/>
+    <p:sldLayoutId id="2147484363" r:id="rId13"/>
+    <p:sldLayoutId id="2147484364" r:id="rId14"/>
+    <p:sldLayoutId id="2147484365" r:id="rId15"/>
+    <p:sldLayoutId id="2147484366" r:id="rId16"/>
+    <p:sldLayoutId id="2147484367" r:id="rId17"/>
   </p:sldLayoutIdLst>
   <p:txStyles>
     <p:titleStyle>
-      <a:lvl1pPr algn="r" defTabSz="914400" rtl="0" eaLnBrk="1" latinLnBrk="0" hangingPunct="1">
-        <a:lnSpc>
-          <a:spcPct val="90000"/>
-        </a:lnSpc>
+      <a:lvl1pPr algn="l" defTabSz="457200" rtl="0" eaLnBrk="1" latinLnBrk="0" hangingPunct="1">
         <a:spcBef>
           <a:spcPct val="0"/>
         </a:spcBef>
         <a:buNone/>
-        <a:defRPr sz="4000" kern="1200" cap="all" baseline="0">
+        <a:defRPr sz="3200" kern="1200" cap="all">
+          <a:ln w="3175" cmpd="sng">
+            <a:noFill/>
+          </a:ln>
           <a:solidFill>
-            <a:schemeClr val="tx1"/>
+            <a:schemeClr val="accent1"/>
           </a:solidFill>
+          <a:effectLst>
+            <a:glow rad="38100">
+              <a:schemeClr val="bg1">
+                <a:lumMod val="65000"/>
+                <a:lumOff val="35000"/>
+                <a:alpha val="40000"/>
+              </a:schemeClr>
+            </a:glow>
+            <a:outerShdw blurRad="28575" dist="38100" dir="14040000" algn="tl" rotWithShape="0">
+              <a:srgbClr val="000000">
+                <a:alpha val="25000"/>
+              </a:srgbClr>
+            </a:outerShdw>
+          </a:effectLst>
           <a:latin typeface="+mj-lt"/>
           <a:ea typeface="+mj-ea"/>
           <a:cs typeface="+mj-cs"/>
         </a:defRPr>
       </a:lvl1pPr>
+      <a:lvl2pPr eaLnBrk="1" hangingPunct="1">
+        <a:defRPr>
+          <a:solidFill>
+            <a:schemeClr val="tx2"/>
+          </a:solidFill>
+        </a:defRPr>
+      </a:lvl2pPr>
+      <a:lvl3pPr eaLnBrk="1" hangingPunct="1">
+        <a:defRPr>
+          <a:solidFill>
+            <a:schemeClr val="tx2"/>
+          </a:solidFill>
+        </a:defRPr>
+      </a:lvl3pPr>
+      <a:lvl4pPr eaLnBrk="1" hangingPunct="1">
+        <a:defRPr>
+          <a:solidFill>
+            <a:schemeClr val="tx2"/>
+          </a:solidFill>
+        </a:defRPr>
+      </a:lvl4pPr>
+      <a:lvl5pPr eaLnBrk="1" hangingPunct="1">
+        <a:defRPr>
+          <a:solidFill>
+            <a:schemeClr val="tx2"/>
+          </a:solidFill>
+        </a:defRPr>
+      </a:lvl5pPr>
+      <a:lvl6pPr eaLnBrk="1" hangingPunct="1">
+        <a:defRPr>
+          <a:solidFill>
+            <a:schemeClr val="tx2"/>
+          </a:solidFill>
+        </a:defRPr>
+      </a:lvl6pPr>
+      <a:lvl7pPr eaLnBrk="1" hangingPunct="1">
+        <a:defRPr>
+          <a:solidFill>
+            <a:schemeClr val="tx2"/>
+          </a:solidFill>
+        </a:defRPr>
+      </a:lvl7pPr>
+      <a:lvl8pPr eaLnBrk="1" hangingPunct="1">
+        <a:defRPr>
+          <a:solidFill>
+            <a:schemeClr val="tx2"/>
+          </a:solidFill>
+        </a:defRPr>
+      </a:lvl8pPr>
+      <a:lvl9pPr eaLnBrk="1" hangingPunct="1">
+        <a:defRPr>
+          <a:solidFill>
+            <a:schemeClr val="tx2"/>
+          </a:solidFill>
+        </a:defRPr>
+      </a:lvl9pPr>
     </p:titleStyle>
     <p:bodyStyle>
-      <a:lvl1pPr marL="228600" indent="-228600" algn="l" defTabSz="914400" rtl="0" eaLnBrk="1" latinLnBrk="0" hangingPunct="1">
-        <a:lnSpc>
-          <a:spcPct val="90000"/>
-        </a:lnSpc>
+      <a:lvl1pPr marL="285750" indent="-285750" algn="l" defTabSz="457200" rtl="0" eaLnBrk="1" latinLnBrk="0" hangingPunct="1">
         <a:spcBef>
-          <a:spcPts val="1000"/>
+          <a:spcPct val="20000"/>
         </a:spcBef>
-        <a:buFont typeface="Arial" panose="020B0604020202020204" pitchFamily="34" charset="0"/>
+        <a:spcAft>
+          <a:spcPts val="600"/>
+        </a:spcAft>
+        <a:buClr>
+          <a:schemeClr val="accent1"/>
+        </a:buClr>
+        <a:buSzPct val="100000"/>
+        <a:buFont typeface="Arial"/>
         <a:buChar char="•"/>
-        <a:defRPr sz="2200" kern="1200">
+        <a:defRPr sz="2000" kern="1200" cap="small">
           <a:solidFill>
             <a:schemeClr val="tx1"/>
           </a:solidFill>
+          <a:effectLst>
+            <a:glow rad="38100">
+              <a:schemeClr val="bg1">
+                <a:lumMod val="50000"/>
+                <a:lumOff val="50000"/>
+                <a:alpha val="20000"/>
+              </a:schemeClr>
+            </a:glow>
+            <a:outerShdw blurRad="44450" dist="12700" dir="13860000" algn="tl" rotWithShape="0">
+              <a:srgbClr val="000000">
+                <a:alpha val="20000"/>
+              </a:srgbClr>
+            </a:outerShdw>
+          </a:effectLst>
           <a:latin typeface="+mn-lt"/>
           <a:ea typeface="+mn-ea"/>
           <a:cs typeface="+mn-cs"/>
         </a:defRPr>
       </a:lvl1pPr>
-      <a:lvl2pPr marL="685800" indent="-228600" algn="l" defTabSz="914400" rtl="0" eaLnBrk="1" latinLnBrk="0" hangingPunct="1">
-        <a:lnSpc>
-          <a:spcPct val="90000"/>
-        </a:lnSpc>
+      <a:lvl2pPr marL="742950" indent="-285750" algn="l" defTabSz="457200" rtl="0" eaLnBrk="1" latinLnBrk="0" hangingPunct="1">
         <a:spcBef>
-          <a:spcPts val="500"/>
+          <a:spcPct val="20000"/>
         </a:spcBef>
-        <a:buFont typeface="Arial" panose="020B0604020202020204" pitchFamily="34" charset="0"/>
+        <a:spcAft>
+          <a:spcPts val="600"/>
+        </a:spcAft>
+        <a:buClr>
+          <a:schemeClr val="accent1"/>
+        </a:buClr>
+        <a:buSzPct val="100000"/>
+        <a:buFont typeface="Arial"/>
         <a:buChar char="•"/>
-        <a:defRPr sz="2000" kern="1200">
+        <a:defRPr sz="1800" kern="1200" cap="small">
           <a:solidFill>
             <a:schemeClr val="tx1"/>
           </a:solidFill>
+          <a:effectLst>
+            <a:glow rad="38100">
+              <a:schemeClr val="bg1">
+                <a:lumMod val="50000"/>
+                <a:lumOff val="50000"/>
+                <a:alpha val="20000"/>
+              </a:schemeClr>
+            </a:glow>
+            <a:outerShdw blurRad="44450" dist="12700" dir="13860000" algn="tl" rotWithShape="0">
+              <a:srgbClr val="000000">
+                <a:alpha val="20000"/>
+              </a:srgbClr>
+            </a:outerShdw>
+          </a:effectLst>
           <a:latin typeface="+mn-lt"/>
           <a:ea typeface="+mn-ea"/>
           <a:cs typeface="+mn-cs"/>
         </a:defRPr>
       </a:lvl2pPr>
-      <a:lvl3pPr marL="1143000" indent="-228600" algn="l" defTabSz="914400" rtl="0" eaLnBrk="1" latinLnBrk="0" hangingPunct="1">
-        <a:lnSpc>
-          <a:spcPct val="90000"/>
-        </a:lnSpc>
+      <a:lvl3pPr marL="1200150" indent="-285750" algn="l" defTabSz="457200" rtl="0" eaLnBrk="1" latinLnBrk="0" hangingPunct="1">
         <a:spcBef>
-          <a:spcPts val="500"/>
+          <a:spcPct val="20000"/>
         </a:spcBef>
-        <a:buFont typeface="Arial" panose="020B0604020202020204" pitchFamily="34" charset="0"/>
+        <a:spcAft>
+          <a:spcPts val="600"/>
+        </a:spcAft>
+        <a:buClr>
+          <a:schemeClr val="accent1"/>
+        </a:buClr>
+        <a:buSzPct val="100000"/>
+        <a:buFont typeface="Arial"/>
         <a:buChar char="•"/>
-        <a:defRPr sz="1800" kern="1200">
+        <a:defRPr sz="1600" kern="1200" cap="small">
           <a:solidFill>
             <a:schemeClr val="tx1"/>
           </a:solidFill>
+          <a:effectLst>
+            <a:glow rad="38100">
+              <a:schemeClr val="bg1">
+                <a:lumMod val="50000"/>
+                <a:lumOff val="50000"/>
+                <a:alpha val="20000"/>
+              </a:schemeClr>
+            </a:glow>
+            <a:outerShdw blurRad="44450" dist="12700" dir="13860000" algn="tl" rotWithShape="0">
+              <a:srgbClr val="000000">
+                <a:alpha val="20000"/>
+              </a:srgbClr>
+            </a:outerShdw>
+          </a:effectLst>
           <a:latin typeface="+mn-lt"/>
           <a:ea typeface="+mn-ea"/>
           <a:cs typeface="+mn-cs"/>
         </a:defRPr>
       </a:lvl3pPr>
-      <a:lvl4pPr marL="1600200" indent="-228600" algn="l" defTabSz="914400" rtl="0" eaLnBrk="1" latinLnBrk="0" hangingPunct="1">
-        <a:lnSpc>
-          <a:spcPct val="90000"/>
-        </a:lnSpc>
+      <a:lvl4pPr marL="1543050" indent="-171450" algn="l" defTabSz="457200" rtl="0" eaLnBrk="1" latinLnBrk="0" hangingPunct="1">
         <a:spcBef>
-          <a:spcPts val="500"/>
+          <a:spcPct val="20000"/>
         </a:spcBef>
-        <a:buFont typeface="Arial" panose="020B0604020202020204" pitchFamily="34" charset="0"/>
+        <a:spcAft>
+          <a:spcPts val="600"/>
+        </a:spcAft>
+        <a:buClr>
+          <a:schemeClr val="accent1"/>
+        </a:buClr>
+        <a:buSzPct val="100000"/>
+        <a:buFont typeface="Arial"/>
         <a:buChar char="•"/>
-        <a:defRPr sz="1600" kern="1200">
+        <a:defRPr sz="1400" kern="1200" cap="small">
           <a:solidFill>
             <a:schemeClr val="tx1"/>
           </a:solidFill>
+          <a:effectLst>
+            <a:glow rad="38100">
+              <a:schemeClr val="bg1">
+                <a:lumMod val="50000"/>
+                <a:lumOff val="50000"/>
+                <a:alpha val="20000"/>
+              </a:schemeClr>
+            </a:glow>
+            <a:outerShdw blurRad="44450" dist="12700" dir="13860000" algn="tl" rotWithShape="0">
+              <a:srgbClr val="000000">
+                <a:alpha val="20000"/>
+              </a:srgbClr>
+            </a:outerShdw>
+          </a:effectLst>
           <a:latin typeface="+mn-lt"/>
           <a:ea typeface="+mn-ea"/>
           <a:cs typeface="+mn-cs"/>
         </a:defRPr>
       </a:lvl4pPr>
-      <a:lvl5pPr marL="2057400" indent="-228600" algn="l" defTabSz="914400" rtl="0" eaLnBrk="1" latinLnBrk="0" hangingPunct="1">
-        <a:lnSpc>
-          <a:spcPct val="90000"/>
-        </a:lnSpc>
+      <a:lvl5pPr marL="2000250" indent="-171450" algn="l" defTabSz="457200" rtl="0" eaLnBrk="1" latinLnBrk="0" hangingPunct="1">
         <a:spcBef>
-          <a:spcPts val="500"/>
+          <a:spcPct val="20000"/>
         </a:spcBef>
-        <a:buFont typeface="Arial" panose="020B0604020202020204" pitchFamily="34" charset="0"/>
+        <a:spcAft>
+          <a:spcPts val="600"/>
+        </a:spcAft>
+        <a:buClr>
+          <a:schemeClr val="accent1"/>
+        </a:buClr>
+        <a:buSzPct val="100000"/>
+        <a:buFont typeface="Arial"/>
         <a:buChar char="•"/>
-        <a:defRPr sz="1600" kern="1200">
+        <a:defRPr sz="1400" kern="1200" cap="small">
           <a:solidFill>
             <a:schemeClr val="tx1"/>
           </a:solidFill>
+          <a:effectLst>
+            <a:glow rad="38100">
+              <a:schemeClr val="bg1">
+                <a:lumMod val="50000"/>
+                <a:lumOff val="50000"/>
+                <a:alpha val="20000"/>
+              </a:schemeClr>
+            </a:glow>
+            <a:outerShdw blurRad="44450" dist="12700" dir="13860000" algn="tl" rotWithShape="0">
+              <a:srgbClr val="000000">
+                <a:alpha val="20000"/>
+              </a:srgbClr>
+            </a:outerShdw>
+          </a:effectLst>
           <a:latin typeface="+mn-lt"/>
           <a:ea typeface="+mn-ea"/>
           <a:cs typeface="+mn-cs"/>
         </a:defRPr>
       </a:lvl5pPr>
-      <a:lvl6pPr marL="2514600" indent="-228600" algn="l" defTabSz="914400" rtl="0" eaLnBrk="1" latinLnBrk="0" hangingPunct="1">
-        <a:lnSpc>
-          <a:spcPct val="90000"/>
-        </a:lnSpc>
+      <a:lvl6pPr marL="2514600" indent="-228600" algn="l" defTabSz="457200" rtl="0" eaLnBrk="1" latinLnBrk="0" hangingPunct="1">
         <a:spcBef>
-          <a:spcPts val="500"/>
+          <a:spcPct val="20000"/>
         </a:spcBef>
-        <a:buFont typeface="Arial" panose="020B0604020202020204" pitchFamily="34" charset="0"/>
+        <a:spcAft>
+          <a:spcPts val="600"/>
+        </a:spcAft>
+        <a:buClr>
+          <a:schemeClr val="accent1"/>
+        </a:buClr>
+        <a:buSzPct val="100000"/>
+        <a:buFont typeface="Arial"/>
         <a:buChar char="•"/>
-        <a:defRPr sz="1600" kern="1200">
+        <a:defRPr sz="1200" kern="1200" cap="small">
           <a:solidFill>
             <a:schemeClr val="tx1"/>
           </a:solidFill>
+          <a:effectLst>
+            <a:glow rad="38100">
+              <a:schemeClr val="bg1">
+                <a:lumMod val="50000"/>
+                <a:lumOff val="50000"/>
+                <a:alpha val="20000"/>
+              </a:schemeClr>
+            </a:glow>
+            <a:outerShdw blurRad="44450" dist="12700" dir="13860000" algn="tl" rotWithShape="0">
+              <a:srgbClr val="000000">
+                <a:alpha val="20000"/>
+              </a:srgbClr>
+            </a:outerShdw>
+          </a:effectLst>
           <a:latin typeface="+mn-lt"/>
           <a:ea typeface="+mn-ea"/>
           <a:cs typeface="+mn-cs"/>
         </a:defRPr>
       </a:lvl6pPr>
-      <a:lvl7pPr marL="2971800" indent="-228600" algn="l" defTabSz="914400" rtl="0" eaLnBrk="1" latinLnBrk="0" hangingPunct="1">
-        <a:lnSpc>
-          <a:spcPct val="90000"/>
-        </a:lnSpc>
+      <a:lvl7pPr marL="2971800" indent="-228600" algn="l" defTabSz="457200" rtl="0" eaLnBrk="1" latinLnBrk="0" hangingPunct="1">
         <a:spcBef>
-          <a:spcPts val="500"/>
+          <a:spcPct val="20000"/>
         </a:spcBef>
-        <a:buFont typeface="Arial" panose="020B0604020202020204" pitchFamily="34" charset="0"/>
+        <a:spcAft>
+          <a:spcPts val="600"/>
+        </a:spcAft>
+        <a:buClr>
+          <a:schemeClr val="accent1"/>
+        </a:buClr>
+        <a:buSzPct val="100000"/>
+        <a:buFont typeface="Arial"/>
         <a:buChar char="•"/>
-        <a:defRPr sz="1600" kern="1200">
+        <a:defRPr sz="1200" kern="1200" cap="small">
           <a:solidFill>
             <a:schemeClr val="tx1"/>
           </a:solidFill>
+          <a:effectLst>
+            <a:glow rad="38100">
+              <a:schemeClr val="bg1">
+                <a:lumMod val="50000"/>
+                <a:lumOff val="50000"/>
+                <a:alpha val="20000"/>
+              </a:schemeClr>
+            </a:glow>
+            <a:outerShdw blurRad="44450" dist="12700" dir="13860000" algn="tl" rotWithShape="0">
+              <a:srgbClr val="000000">
+                <a:alpha val="20000"/>
+              </a:srgbClr>
+            </a:outerShdw>
+          </a:effectLst>
           <a:latin typeface="+mn-lt"/>
           <a:ea typeface="+mn-ea"/>
           <a:cs typeface="+mn-cs"/>
         </a:defRPr>
       </a:lvl7pPr>
-      <a:lvl8pPr marL="3429000" indent="-228600" algn="l" defTabSz="914400" rtl="0" eaLnBrk="1" latinLnBrk="0" hangingPunct="1">
-        <a:lnSpc>
-          <a:spcPct val="90000"/>
-        </a:lnSpc>
+      <a:lvl8pPr marL="3429000" indent="-228600" algn="l" defTabSz="457200" rtl="0" eaLnBrk="1" latinLnBrk="0" hangingPunct="1">
         <a:spcBef>
-          <a:spcPts val="500"/>
+          <a:spcPct val="20000"/>
         </a:spcBef>
-        <a:buFont typeface="Arial" panose="020B0604020202020204" pitchFamily="34" charset="0"/>
+        <a:spcAft>
+          <a:spcPts val="600"/>
+        </a:spcAft>
+        <a:buClr>
+          <a:schemeClr val="accent1"/>
+        </a:buClr>
+        <a:buSzPct val="100000"/>
+        <a:buFont typeface="Arial"/>
         <a:buChar char="•"/>
-        <a:defRPr sz="1600" kern="1200">
+        <a:defRPr sz="1200" kern="1200" cap="small">
           <a:solidFill>
             <a:schemeClr val="tx1"/>
           </a:solidFill>
+          <a:effectLst>
+            <a:glow rad="38100">
+              <a:schemeClr val="bg1">
+                <a:lumMod val="50000"/>
+                <a:lumOff val="50000"/>
+                <a:alpha val="20000"/>
+              </a:schemeClr>
+            </a:glow>
+            <a:outerShdw blurRad="44450" dist="12700" dir="13860000" algn="tl" rotWithShape="0">
+              <a:srgbClr val="000000">
+                <a:alpha val="20000"/>
+              </a:srgbClr>
+            </a:outerShdw>
+          </a:effectLst>
           <a:latin typeface="+mn-lt"/>
           <a:ea typeface="+mn-ea"/>
           <a:cs typeface="+mn-cs"/>
         </a:defRPr>
       </a:lvl8pPr>
-      <a:lvl9pPr marL="3886200" indent="-228600" algn="l" defTabSz="914400" rtl="0" eaLnBrk="1" latinLnBrk="0" hangingPunct="1">
-        <a:lnSpc>
-          <a:spcPct val="90000"/>
-        </a:lnSpc>
+      <a:lvl9pPr marL="3886200" indent="-228600" algn="l" defTabSz="457200" rtl="0" eaLnBrk="1" latinLnBrk="0" hangingPunct="1">
         <a:spcBef>
-          <a:spcPts val="500"/>
+          <a:spcPct val="20000"/>
         </a:spcBef>
-        <a:buFont typeface="Arial" panose="020B0604020202020204" pitchFamily="34" charset="0"/>
+        <a:spcAft>
+          <a:spcPts val="600"/>
+        </a:spcAft>
+        <a:buClr>
+          <a:schemeClr val="accent1"/>
+        </a:buClr>
+        <a:buSzPct val="100000"/>
+        <a:buFont typeface="Arial"/>
         <a:buChar char="•"/>
-        <a:defRPr sz="1600" kern="1200">
+        <a:defRPr sz="1200" kern="1200" cap="small">
           <a:solidFill>
             <a:schemeClr val="tx1"/>
           </a:solidFill>
+          <a:effectLst>
+            <a:glow rad="38100">
+              <a:schemeClr val="bg1">
+                <a:lumMod val="50000"/>
+                <a:lumOff val="50000"/>
+                <a:alpha val="20000"/>
+              </a:schemeClr>
+            </a:glow>
+            <a:outerShdw blurRad="44450" dist="12700" dir="13860000" algn="tl" rotWithShape="0">
+              <a:srgbClr val="000000">
+                <a:alpha val="20000"/>
+              </a:srgbClr>
+            </a:outerShdw>
+          </a:effectLst>
           <a:latin typeface="+mn-lt"/>
           <a:ea typeface="+mn-ea"/>
           <a:cs typeface="+mn-cs"/>
@@ -5636,7 +5572,7 @@
       <a:defPPr>
         <a:defRPr lang="en-US"/>
       </a:defPPr>
-      <a:lvl1pPr marL="0" algn="l" defTabSz="914400" rtl="0" eaLnBrk="1" latinLnBrk="0" hangingPunct="1">
+      <a:lvl1pPr marL="0" algn="l" defTabSz="457200" rtl="0" eaLnBrk="1" latinLnBrk="0" hangingPunct="1">
         <a:defRPr sz="1800" kern="1200">
           <a:solidFill>
             <a:schemeClr val="tx1"/>
@@ -5646,7 +5582,7 @@
           <a:cs typeface="+mn-cs"/>
         </a:defRPr>
       </a:lvl1pPr>
-      <a:lvl2pPr marL="457200" algn="l" defTabSz="914400" rtl="0" eaLnBrk="1" latinLnBrk="0" hangingPunct="1">
+      <a:lvl2pPr marL="457200" algn="l" defTabSz="457200" rtl="0" eaLnBrk="1" latinLnBrk="0" hangingPunct="1">
         <a:defRPr sz="1800" kern="1200">
           <a:solidFill>
             <a:schemeClr val="tx1"/>
@@ -5656,7 +5592,7 @@
           <a:cs typeface="+mn-cs"/>
         </a:defRPr>
       </a:lvl2pPr>
-      <a:lvl3pPr marL="914400" algn="l" defTabSz="914400" rtl="0" eaLnBrk="1" latinLnBrk="0" hangingPunct="1">
+      <a:lvl3pPr marL="914400" algn="l" defTabSz="457200" rtl="0" eaLnBrk="1" latinLnBrk="0" hangingPunct="1">
         <a:defRPr sz="1800" kern="1200">
           <a:solidFill>
             <a:schemeClr val="tx1"/>
@@ -5666,7 +5602,7 @@
           <a:cs typeface="+mn-cs"/>
         </a:defRPr>
       </a:lvl3pPr>
-      <a:lvl4pPr marL="1371600" algn="l" defTabSz="914400" rtl="0" eaLnBrk="1" latinLnBrk="0" hangingPunct="1">
+      <a:lvl4pPr marL="1371600" algn="l" defTabSz="457200" rtl="0" eaLnBrk="1" latinLnBrk="0" hangingPunct="1">
         <a:defRPr sz="1800" kern="1200">
           <a:solidFill>
             <a:schemeClr val="tx1"/>
@@ -5676,7 +5612,7 @@
           <a:cs typeface="+mn-cs"/>
         </a:defRPr>
       </a:lvl4pPr>
-      <a:lvl5pPr marL="1828800" algn="l" defTabSz="914400" rtl="0" eaLnBrk="1" latinLnBrk="0" hangingPunct="1">
+      <a:lvl5pPr marL="1828800" algn="l" defTabSz="457200" rtl="0" eaLnBrk="1" latinLnBrk="0" hangingPunct="1">
         <a:defRPr sz="1800" kern="1200">
           <a:solidFill>
             <a:schemeClr val="tx1"/>
@@ -5686,7 +5622,7 @@
           <a:cs typeface="+mn-cs"/>
         </a:defRPr>
       </a:lvl5pPr>
-      <a:lvl6pPr marL="2286000" algn="l" defTabSz="914400" rtl="0" eaLnBrk="1" latinLnBrk="0" hangingPunct="1">
+      <a:lvl6pPr marL="2286000" algn="l" defTabSz="457200" rtl="0" eaLnBrk="1" latinLnBrk="0" hangingPunct="1">
         <a:defRPr sz="1800" kern="1200">
           <a:solidFill>
             <a:schemeClr val="tx1"/>
@@ -5696,7 +5632,7 @@
           <a:cs typeface="+mn-cs"/>
         </a:defRPr>
       </a:lvl6pPr>
-      <a:lvl7pPr marL="2743200" algn="l" defTabSz="914400" rtl="0" eaLnBrk="1" latinLnBrk="0" hangingPunct="1">
+      <a:lvl7pPr marL="2743200" algn="l" defTabSz="457200" rtl="0" eaLnBrk="1" latinLnBrk="0" hangingPunct="1">
         <a:defRPr sz="1800" kern="1200">
           <a:solidFill>
             <a:schemeClr val="tx1"/>
@@ -5706,7 +5642,7 @@
           <a:cs typeface="+mn-cs"/>
         </a:defRPr>
       </a:lvl7pPr>
-      <a:lvl8pPr marL="3200400" algn="l" defTabSz="914400" rtl="0" eaLnBrk="1" latinLnBrk="0" hangingPunct="1">
+      <a:lvl8pPr marL="3200400" algn="l" defTabSz="457200" rtl="0" eaLnBrk="1" latinLnBrk="0" hangingPunct="1">
         <a:defRPr sz="1800" kern="1200">
           <a:solidFill>
             <a:schemeClr val="tx1"/>
@@ -5716,7 +5652,7 @@
           <a:cs typeface="+mn-cs"/>
         </a:defRPr>
       </a:lvl8pPr>
-      <a:lvl9pPr marL="3657600" algn="l" defTabSz="914400" rtl="0" eaLnBrk="1" latinLnBrk="0" hangingPunct="1">
+      <a:lvl9pPr marL="3657600" algn="l" defTabSz="457200" rtl="0" eaLnBrk="1" latinLnBrk="0" hangingPunct="1">
         <a:defRPr sz="1800" kern="1200">
           <a:solidFill>
             <a:schemeClr val="tx1"/>
@@ -5802,6 +5738,869 @@
 </p:sld>
 </file>
 
+<file path=ppt/slides/slide10.xml><?xml version="1.0" encoding="utf-8"?>
+<p:sld xmlns:a="http://schemas.openxmlformats.org/drawingml/2006/main" xmlns:r="http://schemas.openxmlformats.org/officeDocument/2006/relationships" xmlns:p="http://schemas.openxmlformats.org/presentationml/2006/main">
+  <p:cSld>
+    <p:spTree>
+      <p:nvGrpSpPr>
+        <p:cNvPr id="1" name=""/>
+        <p:cNvGrpSpPr/>
+        <p:nvPr/>
+      </p:nvGrpSpPr>
+      <p:grpSpPr>
+        <a:xfrm>
+          <a:off x="0" y="0"/>
+          <a:ext cx="0" cy="0"/>
+          <a:chOff x="0" y="0"/>
+          <a:chExt cx="0" cy="0"/>
+        </a:xfrm>
+      </p:grpSpPr>
+      <p:pic>
+        <p:nvPicPr>
+          <p:cNvPr id="2" name="Imagem 1"/>
+          <p:cNvPicPr>
+            <a:picLocks noChangeAspect="1"/>
+          </p:cNvPicPr>
+          <p:nvPr/>
+        </p:nvPicPr>
+        <p:blipFill>
+          <a:blip r:embed="rId2">
+            <a:extLst>
+              <a:ext uri="{28A0092B-C50C-407E-A947-70E740481C1C}">
+                <a14:useLocalDpi xmlns:a14="http://schemas.microsoft.com/office/drawing/2010/main" val="0"/>
+              </a:ext>
+            </a:extLst>
+          </a:blip>
+          <a:stretch>
+            <a:fillRect/>
+          </a:stretch>
+        </p:blipFill>
+        <p:spPr>
+          <a:xfrm>
+            <a:off x="0" y="0"/>
+            <a:ext cx="12192000" cy="6858000"/>
+          </a:xfrm>
+          <a:prstGeom prst="rect">
+            <a:avLst/>
+          </a:prstGeom>
+        </p:spPr>
+      </p:pic>
+    </p:spTree>
+    <p:extLst>
+      <p:ext uri="{BB962C8B-B14F-4D97-AF65-F5344CB8AC3E}">
+        <p14:creationId xmlns:p14="http://schemas.microsoft.com/office/powerpoint/2010/main" val="3887139862"/>
+      </p:ext>
+    </p:extLst>
+  </p:cSld>
+  <p:clrMapOvr>
+    <a:masterClrMapping/>
+  </p:clrMapOvr>
+</p:sld>
+</file>
+
+<file path=ppt/slides/slide11.xml><?xml version="1.0" encoding="utf-8"?>
+<p:sld xmlns:a="http://schemas.openxmlformats.org/drawingml/2006/main" xmlns:r="http://schemas.openxmlformats.org/officeDocument/2006/relationships" xmlns:p="http://schemas.openxmlformats.org/presentationml/2006/main">
+  <p:cSld>
+    <p:spTree>
+      <p:nvGrpSpPr>
+        <p:cNvPr id="1" name=""/>
+        <p:cNvGrpSpPr/>
+        <p:nvPr/>
+      </p:nvGrpSpPr>
+      <p:grpSpPr>
+        <a:xfrm>
+          <a:off x="0" y="0"/>
+          <a:ext cx="0" cy="0"/>
+          <a:chOff x="0" y="0"/>
+          <a:chExt cx="0" cy="0"/>
+        </a:xfrm>
+      </p:grpSpPr>
+      <p:sp>
+        <p:nvSpPr>
+          <p:cNvPr id="2" name="Título 1"/>
+          <p:cNvSpPr>
+            <a:spLocks noGrp="1"/>
+          </p:cNvSpPr>
+          <p:nvPr>
+            <p:ph type="title"/>
+          </p:nvPr>
+        </p:nvSpPr>
+        <p:spPr>
+          <a:xfrm>
+            <a:off x="1141413" y="609600"/>
+            <a:ext cx="2751079" cy="1905000"/>
+          </a:xfrm>
+        </p:spPr>
+        <p:txBody>
+          <a:bodyPr/>
+          <a:lstStyle/>
+          <a:p>
+            <a:r>
+              <a:rPr lang="pt-BR" dirty="0" smtClean="0"/>
+              <a:t>Métodos e Estratégias de Luta</a:t>
+            </a:r>
+            <a:endParaRPr lang="pt-BR" dirty="0"/>
+          </a:p>
+        </p:txBody>
+      </p:sp>
+      <p:sp>
+        <p:nvSpPr>
+          <p:cNvPr id="5" name="Espaço Reservado para Conteúdo 4"/>
+          <p:cNvSpPr>
+            <a:spLocks noGrp="1"/>
+          </p:cNvSpPr>
+          <p:nvPr>
+            <p:ph idx="1"/>
+          </p:nvPr>
+        </p:nvSpPr>
+        <p:spPr>
+          <a:xfrm>
+            <a:off x="3892493" y="609601"/>
+            <a:ext cx="7776594" cy="1905000"/>
+          </a:xfrm>
+        </p:spPr>
+        <p:txBody>
+          <a:bodyPr/>
+          <a:lstStyle/>
+          <a:p>
+            <a:pPr algn="just"/>
+            <a:r>
+              <a:rPr lang="pt-BR" dirty="0"/>
+              <a:t>O MST utiliza ocupações de terras improdutivas, marchas, acampamentos e manifestações como formas de pressão política. Essas estratégias são não-violentas e buscam chamar atenção para a necessidade de uma reforma agrária justa.</a:t>
+            </a:r>
+          </a:p>
+        </p:txBody>
+      </p:sp>
+    </p:spTree>
+    <p:extLst>
+      <p:ext uri="{BB962C8B-B14F-4D97-AF65-F5344CB8AC3E}">
+        <p14:creationId xmlns:p14="http://schemas.microsoft.com/office/powerpoint/2010/main" val="3824378884"/>
+      </p:ext>
+    </p:extLst>
+  </p:cSld>
+  <p:clrMapOvr>
+    <a:masterClrMapping/>
+  </p:clrMapOvr>
+</p:sld>
+</file>
+
+<file path=ppt/slides/slide12.xml><?xml version="1.0" encoding="utf-8"?>
+<p:sld xmlns:a="http://schemas.openxmlformats.org/drawingml/2006/main" xmlns:r="http://schemas.openxmlformats.org/officeDocument/2006/relationships" xmlns:p="http://schemas.openxmlformats.org/presentationml/2006/main">
+  <p:cSld>
+    <p:spTree>
+      <p:nvGrpSpPr>
+        <p:cNvPr id="1" name=""/>
+        <p:cNvGrpSpPr/>
+        <p:nvPr/>
+      </p:nvGrpSpPr>
+      <p:grpSpPr>
+        <a:xfrm>
+          <a:off x="0" y="0"/>
+          <a:ext cx="0" cy="0"/>
+          <a:chOff x="0" y="0"/>
+          <a:chExt cx="0" cy="0"/>
+        </a:xfrm>
+      </p:grpSpPr>
+      <p:pic>
+        <p:nvPicPr>
+          <p:cNvPr id="2" name="Imagem 1"/>
+          <p:cNvPicPr>
+            <a:picLocks noChangeAspect="1"/>
+          </p:cNvPicPr>
+          <p:nvPr/>
+        </p:nvPicPr>
+        <p:blipFill>
+          <a:blip r:embed="rId2">
+            <a:extLst>
+              <a:ext uri="{28A0092B-C50C-407E-A947-70E740481C1C}">
+                <a14:useLocalDpi xmlns:a14="http://schemas.microsoft.com/office/drawing/2010/main" val="0"/>
+              </a:ext>
+            </a:extLst>
+          </a:blip>
+          <a:stretch>
+            <a:fillRect/>
+          </a:stretch>
+        </p:blipFill>
+        <p:spPr>
+          <a:xfrm>
+            <a:off x="0" y="0"/>
+            <a:ext cx="12192000" cy="6858000"/>
+          </a:xfrm>
+          <a:prstGeom prst="rect">
+            <a:avLst/>
+          </a:prstGeom>
+        </p:spPr>
+      </p:pic>
+    </p:spTree>
+    <p:extLst>
+      <p:ext uri="{BB962C8B-B14F-4D97-AF65-F5344CB8AC3E}">
+        <p14:creationId xmlns:p14="http://schemas.microsoft.com/office/powerpoint/2010/main" val="1010548789"/>
+      </p:ext>
+    </p:extLst>
+  </p:cSld>
+  <p:clrMapOvr>
+    <a:masterClrMapping/>
+  </p:clrMapOvr>
+</p:sld>
+</file>
+
+<file path=ppt/slides/slide13.xml><?xml version="1.0" encoding="utf-8"?>
+<p:sld xmlns:a="http://schemas.openxmlformats.org/drawingml/2006/main" xmlns:r="http://schemas.openxmlformats.org/officeDocument/2006/relationships" xmlns:p="http://schemas.openxmlformats.org/presentationml/2006/main">
+  <p:cSld>
+    <p:spTree>
+      <p:nvGrpSpPr>
+        <p:cNvPr id="1" name=""/>
+        <p:cNvGrpSpPr/>
+        <p:nvPr/>
+      </p:nvGrpSpPr>
+      <p:grpSpPr>
+        <a:xfrm>
+          <a:off x="0" y="0"/>
+          <a:ext cx="0" cy="0"/>
+          <a:chOff x="0" y="0"/>
+          <a:chExt cx="0" cy="0"/>
+        </a:xfrm>
+      </p:grpSpPr>
+      <p:sp>
+        <p:nvSpPr>
+          <p:cNvPr id="2" name="Título 1"/>
+          <p:cNvSpPr>
+            <a:spLocks noGrp="1"/>
+          </p:cNvSpPr>
+          <p:nvPr>
+            <p:ph type="title"/>
+          </p:nvPr>
+        </p:nvSpPr>
+        <p:spPr>
+          <a:xfrm>
+            <a:off x="1141414" y="181762"/>
+            <a:ext cx="9905998" cy="1905000"/>
+          </a:xfrm>
+        </p:spPr>
+        <p:txBody>
+          <a:bodyPr/>
+          <a:lstStyle/>
+          <a:p>
+            <a:pPr algn="ctr"/>
+            <a:r>
+              <a:rPr lang="pt-BR" dirty="0"/>
+              <a:t>Conquistas e Vitórias</a:t>
+            </a:r>
+          </a:p>
+        </p:txBody>
+      </p:sp>
+      <p:sp>
+        <p:nvSpPr>
+          <p:cNvPr id="3" name="Espaço Reservado para Conteúdo 2"/>
+          <p:cNvSpPr>
+            <a:spLocks noGrp="1"/>
+          </p:cNvSpPr>
+          <p:nvPr>
+            <p:ph sz="half" idx="1"/>
+          </p:nvPr>
+        </p:nvSpPr>
+        <p:spPr>
+          <a:xfrm>
+            <a:off x="1141414" y="2086762"/>
+            <a:ext cx="4876800" cy="3124201"/>
+          </a:xfrm>
+        </p:spPr>
+        <p:txBody>
+          <a:bodyPr numCol="1"/>
+          <a:lstStyle/>
+          <a:p>
+            <a:pPr algn="ctr">
+              <a:lnSpc>
+                <a:spcPct val="150000"/>
+              </a:lnSpc>
+            </a:pPr>
+            <a:r>
+              <a:rPr lang="pt-BR" dirty="0"/>
+              <a:t>Desde a sua criação, o MST conseguiu estabelecer milhares de assentamentos em terras anteriormente improdutivas, criando comunidades produtivas e promovendo a inclusão social e econômica das famílias assentadas.</a:t>
+            </a:r>
+          </a:p>
+        </p:txBody>
+      </p:sp>
+      <p:pic>
+        <p:nvPicPr>
+          <p:cNvPr id="3074" name="Picture 2" descr="Arquivos conquista - MST"/>
+          <p:cNvPicPr>
+            <a:picLocks noGrp="1" noChangeAspect="1" noChangeArrowheads="1"/>
+          </p:cNvPicPr>
+          <p:nvPr>
+            <p:ph sz="half" idx="2"/>
+          </p:nvPr>
+        </p:nvPicPr>
+        <p:blipFill>
+          <a:blip r:embed="rId2">
+            <a:extLst>
+              <a:ext uri="{28A0092B-C50C-407E-A947-70E740481C1C}">
+                <a14:useLocalDpi xmlns:a14="http://schemas.microsoft.com/office/drawing/2010/main" val="0"/>
+              </a:ext>
+            </a:extLst>
+          </a:blip>
+          <a:srcRect/>
+          <a:stretch>
+            <a:fillRect/>
+          </a:stretch>
+        </p:blipFill>
+        <p:spPr bwMode="auto">
+          <a:xfrm>
+            <a:off x="6265863" y="2085975"/>
+            <a:ext cx="4686300" cy="3124200"/>
+          </a:xfrm>
+          <a:prstGeom prst="rect">
+            <a:avLst/>
+          </a:prstGeom>
+          <a:noFill/>
+          <a:extLst>
+            <a:ext uri="{909E8E84-426E-40DD-AFC4-6F175D3DCCD1}">
+              <a14:hiddenFill xmlns:a14="http://schemas.microsoft.com/office/drawing/2010/main">
+                <a:solidFill>
+                  <a:srgbClr val="FFFFFF"/>
+                </a:solidFill>
+              </a14:hiddenFill>
+            </a:ext>
+          </a:extLst>
+        </p:spPr>
+      </p:pic>
+    </p:spTree>
+    <p:extLst>
+      <p:ext uri="{BB962C8B-B14F-4D97-AF65-F5344CB8AC3E}">
+        <p14:creationId xmlns:p14="http://schemas.microsoft.com/office/powerpoint/2010/main" val="514252098"/>
+      </p:ext>
+    </p:extLst>
+  </p:cSld>
+  <p:clrMapOvr>
+    <a:masterClrMapping/>
+  </p:clrMapOvr>
+</p:sld>
+</file>
+
+<file path=ppt/slides/slide14.xml><?xml version="1.0" encoding="utf-8"?>
+<p:sld xmlns:a="http://schemas.openxmlformats.org/drawingml/2006/main" xmlns:r="http://schemas.openxmlformats.org/officeDocument/2006/relationships" xmlns:p="http://schemas.openxmlformats.org/presentationml/2006/main">
+  <p:cSld>
+    <p:spTree>
+      <p:nvGrpSpPr>
+        <p:cNvPr id="1" name=""/>
+        <p:cNvGrpSpPr/>
+        <p:nvPr/>
+      </p:nvGrpSpPr>
+      <p:grpSpPr>
+        <a:xfrm>
+          <a:off x="0" y="0"/>
+          <a:ext cx="0" cy="0"/>
+          <a:chOff x="0" y="0"/>
+          <a:chExt cx="0" cy="0"/>
+        </a:xfrm>
+      </p:grpSpPr>
+      <p:pic>
+        <p:nvPicPr>
+          <p:cNvPr id="2" name="Imagem 1"/>
+          <p:cNvPicPr>
+            <a:picLocks noChangeAspect="1"/>
+          </p:cNvPicPr>
+          <p:nvPr/>
+        </p:nvPicPr>
+        <p:blipFill>
+          <a:blip r:embed="rId2">
+            <a:extLst>
+              <a:ext uri="{28A0092B-C50C-407E-A947-70E740481C1C}">
+                <a14:useLocalDpi xmlns:a14="http://schemas.microsoft.com/office/drawing/2010/main" val="0"/>
+              </a:ext>
+            </a:extLst>
+          </a:blip>
+          <a:stretch>
+            <a:fillRect/>
+          </a:stretch>
+        </p:blipFill>
+        <p:spPr>
+          <a:xfrm>
+            <a:off x="0" y="0"/>
+            <a:ext cx="12192000" cy="6858000"/>
+          </a:xfrm>
+          <a:prstGeom prst="rect">
+            <a:avLst/>
+          </a:prstGeom>
+        </p:spPr>
+      </p:pic>
+    </p:spTree>
+    <p:extLst>
+      <p:ext uri="{BB962C8B-B14F-4D97-AF65-F5344CB8AC3E}">
+        <p14:creationId xmlns:p14="http://schemas.microsoft.com/office/powerpoint/2010/main" val="2750346257"/>
+      </p:ext>
+    </p:extLst>
+  </p:cSld>
+  <p:clrMapOvr>
+    <a:masterClrMapping/>
+  </p:clrMapOvr>
+</p:sld>
+</file>
+
+<file path=ppt/slides/slide15.xml><?xml version="1.0" encoding="utf-8"?>
+<p:sld xmlns:a="http://schemas.openxmlformats.org/drawingml/2006/main" xmlns:r="http://schemas.openxmlformats.org/officeDocument/2006/relationships" xmlns:p="http://schemas.openxmlformats.org/presentationml/2006/main">
+  <p:cSld>
+    <p:spTree>
+      <p:nvGrpSpPr>
+        <p:cNvPr id="1" name=""/>
+        <p:cNvGrpSpPr/>
+        <p:nvPr/>
+      </p:nvGrpSpPr>
+      <p:grpSpPr>
+        <a:xfrm>
+          <a:off x="0" y="0"/>
+          <a:ext cx="0" cy="0"/>
+          <a:chOff x="0" y="0"/>
+          <a:chExt cx="0" cy="0"/>
+        </a:xfrm>
+      </p:grpSpPr>
+      <p:sp>
+        <p:nvSpPr>
+          <p:cNvPr id="2" name="Título 1"/>
+          <p:cNvSpPr>
+            <a:spLocks noGrp="1"/>
+          </p:cNvSpPr>
+          <p:nvPr>
+            <p:ph type="title"/>
+          </p:nvPr>
+        </p:nvSpPr>
+        <p:spPr>
+          <a:xfrm>
+            <a:off x="3999706" y="701181"/>
+            <a:ext cx="4962089" cy="1905000"/>
+          </a:xfrm>
+        </p:spPr>
+        <p:txBody>
+          <a:bodyPr/>
+          <a:lstStyle/>
+          <a:p>
+            <a:pPr algn="ctr"/>
+            <a:r>
+              <a:rPr lang="pt-BR" dirty="0"/>
+              <a:t>A Educação no MST</a:t>
+            </a:r>
+          </a:p>
+        </p:txBody>
+      </p:sp>
+      <p:sp>
+        <p:nvSpPr>
+          <p:cNvPr id="3" name="Espaço Reservado para Conteúdo 2"/>
+          <p:cNvSpPr>
+            <a:spLocks noGrp="1"/>
+          </p:cNvSpPr>
+          <p:nvPr>
+            <p:ph idx="1"/>
+          </p:nvPr>
+        </p:nvSpPr>
+        <p:spPr>
+          <a:xfrm>
+            <a:off x="2802433" y="2139193"/>
+            <a:ext cx="7356634" cy="3816990"/>
+          </a:xfrm>
+        </p:spPr>
+        <p:txBody>
+          <a:bodyPr/>
+          <a:lstStyle/>
+          <a:p>
+            <a:pPr algn="ctr">
+              <a:lnSpc>
+                <a:spcPct val="150000"/>
+              </a:lnSpc>
+            </a:pPr>
+            <a:r>
+              <a:rPr lang="pt-BR" dirty="0"/>
+              <a:t>O MST acredita na educação popular e criou diversas escolas em seus assentamentos. Essas escolas valorizam a cultura do campo e promovem um modelo de educação inclusivo e emancipatório, formando cidadãos conscientes.</a:t>
+            </a:r>
+          </a:p>
+        </p:txBody>
+      </p:sp>
+    </p:spTree>
+    <p:extLst>
+      <p:ext uri="{BB962C8B-B14F-4D97-AF65-F5344CB8AC3E}">
+        <p14:creationId xmlns:p14="http://schemas.microsoft.com/office/powerpoint/2010/main" val="3715309097"/>
+      </p:ext>
+    </p:extLst>
+  </p:cSld>
+  <p:clrMapOvr>
+    <a:masterClrMapping/>
+  </p:clrMapOvr>
+</p:sld>
+</file>
+
+<file path=ppt/slides/slide16.xml><?xml version="1.0" encoding="utf-8"?>
+<p:sld xmlns:a="http://schemas.openxmlformats.org/drawingml/2006/main" xmlns:r="http://schemas.openxmlformats.org/officeDocument/2006/relationships" xmlns:p="http://schemas.openxmlformats.org/presentationml/2006/main">
+  <p:cSld>
+    <p:spTree>
+      <p:nvGrpSpPr>
+        <p:cNvPr id="1" name=""/>
+        <p:cNvGrpSpPr/>
+        <p:nvPr/>
+      </p:nvGrpSpPr>
+      <p:grpSpPr>
+        <a:xfrm>
+          <a:off x="0" y="0"/>
+          <a:ext cx="0" cy="0"/>
+          <a:chOff x="0" y="0"/>
+          <a:chExt cx="0" cy="0"/>
+        </a:xfrm>
+      </p:grpSpPr>
+      <p:pic>
+        <p:nvPicPr>
+          <p:cNvPr id="2" name="Imagem 1"/>
+          <p:cNvPicPr>
+            <a:picLocks noChangeAspect="1"/>
+          </p:cNvPicPr>
+          <p:nvPr/>
+        </p:nvPicPr>
+        <p:blipFill>
+          <a:blip r:embed="rId2">
+            <a:extLst>
+              <a:ext uri="{28A0092B-C50C-407E-A947-70E740481C1C}">
+                <a14:useLocalDpi xmlns:a14="http://schemas.microsoft.com/office/drawing/2010/main" val="0"/>
+              </a:ext>
+            </a:extLst>
+          </a:blip>
+          <a:stretch>
+            <a:fillRect/>
+          </a:stretch>
+        </p:blipFill>
+        <p:spPr>
+          <a:xfrm>
+            <a:off x="0" y="0"/>
+            <a:ext cx="12192000" cy="6858000"/>
+          </a:xfrm>
+          <a:prstGeom prst="rect">
+            <a:avLst/>
+          </a:prstGeom>
+        </p:spPr>
+      </p:pic>
+    </p:spTree>
+    <p:extLst>
+      <p:ext uri="{BB962C8B-B14F-4D97-AF65-F5344CB8AC3E}">
+        <p14:creationId xmlns:p14="http://schemas.microsoft.com/office/powerpoint/2010/main" val="1920345416"/>
+      </p:ext>
+    </p:extLst>
+  </p:cSld>
+  <p:clrMapOvr>
+    <a:masterClrMapping/>
+  </p:clrMapOvr>
+</p:sld>
+</file>
+
+<file path=ppt/slides/slide17.xml><?xml version="1.0" encoding="utf-8"?>
+<p:sld xmlns:a="http://schemas.openxmlformats.org/drawingml/2006/main" xmlns:r="http://schemas.openxmlformats.org/officeDocument/2006/relationships" xmlns:p="http://schemas.openxmlformats.org/presentationml/2006/main">
+  <p:cSld>
+    <p:spTree>
+      <p:nvGrpSpPr>
+        <p:cNvPr id="1" name=""/>
+        <p:cNvGrpSpPr/>
+        <p:nvPr/>
+      </p:nvGrpSpPr>
+      <p:grpSpPr>
+        <a:xfrm>
+          <a:off x="0" y="0"/>
+          <a:ext cx="0" cy="0"/>
+          <a:chOff x="0" y="0"/>
+          <a:chExt cx="0" cy="0"/>
+        </a:xfrm>
+      </p:grpSpPr>
+      <p:sp>
+        <p:nvSpPr>
+          <p:cNvPr id="2" name="Título 1"/>
+          <p:cNvSpPr>
+            <a:spLocks noGrp="1"/>
+          </p:cNvSpPr>
+          <p:nvPr>
+            <p:ph type="title"/>
+          </p:nvPr>
+        </p:nvSpPr>
+        <p:spPr>
+          <a:xfrm>
+            <a:off x="1141412" y="148206"/>
+            <a:ext cx="9905998" cy="1905000"/>
+          </a:xfrm>
+        </p:spPr>
+        <p:txBody>
+          <a:bodyPr/>
+          <a:lstStyle/>
+          <a:p>
+            <a:pPr algn="ctr"/>
+            <a:r>
+              <a:rPr lang="pt-BR" dirty="0"/>
+              <a:t>Perspectivas Futuras para o MST</a:t>
+            </a:r>
+          </a:p>
+        </p:txBody>
+      </p:sp>
+      <p:sp>
+        <p:nvSpPr>
+          <p:cNvPr id="4" name="Espaço Reservado para Conteúdo 3"/>
+          <p:cNvSpPr>
+            <a:spLocks noGrp="1"/>
+          </p:cNvSpPr>
+          <p:nvPr>
+            <p:ph sz="half" idx="2"/>
+          </p:nvPr>
+        </p:nvSpPr>
+        <p:spPr>
+          <a:xfrm>
+            <a:off x="5352177" y="2667000"/>
+            <a:ext cx="5695233" cy="3124200"/>
+          </a:xfrm>
+        </p:spPr>
+        <p:txBody>
+          <a:bodyPr/>
+          <a:lstStyle/>
+          <a:p>
+            <a:r>
+              <a:rPr lang="pt-BR" dirty="0"/>
+              <a:t>O MST é uma força importante na luta pela justiça social no Brasil. Suas ações e reivindicações nos convidam a refletir sobre a necessidade de uma sociedade mais igualitária e o papel da reforma agrária nesse processo.</a:t>
+            </a:r>
+          </a:p>
+        </p:txBody>
+      </p:sp>
+      <p:pic>
+        <p:nvPicPr>
+          <p:cNvPr id="5122" name="Picture 2" descr="Editoria Galerias de Imagens - MST"/>
+          <p:cNvPicPr>
+            <a:picLocks noGrp="1" noChangeAspect="1" noChangeArrowheads="1"/>
+          </p:cNvPicPr>
+          <p:nvPr>
+            <p:ph sz="half" idx="1"/>
+          </p:nvPr>
+        </p:nvPicPr>
+        <p:blipFill>
+          <a:blip r:embed="rId2">
+            <a:extLst>
+              <a:ext uri="{28A0092B-C50C-407E-A947-70E740481C1C}">
+                <a14:useLocalDpi xmlns:a14="http://schemas.microsoft.com/office/drawing/2010/main" val="0"/>
+              </a:ext>
+            </a:extLst>
+          </a:blip>
+          <a:srcRect/>
+          <a:stretch>
+            <a:fillRect/>
+          </a:stretch>
+        </p:blipFill>
+        <p:spPr bwMode="auto">
+          <a:xfrm>
+            <a:off x="918173" y="2667000"/>
+            <a:ext cx="4165600" cy="3124200"/>
+          </a:xfrm>
+          <a:prstGeom prst="rect">
+            <a:avLst/>
+          </a:prstGeom>
+          <a:noFill/>
+          <a:extLst>
+            <a:ext uri="{909E8E84-426E-40DD-AFC4-6F175D3DCCD1}">
+              <a14:hiddenFill xmlns:a14="http://schemas.microsoft.com/office/drawing/2010/main">
+                <a:solidFill>
+                  <a:srgbClr val="FFFFFF"/>
+                </a:solidFill>
+              </a14:hiddenFill>
+            </a:ext>
+          </a:extLst>
+        </p:spPr>
+      </p:pic>
+    </p:spTree>
+    <p:extLst>
+      <p:ext uri="{BB962C8B-B14F-4D97-AF65-F5344CB8AC3E}">
+        <p14:creationId xmlns:p14="http://schemas.microsoft.com/office/powerpoint/2010/main" val="532575382"/>
+      </p:ext>
+    </p:extLst>
+  </p:cSld>
+  <p:clrMapOvr>
+    <a:masterClrMapping/>
+  </p:clrMapOvr>
+</p:sld>
+</file>
+
+<file path=ppt/slides/slide18.xml><?xml version="1.0" encoding="utf-8"?>
+<p:sld xmlns:a="http://schemas.openxmlformats.org/drawingml/2006/main" xmlns:r="http://schemas.openxmlformats.org/officeDocument/2006/relationships" xmlns:p="http://schemas.openxmlformats.org/presentationml/2006/main">
+  <p:cSld>
+    <p:spTree>
+      <p:nvGrpSpPr>
+        <p:cNvPr id="1" name=""/>
+        <p:cNvGrpSpPr/>
+        <p:nvPr/>
+      </p:nvGrpSpPr>
+      <p:grpSpPr>
+        <a:xfrm>
+          <a:off x="0" y="0"/>
+          <a:ext cx="0" cy="0"/>
+          <a:chOff x="0" y="0"/>
+          <a:chExt cx="0" cy="0"/>
+        </a:xfrm>
+      </p:grpSpPr>
+      <p:pic>
+        <p:nvPicPr>
+          <p:cNvPr id="2" name="Imagem 1"/>
+          <p:cNvPicPr>
+            <a:picLocks noChangeAspect="1"/>
+          </p:cNvPicPr>
+          <p:nvPr/>
+        </p:nvPicPr>
+        <p:blipFill>
+          <a:blip r:embed="rId2">
+            <a:extLst>
+              <a:ext uri="{28A0092B-C50C-407E-A947-70E740481C1C}">
+                <a14:useLocalDpi xmlns:a14="http://schemas.microsoft.com/office/drawing/2010/main" val="0"/>
+              </a:ext>
+            </a:extLst>
+          </a:blip>
+          <a:stretch>
+            <a:fillRect/>
+          </a:stretch>
+        </p:blipFill>
+        <p:spPr>
+          <a:xfrm>
+            <a:off x="0" y="0"/>
+            <a:ext cx="12192000" cy="6858000"/>
+          </a:xfrm>
+          <a:prstGeom prst="rect">
+            <a:avLst/>
+          </a:prstGeom>
+        </p:spPr>
+      </p:pic>
+    </p:spTree>
+    <p:extLst>
+      <p:ext uri="{BB962C8B-B14F-4D97-AF65-F5344CB8AC3E}">
+        <p14:creationId xmlns:p14="http://schemas.microsoft.com/office/powerpoint/2010/main" val="2475390827"/>
+      </p:ext>
+    </p:extLst>
+  </p:cSld>
+  <p:clrMapOvr>
+    <a:masterClrMapping/>
+  </p:clrMapOvr>
+</p:sld>
+</file>
+
+<file path=ppt/slides/slide19.xml><?xml version="1.0" encoding="utf-8"?>
+<p:sld xmlns:a="http://schemas.openxmlformats.org/drawingml/2006/main" xmlns:r="http://schemas.openxmlformats.org/officeDocument/2006/relationships" xmlns:p="http://schemas.openxmlformats.org/presentationml/2006/main">
+  <p:cSld>
+    <p:spTree>
+      <p:nvGrpSpPr>
+        <p:cNvPr id="1" name=""/>
+        <p:cNvGrpSpPr/>
+        <p:nvPr/>
+      </p:nvGrpSpPr>
+      <p:grpSpPr>
+        <a:xfrm>
+          <a:off x="0" y="0"/>
+          <a:ext cx="0" cy="0"/>
+          <a:chOff x="0" y="0"/>
+          <a:chExt cx="0" cy="0"/>
+        </a:xfrm>
+      </p:grpSpPr>
+      <p:sp>
+        <p:nvSpPr>
+          <p:cNvPr id="2" name="Título 1"/>
+          <p:cNvSpPr>
+            <a:spLocks noGrp="1"/>
+          </p:cNvSpPr>
+          <p:nvPr>
+            <p:ph type="title"/>
+          </p:nvPr>
+        </p:nvSpPr>
+        <p:spPr>
+          <a:xfrm>
+            <a:off x="1141412" y="81095"/>
+            <a:ext cx="9905999" cy="3124199"/>
+          </a:xfrm>
+        </p:spPr>
+        <p:txBody>
+          <a:bodyPr/>
+          <a:lstStyle/>
+          <a:p>
+            <a:pPr algn="ctr"/>
+            <a:r>
+              <a:rPr lang="pt-BR" dirty="0"/>
+              <a:t>Produção e Sustentabilidade no MST</a:t>
+            </a:r>
+          </a:p>
+        </p:txBody>
+      </p:sp>
+      <p:sp>
+        <p:nvSpPr>
+          <p:cNvPr id="3" name="Espaço Reservado para Texto 2"/>
+          <p:cNvSpPr>
+            <a:spLocks noGrp="1"/>
+          </p:cNvSpPr>
+          <p:nvPr>
+            <p:ph type="body" idx="1"/>
+          </p:nvPr>
+        </p:nvSpPr>
+        <p:spPr>
+          <a:xfrm>
+            <a:off x="1141411" y="2239861"/>
+            <a:ext cx="9906000" cy="1468073"/>
+          </a:xfrm>
+        </p:spPr>
+        <p:txBody>
+          <a:bodyPr/>
+          <a:lstStyle/>
+          <a:p>
+            <a:r>
+              <a:rPr lang="pt-BR" dirty="0"/>
+              <a:t>O MST é pioneiro em práticas agrícolas sustentáveis, como a agroecologia, que une o cuidado com a terra à produção de alimentos saudáveis. Os assentamentos produzem diversos alimentos orgânicos, vendidos a preços acessíveis.</a:t>
+            </a:r>
+          </a:p>
+        </p:txBody>
+      </p:sp>
+      <p:pic>
+        <p:nvPicPr>
+          <p:cNvPr id="4098" name="Picture 2" descr="6 dados que mostram que o MST é um aliado do meio ambiente"/>
+          <p:cNvPicPr>
+            <a:picLocks noChangeAspect="1" noChangeArrowheads="1"/>
+          </p:cNvPicPr>
+          <p:nvPr/>
+        </p:nvPicPr>
+        <p:blipFill>
+          <a:blip r:embed="rId2" cstate="print">
+            <a:extLst>
+              <a:ext uri="{28A0092B-C50C-407E-A947-70E740481C1C}">
+                <a14:useLocalDpi xmlns:a14="http://schemas.microsoft.com/office/drawing/2010/main" val="0"/>
+              </a:ext>
+            </a:extLst>
+          </a:blip>
+          <a:srcRect/>
+          <a:stretch>
+            <a:fillRect/>
+          </a:stretch>
+        </p:blipFill>
+        <p:spPr bwMode="auto">
+          <a:xfrm>
+            <a:off x="4148165" y="3775046"/>
+            <a:ext cx="3892492" cy="2978092"/>
+          </a:xfrm>
+          <a:prstGeom prst="rect">
+            <a:avLst/>
+          </a:prstGeom>
+          <a:noFill/>
+          <a:extLst>
+            <a:ext uri="{909E8E84-426E-40DD-AFC4-6F175D3DCCD1}">
+              <a14:hiddenFill xmlns:a14="http://schemas.microsoft.com/office/drawing/2010/main">
+                <a:solidFill>
+                  <a:srgbClr val="FFFFFF"/>
+                </a:solidFill>
+              </a14:hiddenFill>
+            </a:ext>
+          </a:extLst>
+        </p:spPr>
+      </p:pic>
+    </p:spTree>
+    <p:extLst>
+      <p:ext uri="{BB962C8B-B14F-4D97-AF65-F5344CB8AC3E}">
+        <p14:creationId xmlns:p14="http://schemas.microsoft.com/office/powerpoint/2010/main" val="2619772840"/>
+      </p:ext>
+    </p:extLst>
+  </p:cSld>
+  <p:clrMapOvr>
+    <a:masterClrMapping/>
+  </p:clrMapOvr>
+</p:sld>
+</file>
+
 <file path=ppt/slides/slide2.xml><?xml version="1.0" encoding="utf-8"?>
 <p:sld xmlns:a="http://schemas.openxmlformats.org/drawingml/2006/main" xmlns:r="http://schemas.openxmlformats.org/officeDocument/2006/relationships" xmlns:p="http://schemas.openxmlformats.org/presentationml/2006/main">
   <p:cSld>
@@ -5990,6 +6789,66 @@
 </p:sld>
 </file>
 
+<file path=ppt/slides/slide20.xml><?xml version="1.0" encoding="utf-8"?>
+<p:sld xmlns:a="http://schemas.openxmlformats.org/drawingml/2006/main" xmlns:r="http://schemas.openxmlformats.org/officeDocument/2006/relationships" xmlns:p="http://schemas.openxmlformats.org/presentationml/2006/main">
+  <p:cSld>
+    <p:spTree>
+      <p:nvGrpSpPr>
+        <p:cNvPr id="1" name=""/>
+        <p:cNvGrpSpPr/>
+        <p:nvPr/>
+      </p:nvGrpSpPr>
+      <p:grpSpPr>
+        <a:xfrm>
+          <a:off x="0" y="0"/>
+          <a:ext cx="0" cy="0"/>
+          <a:chOff x="0" y="0"/>
+          <a:chExt cx="0" cy="0"/>
+        </a:xfrm>
+      </p:grpSpPr>
+      <p:pic>
+        <p:nvPicPr>
+          <p:cNvPr id="2" name="Imagem 1"/>
+          <p:cNvPicPr>
+            <a:picLocks noChangeAspect="1"/>
+          </p:cNvPicPr>
+          <p:nvPr/>
+        </p:nvPicPr>
+        <p:blipFill>
+          <a:blip r:embed="rId2">
+            <a:extLst>
+              <a:ext uri="{28A0092B-C50C-407E-A947-70E740481C1C}">
+                <a14:useLocalDpi xmlns:a14="http://schemas.microsoft.com/office/drawing/2010/main" val="0"/>
+              </a:ext>
+            </a:extLst>
+          </a:blip>
+          <a:stretch>
+            <a:fillRect/>
+          </a:stretch>
+        </p:blipFill>
+        <p:spPr>
+          <a:xfrm>
+            <a:off x="0" y="0"/>
+            <a:ext cx="12192000" cy="6858000"/>
+          </a:xfrm>
+          <a:prstGeom prst="rect">
+            <a:avLst/>
+          </a:prstGeom>
+        </p:spPr>
+      </p:pic>
+    </p:spTree>
+    <p:extLst>
+      <p:ext uri="{BB962C8B-B14F-4D97-AF65-F5344CB8AC3E}">
+        <p14:creationId xmlns:p14="http://schemas.microsoft.com/office/powerpoint/2010/main" val="3410052040"/>
+      </p:ext>
+    </p:extLst>
+  </p:cSld>
+  <p:clrMapOvr>
+    <a:masterClrMapping/>
+  </p:clrMapOvr>
+</p:sld>
+</file>
+
 <file path=ppt/slides/slide3.xml><?xml version="1.0" encoding="utf-8"?>
 <p:sld xmlns:a="http://schemas.openxmlformats.org/drawingml/2006/main" xmlns:r="http://schemas.openxmlformats.org/officeDocument/2006/relationships" xmlns:p="http://schemas.openxmlformats.org/presentationml/2006/main">
   <p:cSld>
@@ -6009,9 +6868,9 @@
       </p:grpSpPr>
       <p:pic>
         <p:nvPicPr>
-          <p:cNvPr id="1026" name="Picture 2" descr="Nossos Símbolos - MST"/>
+          <p:cNvPr id="2" name="Imagem 1"/>
           <p:cNvPicPr>
-            <a:picLocks noChangeAspect="1" noChangeArrowheads="1"/>
+            <a:picLocks noChangeAspect="1"/>
           </p:cNvPicPr>
           <p:nvPr/>
         </p:nvPicPr>
@@ -6023,12 +6882,11 @@
               </a:ext>
             </a:extLst>
           </a:blip>
-          <a:srcRect/>
           <a:stretch>
             <a:fillRect/>
           </a:stretch>
         </p:blipFill>
-        <p:spPr bwMode="auto">
+        <p:spPr>
           <a:xfrm>
             <a:off x="0" y="0"/>
             <a:ext cx="12192000" cy="6858000"/>
@@ -6036,22 +6894,12 @@
           <a:prstGeom prst="rect">
             <a:avLst/>
           </a:prstGeom>
-          <a:noFill/>
-          <a:extLst>
-            <a:ext uri="{909E8E84-426E-40DD-AFC4-6F175D3DCCD1}">
-              <a14:hiddenFill xmlns:a14="http://schemas.microsoft.com/office/drawing/2010/main">
-                <a:solidFill>
-                  <a:srgbClr val="FFFFFF"/>
-                </a:solidFill>
-              </a14:hiddenFill>
-            </a:ext>
-          </a:extLst>
         </p:spPr>
       </p:pic>
     </p:spTree>
     <p:extLst>
       <p:ext uri="{BB962C8B-B14F-4D97-AF65-F5344CB8AC3E}">
-        <p14:creationId xmlns:p14="http://schemas.microsoft.com/office/powerpoint/2010/main" val="110682843"/>
+        <p14:creationId xmlns:p14="http://schemas.microsoft.com/office/powerpoint/2010/main" val="303413568"/>
       </p:ext>
     </p:extLst>
   </p:cSld>
@@ -6078,10 +6926,480 @@
           <a:chExt cx="0" cy="0"/>
         </a:xfrm>
       </p:grpSpPr>
+      <p:sp>
+        <p:nvSpPr>
+          <p:cNvPr id="5" name="Título 4"/>
+          <p:cNvSpPr>
+            <a:spLocks noGrp="1"/>
+          </p:cNvSpPr>
+          <p:nvPr>
+            <p:ph type="title"/>
+          </p:nvPr>
+        </p:nvSpPr>
+        <p:spPr>
+          <a:xfrm>
+            <a:off x="1141413" y="67112"/>
+            <a:ext cx="9905998" cy="1317072"/>
+          </a:xfrm>
+        </p:spPr>
+        <p:txBody>
+          <a:bodyPr/>
+          <a:lstStyle/>
+          <a:p>
+            <a:r>
+              <a:rPr lang="pt-BR" dirty="0"/>
+              <a:t>O Problema da Concentração de Terras no Brasil</a:t>
+            </a:r>
+          </a:p>
+        </p:txBody>
+      </p:sp>
+      <p:sp>
+        <p:nvSpPr>
+          <p:cNvPr id="6" name="Espaço Reservado para Conteúdo 5"/>
+          <p:cNvSpPr>
+            <a:spLocks noGrp="1"/>
+          </p:cNvSpPr>
+          <p:nvPr>
+            <p:ph idx="1"/>
+          </p:nvPr>
+        </p:nvSpPr>
+        <p:spPr>
+          <a:xfrm>
+            <a:off x="1141413" y="1568041"/>
+            <a:ext cx="5787892" cy="3124201"/>
+          </a:xfrm>
+        </p:spPr>
+        <p:txBody>
+          <a:bodyPr/>
+          <a:lstStyle/>
+          <a:p>
+            <a:r>
+              <a:rPr lang="pt-BR" dirty="0" smtClean="0"/>
+              <a:t>No </a:t>
+            </a:r>
+            <a:r>
+              <a:rPr lang="pt-BR" dirty="0"/>
+              <a:t>Brasil, uma pequena parcela da população controla a maioria das terras agricultáveis. Essa concentração acentua a desigualdade social e impede o desenvolvimento sustentável no campo, o que motivou o surgimento e fortalecimento do MST</a:t>
+            </a:r>
+            <a:r>
+              <a:rPr lang="pt-BR" dirty="0" smtClean="0"/>
+              <a:t>.</a:t>
+            </a:r>
+            <a:endParaRPr lang="pt-BR" dirty="0"/>
+          </a:p>
+          <a:p>
+            <a:endParaRPr lang="pt-BR" dirty="0"/>
+          </a:p>
+        </p:txBody>
+      </p:sp>
+      <p:pic>
+        <p:nvPicPr>
+          <p:cNvPr id="1028" name="Picture 4" descr="O problema dos latifúndios • Infoenem"/>
+          <p:cNvPicPr>
+            <a:picLocks noChangeAspect="1" noChangeArrowheads="1"/>
+          </p:cNvPicPr>
+          <p:nvPr/>
+        </p:nvPicPr>
+        <p:blipFill>
+          <a:blip r:embed="rId2">
+            <a:extLst>
+              <a:ext uri="{28A0092B-C50C-407E-A947-70E740481C1C}">
+                <a14:useLocalDpi xmlns:a14="http://schemas.microsoft.com/office/drawing/2010/main" val="0"/>
+              </a:ext>
+            </a:extLst>
+          </a:blip>
+          <a:srcRect/>
+          <a:stretch>
+            <a:fillRect/>
+          </a:stretch>
+        </p:blipFill>
+        <p:spPr bwMode="auto">
+          <a:xfrm>
+            <a:off x="6929305" y="1568041"/>
+            <a:ext cx="4118106" cy="3124201"/>
+          </a:xfrm>
+          <a:prstGeom prst="rect">
+            <a:avLst/>
+          </a:prstGeom>
+          <a:noFill/>
+          <a:extLst>
+            <a:ext uri="{909E8E84-426E-40DD-AFC4-6F175D3DCCD1}">
+              <a14:hiddenFill xmlns:a14="http://schemas.microsoft.com/office/drawing/2010/main">
+                <a:solidFill>
+                  <a:srgbClr val="FFFFFF"/>
+                </a:solidFill>
+              </a14:hiddenFill>
+            </a:ext>
+          </a:extLst>
+        </p:spPr>
+      </p:pic>
     </p:spTree>
     <p:extLst>
       <p:ext uri="{BB962C8B-B14F-4D97-AF65-F5344CB8AC3E}">
-        <p14:creationId xmlns:p14="http://schemas.microsoft.com/office/powerpoint/2010/main" val="303413568"/>
+        <p14:creationId xmlns:p14="http://schemas.microsoft.com/office/powerpoint/2010/main" val="3922021539"/>
+      </p:ext>
+    </p:extLst>
+  </p:cSld>
+  <p:clrMapOvr>
+    <a:masterClrMapping/>
+  </p:clrMapOvr>
+</p:sld>
+</file>
+
+<file path=ppt/slides/slide5.xml><?xml version="1.0" encoding="utf-8"?>
+<p:sld xmlns:a="http://schemas.openxmlformats.org/drawingml/2006/main" xmlns:r="http://schemas.openxmlformats.org/officeDocument/2006/relationships" xmlns:p="http://schemas.openxmlformats.org/presentationml/2006/main">
+  <p:cSld>
+    <p:spTree>
+      <p:nvGrpSpPr>
+        <p:cNvPr id="1" name=""/>
+        <p:cNvGrpSpPr/>
+        <p:nvPr/>
+      </p:nvGrpSpPr>
+      <p:grpSpPr>
+        <a:xfrm>
+          <a:off x="0" y="0"/>
+          <a:ext cx="0" cy="0"/>
+          <a:chOff x="0" y="0"/>
+          <a:chExt cx="0" cy="0"/>
+        </a:xfrm>
+      </p:grpSpPr>
+      <p:pic>
+        <p:nvPicPr>
+          <p:cNvPr id="2" name="Imagem 1"/>
+          <p:cNvPicPr>
+            <a:picLocks noChangeAspect="1"/>
+          </p:cNvPicPr>
+          <p:nvPr/>
+        </p:nvPicPr>
+        <p:blipFill>
+          <a:blip r:embed="rId2">
+            <a:extLst>
+              <a:ext uri="{28A0092B-C50C-407E-A947-70E740481C1C}">
+                <a14:useLocalDpi xmlns:a14="http://schemas.microsoft.com/office/drawing/2010/main" val="0"/>
+              </a:ext>
+            </a:extLst>
+          </a:blip>
+          <a:stretch>
+            <a:fillRect/>
+          </a:stretch>
+        </p:blipFill>
+        <p:spPr>
+          <a:xfrm>
+            <a:off x="0" y="0"/>
+            <a:ext cx="12192000" cy="6858000"/>
+          </a:xfrm>
+          <a:prstGeom prst="rect">
+            <a:avLst/>
+          </a:prstGeom>
+        </p:spPr>
+      </p:pic>
+    </p:spTree>
+    <p:extLst>
+      <p:ext uri="{BB962C8B-B14F-4D97-AF65-F5344CB8AC3E}">
+        <p14:creationId xmlns:p14="http://schemas.microsoft.com/office/powerpoint/2010/main" val="4072163693"/>
+      </p:ext>
+    </p:extLst>
+  </p:cSld>
+  <p:clrMapOvr>
+    <a:masterClrMapping/>
+  </p:clrMapOvr>
+</p:sld>
+</file>
+
+<file path=ppt/slides/slide6.xml><?xml version="1.0" encoding="utf-8"?>
+<p:sld xmlns:a="http://schemas.openxmlformats.org/drawingml/2006/main" xmlns:r="http://schemas.openxmlformats.org/officeDocument/2006/relationships" xmlns:p="http://schemas.openxmlformats.org/presentationml/2006/main">
+  <p:cSld>
+    <p:spTree>
+      <p:nvGrpSpPr>
+        <p:cNvPr id="1" name=""/>
+        <p:cNvGrpSpPr/>
+        <p:nvPr/>
+      </p:nvGrpSpPr>
+      <p:grpSpPr>
+        <a:xfrm>
+          <a:off x="0" y="0"/>
+          <a:ext cx="0" cy="0"/>
+          <a:chOff x="0" y="0"/>
+          <a:chExt cx="0" cy="0"/>
+        </a:xfrm>
+      </p:grpSpPr>
+      <p:sp>
+        <p:nvSpPr>
+          <p:cNvPr id="2" name="Título 1"/>
+          <p:cNvSpPr>
+            <a:spLocks noGrp="1"/>
+          </p:cNvSpPr>
+          <p:nvPr>
+            <p:ph type="title"/>
+          </p:nvPr>
+        </p:nvSpPr>
+        <p:spPr/>
+        <p:txBody>
+          <a:bodyPr/>
+          <a:lstStyle/>
+          <a:p>
+            <a:pPr algn="ctr"/>
+            <a:r>
+              <a:rPr lang="pt-BR" dirty="0"/>
+              <a:t>A Missão e Objetivo do MST</a:t>
+            </a:r>
+          </a:p>
+        </p:txBody>
+      </p:sp>
+      <p:pic>
+        <p:nvPicPr>
+          <p:cNvPr id="2052" name="Picture 4" descr="MST - Movimento dos Trabalhadores Rurais Sem Terra | Plataforma de Direitos  Humanos - DHESCA Brasil"/>
+          <p:cNvPicPr>
+            <a:picLocks noGrp="1" noChangeAspect="1" noChangeArrowheads="1"/>
+          </p:cNvPicPr>
+          <p:nvPr>
+            <p:ph sz="half" idx="1"/>
+          </p:nvPr>
+        </p:nvPicPr>
+        <p:blipFill>
+          <a:blip r:embed="rId2">
+            <a:extLst>
+              <a:ext uri="{28A0092B-C50C-407E-A947-70E740481C1C}">
+                <a14:useLocalDpi xmlns:a14="http://schemas.microsoft.com/office/drawing/2010/main" val="0"/>
+              </a:ext>
+            </a:extLst>
+          </a:blip>
+          <a:srcRect/>
+          <a:stretch>
+            <a:fillRect/>
+          </a:stretch>
+        </p:blipFill>
+        <p:spPr bwMode="auto">
+          <a:xfrm>
+            <a:off x="1015069" y="2667000"/>
+            <a:ext cx="4023030" cy="3124200"/>
+          </a:xfrm>
+          <a:prstGeom prst="rect">
+            <a:avLst/>
+          </a:prstGeom>
+          <a:noFill/>
+          <a:extLst>
+            <a:ext uri="{909E8E84-426E-40DD-AFC4-6F175D3DCCD1}">
+              <a14:hiddenFill xmlns:a14="http://schemas.microsoft.com/office/drawing/2010/main">
+                <a:solidFill>
+                  <a:srgbClr val="FFFFFF"/>
+                </a:solidFill>
+              </a14:hiddenFill>
+            </a:ext>
+          </a:extLst>
+        </p:spPr>
+      </p:pic>
+      <p:sp>
+        <p:nvSpPr>
+          <p:cNvPr id="4" name="Espaço Reservado para Conteúdo 3"/>
+          <p:cNvSpPr>
+            <a:spLocks noGrp="1"/>
+          </p:cNvSpPr>
+          <p:nvPr>
+            <p:ph sz="half" idx="2"/>
+          </p:nvPr>
+        </p:nvSpPr>
+        <p:spPr>
+          <a:xfrm>
+            <a:off x="5038099" y="2667000"/>
+            <a:ext cx="6009313" cy="1611385"/>
+          </a:xfrm>
+        </p:spPr>
+        <p:txBody>
+          <a:bodyPr/>
+          <a:lstStyle/>
+          <a:p>
+            <a:r>
+              <a:rPr lang="pt-BR" dirty="0"/>
+              <a:t>O MST defende a distribuição justa de terras, visando não só a reforma agrária, mas também a dignidade para as famílias rurais. O movimento acredita que a terra deve ser produtiva e servir ao bem-estar coletivo.</a:t>
+            </a:r>
+          </a:p>
+        </p:txBody>
+      </p:sp>
+    </p:spTree>
+    <p:extLst>
+      <p:ext uri="{BB962C8B-B14F-4D97-AF65-F5344CB8AC3E}">
+        <p14:creationId xmlns:p14="http://schemas.microsoft.com/office/powerpoint/2010/main" val="2416509457"/>
+      </p:ext>
+    </p:extLst>
+  </p:cSld>
+  <p:clrMapOvr>
+    <a:masterClrMapping/>
+  </p:clrMapOvr>
+</p:sld>
+</file>
+
+<file path=ppt/slides/slide7.xml><?xml version="1.0" encoding="utf-8"?>
+<p:sld xmlns:a="http://schemas.openxmlformats.org/drawingml/2006/main" xmlns:r="http://schemas.openxmlformats.org/officeDocument/2006/relationships" xmlns:p="http://schemas.openxmlformats.org/presentationml/2006/main">
+  <p:cSld>
+    <p:spTree>
+      <p:nvGrpSpPr>
+        <p:cNvPr id="1" name=""/>
+        <p:cNvGrpSpPr/>
+        <p:nvPr/>
+      </p:nvGrpSpPr>
+      <p:grpSpPr>
+        <a:xfrm>
+          <a:off x="0" y="0"/>
+          <a:ext cx="0" cy="0"/>
+          <a:chOff x="0" y="0"/>
+          <a:chExt cx="0" cy="0"/>
+        </a:xfrm>
+      </p:grpSpPr>
+      <p:pic>
+        <p:nvPicPr>
+          <p:cNvPr id="2" name="Imagem 1"/>
+          <p:cNvPicPr>
+            <a:picLocks noChangeAspect="1"/>
+          </p:cNvPicPr>
+          <p:nvPr/>
+        </p:nvPicPr>
+        <p:blipFill>
+          <a:blip r:embed="rId2">
+            <a:extLst>
+              <a:ext uri="{28A0092B-C50C-407E-A947-70E740481C1C}">
+                <a14:useLocalDpi xmlns:a14="http://schemas.microsoft.com/office/drawing/2010/main" val="0"/>
+              </a:ext>
+            </a:extLst>
+          </a:blip>
+          <a:stretch>
+            <a:fillRect/>
+          </a:stretch>
+        </p:blipFill>
+        <p:spPr>
+          <a:xfrm>
+            <a:off x="0" y="0"/>
+            <a:ext cx="12192000" cy="6858000"/>
+          </a:xfrm>
+          <a:prstGeom prst="rect">
+            <a:avLst/>
+          </a:prstGeom>
+        </p:spPr>
+      </p:pic>
+    </p:spTree>
+    <p:extLst>
+      <p:ext uri="{BB962C8B-B14F-4D97-AF65-F5344CB8AC3E}">
+        <p14:creationId xmlns:p14="http://schemas.microsoft.com/office/powerpoint/2010/main" val="3324656332"/>
+      </p:ext>
+    </p:extLst>
+  </p:cSld>
+  <p:clrMapOvr>
+    <a:masterClrMapping/>
+  </p:clrMapOvr>
+</p:sld>
+</file>
+
+<file path=ppt/slides/slide8.xml><?xml version="1.0" encoding="utf-8"?>
+<p:sld xmlns:a="http://schemas.openxmlformats.org/drawingml/2006/main" xmlns:r="http://schemas.openxmlformats.org/officeDocument/2006/relationships" xmlns:p="http://schemas.openxmlformats.org/presentationml/2006/main">
+  <p:cSld>
+    <p:spTree>
+      <p:nvGrpSpPr>
+        <p:cNvPr id="1" name=""/>
+        <p:cNvGrpSpPr/>
+        <p:nvPr/>
+      </p:nvGrpSpPr>
+      <p:grpSpPr>
+        <a:xfrm>
+          <a:off x="0" y="0"/>
+          <a:ext cx="0" cy="0"/>
+          <a:chOff x="0" y="0"/>
+          <a:chExt cx="0" cy="0"/>
+        </a:xfrm>
+      </p:grpSpPr>
+      <p:pic>
+        <p:nvPicPr>
+          <p:cNvPr id="2" name="Imagem 1"/>
+          <p:cNvPicPr>
+            <a:picLocks noChangeAspect="1"/>
+          </p:cNvPicPr>
+          <p:nvPr/>
+        </p:nvPicPr>
+        <p:blipFill>
+          <a:blip r:embed="rId2">
+            <a:extLst>
+              <a:ext uri="{28A0092B-C50C-407E-A947-70E740481C1C}">
+                <a14:useLocalDpi xmlns:a14="http://schemas.microsoft.com/office/drawing/2010/main" val="0"/>
+              </a:ext>
+            </a:extLst>
+          </a:blip>
+          <a:stretch>
+            <a:fillRect/>
+          </a:stretch>
+        </p:blipFill>
+        <p:spPr>
+          <a:xfrm>
+            <a:off x="0" y="0"/>
+            <a:ext cx="12192000" cy="6858000"/>
+          </a:xfrm>
+          <a:prstGeom prst="rect">
+            <a:avLst/>
+          </a:prstGeom>
+        </p:spPr>
+      </p:pic>
+    </p:spTree>
+    <p:extLst>
+      <p:ext uri="{BB962C8B-B14F-4D97-AF65-F5344CB8AC3E}">
+        <p14:creationId xmlns:p14="http://schemas.microsoft.com/office/powerpoint/2010/main" val="1510490079"/>
+      </p:ext>
+    </p:extLst>
+  </p:cSld>
+  <p:clrMapOvr>
+    <a:masterClrMapping/>
+  </p:clrMapOvr>
+</p:sld>
+</file>
+
+<file path=ppt/slides/slide9.xml><?xml version="1.0" encoding="utf-8"?>
+<p:sld xmlns:a="http://schemas.openxmlformats.org/drawingml/2006/main" xmlns:r="http://schemas.openxmlformats.org/officeDocument/2006/relationships" xmlns:p="http://schemas.openxmlformats.org/presentationml/2006/main">
+  <p:cSld>
+    <p:spTree>
+      <p:nvGrpSpPr>
+        <p:cNvPr id="1" name=""/>
+        <p:cNvGrpSpPr/>
+        <p:nvPr/>
+      </p:nvGrpSpPr>
+      <p:grpSpPr>
+        <a:xfrm>
+          <a:off x="0" y="0"/>
+          <a:ext cx="0" cy="0"/>
+          <a:chOff x="0" y="0"/>
+          <a:chExt cx="0" cy="0"/>
+        </a:xfrm>
+      </p:grpSpPr>
+      <p:pic>
+        <p:nvPicPr>
+          <p:cNvPr id="2" name="Imagem 1"/>
+          <p:cNvPicPr>
+            <a:picLocks noChangeAspect="1"/>
+          </p:cNvPicPr>
+          <p:nvPr/>
+        </p:nvPicPr>
+        <p:blipFill>
+          <a:blip r:embed="rId2">
+            <a:extLst>
+              <a:ext uri="{28A0092B-C50C-407E-A947-70E740481C1C}">
+                <a14:useLocalDpi xmlns:a14="http://schemas.microsoft.com/office/drawing/2010/main" val="0"/>
+              </a:ext>
+            </a:extLst>
+          </a:blip>
+          <a:stretch>
+            <a:fillRect/>
+          </a:stretch>
+        </p:blipFill>
+        <p:spPr>
+          <a:xfrm>
+            <a:off x="0" y="0"/>
+            <a:ext cx="12192000" cy="6858000"/>
+          </a:xfrm>
+          <a:prstGeom prst="rect">
+            <a:avLst/>
+          </a:prstGeom>
+        </p:spPr>
+      </p:pic>
+    </p:spTree>
+    <p:extLst>
+      <p:ext uri="{BB962C8B-B14F-4D97-AF65-F5344CB8AC3E}">
+        <p14:creationId xmlns:p14="http://schemas.microsoft.com/office/powerpoint/2010/main" val="629216018"/>
       </p:ext>
     </p:extLst>
   </p:cSld>
@@ -6092,9 +7410,9 @@
 </file>
 
 <file path=ppt/theme/theme1.xml><?xml version="1.0" encoding="utf-8"?>
-<a:theme xmlns:a="http://schemas.openxmlformats.org/drawingml/2006/main" name="Trilha de Vapor">
+<a:theme xmlns:a="http://schemas.openxmlformats.org/drawingml/2006/main" name="Malha">
   <a:themeElements>
-    <a:clrScheme name="Trilha de Vapor">
+    <a:clrScheme name="Malha">
       <a:dk1>
         <a:sysClr val="windowText" lastClr="000000"/>
       </a:dk1>
@@ -6102,83 +7420,48 @@
         <a:sysClr val="window" lastClr="FFFFFF"/>
       </a:lt1>
       <a:dk2>
-        <a:srgbClr val="454545"/>
+        <a:srgbClr val="363D46"/>
       </a:dk2>
       <a:lt2>
-        <a:srgbClr val="DADADA"/>
+        <a:srgbClr val="EBEBEB"/>
       </a:lt2>
       <a:accent1>
-        <a:srgbClr val="DF2E28"/>
+        <a:srgbClr val="A9E023"/>
       </a:accent1>
       <a:accent2>
-        <a:srgbClr val="FE801A"/>
+        <a:srgbClr val="1FCDB6"/>
       </a:accent2>
       <a:accent3>
-        <a:srgbClr val="E9BF35"/>
+        <a:srgbClr val="5F99C9"/>
       </a:accent3>
       <a:accent4>
-        <a:srgbClr val="81BB42"/>
+        <a:srgbClr val="AE65D1"/>
       </a:accent4>
       <a:accent5>
-        <a:srgbClr val="32C7A9"/>
+        <a:srgbClr val="D06423"/>
       </a:accent5>
       <a:accent6>
-        <a:srgbClr val="4A9BDC"/>
+        <a:srgbClr val="DCAB11"/>
       </a:accent6>
       <a:hlink>
-        <a:srgbClr val="F0532B"/>
+        <a:srgbClr val="ADE133"/>
       </a:hlink>
       <a:folHlink>
-        <a:srgbClr val="F38B53"/>
+        <a:srgbClr val="C2EA66"/>
       </a:folHlink>
     </a:clrScheme>
-    <a:fontScheme name="Trilha de Vapor">
+    <a:fontScheme name="Malha">
       <a:majorFont>
         <a:latin typeface="Century Gothic" panose="020B0502020202020204"/>
         <a:ea typeface=""/>
         <a:cs typeface=""/>
-        <a:font script="Jpan" typeface="ＭＳ Ｐゴシック"/>
+        <a:font script="Jpan" typeface="ＭＳ ゴシック"/>
         <a:font script="Hang" typeface="맑은 고딕"/>
         <a:font script="Hans" typeface="宋体"/>
         <a:font script="Hant" typeface="新細明體"/>
-        <a:font script="Arab" typeface="Times New Roman"/>
-        <a:font script="Hebr" typeface="Times New Roman"/>
-        <a:font script="Thai" typeface="Angsana New"/>
-        <a:font script="Ethi" typeface="Nyala"/>
-        <a:font script="Beng" typeface="Vrinda"/>
-        <a:font script="Gujr" typeface="Shruti"/>
-        <a:font script="Khmr" typeface="MoolBoran"/>
-        <a:font script="Knda" typeface="Tunga"/>
-        <a:font script="Guru" typeface="Raavi"/>
-        <a:font script="Cans" typeface="Euphemia"/>
-        <a:font script="Cher" typeface="Plantagenet Cherokee"/>
-        <a:font script="Yiii" typeface="Microsoft Yi Baiti"/>
-        <a:font script="Tibt" typeface="Microsoft Himalaya"/>
-        <a:font script="Thaa" typeface="MV Boli"/>
-        <a:font script="Deva" typeface="Mangal"/>
-        <a:font script="Telu" typeface="Gautami"/>
-        <a:font script="Taml" typeface="Latha"/>
-        <a:font script="Syrc" typeface="Estrangelo Edessa"/>
-        <a:font script="Orya" typeface="Kalinga"/>
-        <a:font script="Mlym" typeface="Kartika"/>
-        <a:font script="Laoo" typeface="DokChampa"/>
-        <a:font script="Sinh" typeface="Iskoola Pota"/>
-        <a:font script="Mong" typeface="Mongolian Baiti"/>
-        <a:font script="Viet" typeface="Times New Roman"/>
-        <a:font script="Uigh" typeface="Microsoft Uighur"/>
-        <a:font script="Geor" typeface="Sylfaen"/>
-      </a:majorFont>
-      <a:minorFont>
-        <a:latin typeface="Century Gothic" panose="020B0502020202020204"/>
-        <a:ea typeface=""/>
-        <a:cs typeface=""/>
-        <a:font script="Jpan" typeface="ＭＳ Ｐゴシック"/>
-        <a:font script="Hang" typeface="맑은 고딕"/>
-        <a:font script="Hans" typeface="宋体"/>
-        <a:font script="Hant" typeface="新細明體"/>
-        <a:font script="Arab" typeface="Arial"/>
-        <a:font script="Hebr" typeface="Arial"/>
-        <a:font script="Thai" typeface="Cordia New"/>
+        <a:font script="Arab" typeface="Tahoma"/>
+        <a:font script="Hebr" typeface="Gisha"/>
+        <a:font script="Thai" typeface="DilleniaUPC"/>
         <a:font script="Ethi" typeface="Nyala"/>
         <a:font script="Beng" typeface="Vrinda"/>
         <a:font script="Gujr" typeface="Shruti"/>
@@ -6199,12 +7482,47 @@
         <a:font script="Laoo" typeface="DokChampa"/>
         <a:font script="Sinh" typeface="Iskoola Pota"/>
         <a:font script="Mong" typeface="Mongolian Baiti"/>
-        <a:font script="Viet" typeface="Arial"/>
+        <a:font script="Viet" typeface="Tahoma"/>
+        <a:font script="Uigh" typeface="Microsoft Uighur"/>
+        <a:font script="Geor" typeface="Sylfaen"/>
+      </a:majorFont>
+      <a:minorFont>
+        <a:latin typeface="Century Gothic" panose="020B0502020202020204"/>
+        <a:ea typeface=""/>
+        <a:cs typeface=""/>
+        <a:font script="Jpan" typeface="ＭＳ ゴシック"/>
+        <a:font script="Hang" typeface="맑은 고딕"/>
+        <a:font script="Hans" typeface="宋体"/>
+        <a:font script="Hant" typeface="新細明體"/>
+        <a:font script="Arab" typeface="Tahoma"/>
+        <a:font script="Hebr" typeface="Gisha"/>
+        <a:font script="Thai" typeface="DilleniaUPC"/>
+        <a:font script="Ethi" typeface="Nyala"/>
+        <a:font script="Beng" typeface="Vrinda"/>
+        <a:font script="Gujr" typeface="Shruti"/>
+        <a:font script="Khmr" typeface="DaunPenh"/>
+        <a:font script="Knda" typeface="Tunga"/>
+        <a:font script="Guru" typeface="Raavi"/>
+        <a:font script="Cans" typeface="Euphemia"/>
+        <a:font script="Cher" typeface="Plantagenet Cherokee"/>
+        <a:font script="Yiii" typeface="Microsoft Yi Baiti"/>
+        <a:font script="Tibt" typeface="Microsoft Himalaya"/>
+        <a:font script="Thaa" typeface="MV Boli"/>
+        <a:font script="Deva" typeface="Mangal"/>
+        <a:font script="Telu" typeface="Gautami"/>
+        <a:font script="Taml" typeface="Latha"/>
+        <a:font script="Syrc" typeface="Estrangelo Edessa"/>
+        <a:font script="Orya" typeface="Kalinga"/>
+        <a:font script="Mlym" typeface="Kartika"/>
+        <a:font script="Laoo" typeface="DokChampa"/>
+        <a:font script="Sinh" typeface="Iskoola Pota"/>
+        <a:font script="Mong" typeface="Mongolian Baiti"/>
+        <a:font script="Viet" typeface="Verdana"/>
         <a:font script="Uigh" typeface="Microsoft Uighur"/>
         <a:font script="Geor" typeface="Sylfaen"/>
       </a:minorFont>
     </a:fontScheme>
-    <a:fmtScheme name="Trilha de Vapor">
+    <a:fmtScheme name="Malha">
       <a:fillStyleLst>
         <a:solidFill>
           <a:schemeClr val="phClr"/>
@@ -6213,24 +7531,13 @@
           <a:gsLst>
             <a:gs pos="0">
               <a:schemeClr val="phClr">
-                <a:tint val="69000"/>
-                <a:alpha val="100000"/>
-                <a:satMod val="109000"/>
+                <a:tint val="60000"/>
                 <a:lumMod val="110000"/>
-              </a:schemeClr>
-            </a:gs>
-            <a:gs pos="52000">
-              <a:schemeClr val="phClr">
-                <a:tint val="74000"/>
-                <a:satMod val="100000"/>
-                <a:lumMod val="104000"/>
               </a:schemeClr>
             </a:gs>
             <a:gs pos="100000">
               <a:schemeClr val="phClr">
-                <a:tint val="78000"/>
-                <a:satMod val="100000"/>
-                <a:lumMod val="100000"/>
+                <a:tint val="82000"/>
               </a:schemeClr>
             </a:gs>
           </a:gsLst>
@@ -6241,15 +7548,13 @@
             <a:gs pos="0">
               <a:schemeClr val="phClr">
                 <a:tint val="96000"/>
-                <a:satMod val="100000"/>
                 <a:lumMod val="104000"/>
               </a:schemeClr>
             </a:gs>
-            <a:gs pos="78000">
+            <a:gs pos="100000">
               <a:schemeClr val="phClr">
-                <a:shade val="100000"/>
-                <a:satMod val="110000"/>
-                <a:lumMod val="100000"/>
+                <a:shade val="84000"/>
+                <a:lumMod val="84000"/>
               </a:schemeClr>
             </a:gs>
           </a:gsLst>
@@ -6257,19 +7562,19 @@
         </a:gradFill>
       </a:fillStyleLst>
       <a:lnStyleLst>
-        <a:ln w="9525" cap="flat" cmpd="sng" algn="ctr">
+        <a:ln w="9525" cap="rnd" cmpd="sng" algn="ctr">
           <a:solidFill>
             <a:schemeClr val="phClr"/>
           </a:solidFill>
           <a:prstDash val="solid"/>
         </a:ln>
-        <a:ln w="12700" cap="flat" cmpd="sng" algn="ctr">
+        <a:ln w="19050" cap="rnd" cmpd="sng" algn="ctr">
           <a:solidFill>
             <a:schemeClr val="phClr"/>
           </a:solidFill>
           <a:prstDash val="solid"/>
         </a:ln>
-        <a:ln w="19050" cap="flat" cmpd="sng" algn="ctr">
+        <a:ln w="25400" cap="rnd" cmpd="sng" algn="ctr">
           <a:solidFill>
             <a:schemeClr val="phClr"/>
           </a:solidFill>
@@ -6281,22 +7586,19 @@
           <a:effectLst/>
         </a:effectStyle>
         <a:effectStyle>
-          <a:effectLst/>
-          <a:scene3d>
-            <a:camera prst="orthographicFront">
-              <a:rot lat="0" lon="0" rev="0"/>
-            </a:camera>
-            <a:lightRig rig="threePt" dir="t"/>
-          </a:scene3d>
-          <a:sp3d>
-            <a:bevelT w="25400" h="12700"/>
-          </a:sp3d>
+          <a:effectLst>
+            <a:innerShdw blurRad="50800" dist="25400" dir="13500000">
+              <a:srgbClr val="000000">
+                <a:alpha val="55000"/>
+              </a:srgbClr>
+            </a:innerShdw>
+          </a:effectLst>
         </a:effectStyle>
         <a:effectStyle>
           <a:effectLst>
-            <a:outerShdw blurRad="57150" dist="19050" dir="5400000" algn="ctr" rotWithShape="0">
+            <a:outerShdw blurRad="50800" dist="38100" dir="5400000" rotWithShape="0">
               <a:srgbClr val="000000">
-                <a:alpha val="48000"/>
+                <a:alpha val="60000"/>
               </a:srgbClr>
             </a:outerShdw>
           </a:effectLst>
@@ -6304,10 +7606,10 @@
             <a:camera prst="orthographicFront">
               <a:rot lat="0" lon="0" rev="0"/>
             </a:camera>
-            <a:lightRig rig="threePt" dir="t"/>
+            <a:lightRig rig="threePt" dir="tl"/>
           </a:scene3d>
           <a:sp3d>
-            <a:bevelT w="50800" h="25400"/>
+            <a:bevelT w="25400" h="25400" prst="slope"/>
           </a:sp3d>
         </a:effectStyle>
       </a:effectStyleLst>
@@ -6315,39 +7617,41 @@
         <a:solidFill>
           <a:schemeClr val="phClr"/>
         </a:solidFill>
-        <a:solidFill>
-          <a:schemeClr val="phClr">
-            <a:tint val="95000"/>
-            <a:satMod val="170000"/>
-          </a:schemeClr>
-        </a:solidFill>
         <a:gradFill rotWithShape="1">
           <a:gsLst>
             <a:gs pos="0">
               <a:schemeClr val="phClr">
-                <a:tint val="93000"/>
-                <a:shade val="98000"/>
-                <a:satMod val="150000"/>
-                <a:lumMod val="102000"/>
-              </a:schemeClr>
-            </a:gs>
-            <a:gs pos="50000">
-              <a:schemeClr val="phClr">
-                <a:tint val="98000"/>
-                <a:shade val="90000"/>
-                <a:satMod val="130000"/>
-                <a:lumMod val="103000"/>
+                <a:tint val="90000"/>
+                <a:lumMod val="110000"/>
               </a:schemeClr>
             </a:gs>
             <a:gs pos="100000">
               <a:schemeClr val="phClr">
-                <a:shade val="63000"/>
-                <a:satMod val="120000"/>
+                <a:shade val="64000"/>
+                <a:lumMod val="98000"/>
               </a:schemeClr>
             </a:gs>
           </a:gsLst>
           <a:lin ang="5400000" scaled="0"/>
         </a:gradFill>
+        <a:blipFill rotWithShape="1">
+          <a:blip xmlns:r="http://schemas.openxmlformats.org/officeDocument/2006/relationships" r:embed="rId1">
+            <a:duotone>
+              <a:schemeClr val="phClr">
+                <a:shade val="28000"/>
+                <a:satMod val="94000"/>
+                <a:lumMod val="20000"/>
+              </a:schemeClr>
+              <a:schemeClr val="phClr">
+                <a:tint val="94000"/>
+                <a:shade val="84000"/>
+                <a:satMod val="148000"/>
+                <a:lumMod val="114000"/>
+              </a:schemeClr>
+            </a:duotone>
+          </a:blip>
+          <a:stretch/>
+        </a:blipFill>
       </a:bgFillStyleLst>
     </a:fmtScheme>
   </a:themeElements>
@@ -6355,7 +7659,7 @@
   <a:extraClrSchemeLst/>
   <a:extLst>
     <a:ext uri="{05A4C25C-085E-4340-85A3-A5531E510DB2}">
-      <thm15:themeFamily xmlns:thm15="http://schemas.microsoft.com/office/thememl/2012/main" name="Vapor Trail" id="{4FDF2955-7D9C-493C-B9F9-C205151B46CD}" vid="{8F31A783-2159-4870-BC29-2BA7D038EA44}"/>
+      <thm15:themeFamily xmlns:thm15="http://schemas.microsoft.com/office/thememl/2012/main" name="Mesh" id="{789EC3FE-34FD-429C-9918-760025E6C145}" vid="{1FEE2289-88FB-467C-9C9A-54F3C85768F0}"/>
     </a:ext>
   </a:extLst>
 </a:theme>
